--- a/Presentations/1.5 Time series.pptx
+++ b/Presentations/1.5 Time series.pptx
@@ -5,7 +5,7 @@
     <p:sldMasterId id="2147483648" r:id="rId1"/>
   </p:sldMasterIdLst>
   <p:notesMasterIdLst>
-    <p:notesMasterId r:id="rId16"/>
+    <p:notesMasterId r:id="rId19"/>
   </p:notesMasterIdLst>
   <p:sldIdLst>
     <p:sldId id="269" r:id="rId2"/>
@@ -13,15 +13,18 @@
     <p:sldId id="257" r:id="rId4"/>
     <p:sldId id="258" r:id="rId5"/>
     <p:sldId id="259" r:id="rId6"/>
-    <p:sldId id="260" r:id="rId7"/>
-    <p:sldId id="262" r:id="rId8"/>
-    <p:sldId id="263" r:id="rId9"/>
-    <p:sldId id="264" r:id="rId10"/>
-    <p:sldId id="265" r:id="rId11"/>
-    <p:sldId id="266" r:id="rId12"/>
-    <p:sldId id="267" r:id="rId13"/>
-    <p:sldId id="270" r:id="rId14"/>
-    <p:sldId id="268" r:id="rId15"/>
+    <p:sldId id="271" r:id="rId7"/>
+    <p:sldId id="272" r:id="rId8"/>
+    <p:sldId id="273" r:id="rId9"/>
+    <p:sldId id="260" r:id="rId10"/>
+    <p:sldId id="262" r:id="rId11"/>
+    <p:sldId id="263" r:id="rId12"/>
+    <p:sldId id="264" r:id="rId13"/>
+    <p:sldId id="265" r:id="rId14"/>
+    <p:sldId id="266" r:id="rId15"/>
+    <p:sldId id="267" r:id="rId16"/>
+    <p:sldId id="270" r:id="rId17"/>
+    <p:sldId id="268" r:id="rId18"/>
   </p:sldIdLst>
   <p:sldSz cx="12192000" cy="6858000"/>
   <p:notesSz cx="6858000" cy="9144000"/>
@@ -625,7 +628,7 @@
           <a:p>
             <a:fld id="{AD1A94AC-CE41-40D0-BC34-E17130F134CD}" type="datetimeFigureOut">
               <a:rPr lang="en-GB" smtClean="0"/>
-              <a:t>04/10/2024</a:t>
+              <a:t>10/10/2024</a:t>
             </a:fld>
             <a:endParaRPr lang="en-GB"/>
           </a:p>
@@ -4829,6 +4832,763 @@
           <p:cNvPr id="2" name="Title 1">
             <a:extLst>
               <a:ext uri="{FF2B5EF4-FFF2-40B4-BE49-F238E27FC236}">
+                <a16:creationId xmlns:a16="http://schemas.microsoft.com/office/drawing/2014/main" id="{C6C6ADCE-E55F-41E5-BF51-74F84110E5C8}"/>
+              </a:ext>
+            </a:extLst>
+          </p:cNvPr>
+          <p:cNvSpPr>
+            <a:spLocks noGrp="1"/>
+          </p:cNvSpPr>
+          <p:nvPr>
+            <p:ph type="title"/>
+          </p:nvPr>
+        </p:nvSpPr>
+        <p:spPr/>
+        <p:txBody>
+          <a:bodyPr/>
+          <a:lstStyle/>
+          <a:p>
+            <a:r>
+              <a:rPr lang="en-GB" dirty="0"/>
+              <a:t>Stationary series</a:t>
+            </a:r>
+          </a:p>
+        </p:txBody>
+      </p:sp>
+      <p:pic>
+        <p:nvPicPr>
+          <p:cNvPr id="7" name="Content Placeholder 6">
+            <a:extLst>
+              <a:ext uri="{FF2B5EF4-FFF2-40B4-BE49-F238E27FC236}">
+                <a16:creationId xmlns:a16="http://schemas.microsoft.com/office/drawing/2014/main" id="{FC4EAA75-22D5-44DD-9FB2-23400764B27F}"/>
+              </a:ext>
+            </a:extLst>
+          </p:cNvPr>
+          <p:cNvPicPr>
+            <a:picLocks noGrp="1" noChangeAspect="1"/>
+          </p:cNvPicPr>
+          <p:nvPr>
+            <p:ph idx="1"/>
+          </p:nvPr>
+        </p:nvPicPr>
+        <p:blipFill>
+          <a:blip r:embed="rId2"/>
+          <a:stretch>
+            <a:fillRect/>
+          </a:stretch>
+        </p:blipFill>
+        <p:spPr>
+          <a:xfrm>
+            <a:off x="1421125" y="1825625"/>
+            <a:ext cx="9349749" cy="4351338"/>
+          </a:xfrm>
+        </p:spPr>
+      </p:pic>
+      <p:sp>
+        <p:nvSpPr>
+          <p:cNvPr id="4" name="Date Placeholder 3">
+            <a:extLst>
+              <a:ext uri="{FF2B5EF4-FFF2-40B4-BE49-F238E27FC236}">
+                <a16:creationId xmlns:a16="http://schemas.microsoft.com/office/drawing/2014/main" id="{EDD5B3D3-2F9A-46D0-B43E-3FEF00380B9D}"/>
+              </a:ext>
+            </a:extLst>
+          </p:cNvPr>
+          <p:cNvSpPr>
+            <a:spLocks noGrp="1"/>
+          </p:cNvSpPr>
+          <p:nvPr>
+            <p:ph type="dt" sz="half" idx="10"/>
+          </p:nvPr>
+        </p:nvSpPr>
+        <p:spPr/>
+        <p:txBody>
+          <a:bodyPr/>
+          <a:lstStyle/>
+          <a:p>
+            <a:r>
+              <a:rPr lang="en-US"/>
+              <a:t>15-17/10/2024</a:t>
+            </a:r>
+            <a:endParaRPr lang="en-GB"/>
+          </a:p>
+        </p:txBody>
+      </p:sp>
+      <p:sp>
+        <p:nvSpPr>
+          <p:cNvPr id="5" name="Footer Placeholder 4">
+            <a:extLst>
+              <a:ext uri="{FF2B5EF4-FFF2-40B4-BE49-F238E27FC236}">
+                <a16:creationId xmlns:a16="http://schemas.microsoft.com/office/drawing/2014/main" id="{CF760A3E-26C7-487E-AB90-5224597BB540}"/>
+              </a:ext>
+            </a:extLst>
+          </p:cNvPr>
+          <p:cNvSpPr>
+            <a:spLocks noGrp="1"/>
+          </p:cNvSpPr>
+          <p:nvPr>
+            <p:ph type="ftr" sz="quarter" idx="11"/>
+          </p:nvPr>
+        </p:nvSpPr>
+        <p:spPr/>
+        <p:txBody>
+          <a:bodyPr/>
+          <a:lstStyle/>
+          <a:p>
+            <a:r>
+              <a:rPr lang="en-GB"/>
+              <a:t>CONTRACTORS ORGANISING SOME OF THE COURSES ARE ACTING UNDER A FRAMEWORK CONTRACT CONCLUDED WITH THE COMMISSION</a:t>
+            </a:r>
+          </a:p>
+        </p:txBody>
+      </p:sp>
+    </p:spTree>
+    <p:extLst>
+      <p:ext uri="{BB962C8B-B14F-4D97-AF65-F5344CB8AC3E}">
+        <p14:creationId xmlns:p14="http://schemas.microsoft.com/office/powerpoint/2010/main" val="1425732455"/>
+      </p:ext>
+    </p:extLst>
+  </p:cSld>
+  <p:clrMapOvr>
+    <a:masterClrMapping/>
+  </p:clrMapOvr>
+</p:sld>
+</file>
+
+<file path=ppt/slides/slide11.xml><?xml version="1.0" encoding="utf-8"?>
+<p:sld xmlns:a="http://schemas.openxmlformats.org/drawingml/2006/main" xmlns:r="http://schemas.openxmlformats.org/officeDocument/2006/relationships" xmlns:p="http://schemas.openxmlformats.org/presentationml/2006/main">
+  <p:cSld>
+    <p:spTree>
+      <p:nvGrpSpPr>
+        <p:cNvPr id="1" name=""/>
+        <p:cNvGrpSpPr/>
+        <p:nvPr/>
+      </p:nvGrpSpPr>
+      <p:grpSpPr>
+        <a:xfrm>
+          <a:off x="0" y="0"/>
+          <a:ext cx="0" cy="0"/>
+          <a:chOff x="0" y="0"/>
+          <a:chExt cx="0" cy="0"/>
+        </a:xfrm>
+      </p:grpSpPr>
+      <p:sp>
+        <p:nvSpPr>
+          <p:cNvPr id="2" name="Title 1">
+            <a:extLst>
+              <a:ext uri="{FF2B5EF4-FFF2-40B4-BE49-F238E27FC236}">
+                <a16:creationId xmlns:a16="http://schemas.microsoft.com/office/drawing/2014/main" id="{3F484B7A-58FB-4EC6-BEF8-563ABBDABC71}"/>
+              </a:ext>
+            </a:extLst>
+          </p:cNvPr>
+          <p:cNvSpPr>
+            <a:spLocks noGrp="1"/>
+          </p:cNvSpPr>
+          <p:nvPr>
+            <p:ph type="title"/>
+          </p:nvPr>
+        </p:nvSpPr>
+        <p:spPr/>
+        <p:txBody>
+          <a:bodyPr/>
+          <a:lstStyle/>
+          <a:p>
+            <a:r>
+              <a:rPr lang="en-GB" dirty="0"/>
+              <a:t>Stationary series in R</a:t>
+            </a:r>
+          </a:p>
+        </p:txBody>
+      </p:sp>
+      <p:sp>
+        <p:nvSpPr>
+          <p:cNvPr id="4" name="Date Placeholder 3">
+            <a:extLst>
+              <a:ext uri="{FF2B5EF4-FFF2-40B4-BE49-F238E27FC236}">
+                <a16:creationId xmlns:a16="http://schemas.microsoft.com/office/drawing/2014/main" id="{9EC6E781-BF93-44E4-9D73-ACA9CBF527B7}"/>
+              </a:ext>
+            </a:extLst>
+          </p:cNvPr>
+          <p:cNvSpPr>
+            <a:spLocks noGrp="1"/>
+          </p:cNvSpPr>
+          <p:nvPr>
+            <p:ph type="dt" sz="half" idx="10"/>
+          </p:nvPr>
+        </p:nvSpPr>
+        <p:spPr/>
+        <p:txBody>
+          <a:bodyPr/>
+          <a:lstStyle/>
+          <a:p>
+            <a:r>
+              <a:rPr lang="en-US"/>
+              <a:t>15-17/10/2024</a:t>
+            </a:r>
+            <a:endParaRPr lang="en-GB"/>
+          </a:p>
+        </p:txBody>
+      </p:sp>
+      <p:sp>
+        <p:nvSpPr>
+          <p:cNvPr id="5" name="Footer Placeholder 4">
+            <a:extLst>
+              <a:ext uri="{FF2B5EF4-FFF2-40B4-BE49-F238E27FC236}">
+                <a16:creationId xmlns:a16="http://schemas.microsoft.com/office/drawing/2014/main" id="{4F114F3D-D210-4AF1-8DB5-62B99927784C}"/>
+              </a:ext>
+            </a:extLst>
+          </p:cNvPr>
+          <p:cNvSpPr>
+            <a:spLocks noGrp="1"/>
+          </p:cNvSpPr>
+          <p:nvPr>
+            <p:ph type="ftr" sz="quarter" idx="11"/>
+          </p:nvPr>
+        </p:nvSpPr>
+        <p:spPr/>
+        <p:txBody>
+          <a:bodyPr/>
+          <a:lstStyle/>
+          <a:p>
+            <a:r>
+              <a:rPr lang="en-GB"/>
+              <a:t>CONTRACTORS ORGANISING SOME OF THE COURSES ARE ACTING UNDER A FRAMEWORK CONTRACT CONCLUDED WITH THE COMMISSION</a:t>
+            </a:r>
+          </a:p>
+        </p:txBody>
+      </p:sp>
+      <p:pic>
+        <p:nvPicPr>
+          <p:cNvPr id="11" name="Content Placeholder 10">
+            <a:extLst>
+              <a:ext uri="{FF2B5EF4-FFF2-40B4-BE49-F238E27FC236}">
+                <a16:creationId xmlns:a16="http://schemas.microsoft.com/office/drawing/2014/main" id="{BBAA7276-A8BD-40AA-B0C9-6DE541BC7BCD}"/>
+              </a:ext>
+            </a:extLst>
+          </p:cNvPr>
+          <p:cNvPicPr>
+            <a:picLocks noGrp="1" noChangeAspect="1"/>
+          </p:cNvPicPr>
+          <p:nvPr>
+            <p:ph idx="1"/>
+          </p:nvPr>
+        </p:nvPicPr>
+        <p:blipFill>
+          <a:blip r:embed="rId2"/>
+          <a:stretch>
+            <a:fillRect/>
+          </a:stretch>
+        </p:blipFill>
+        <p:spPr>
+          <a:xfrm>
+            <a:off x="838200" y="1452401"/>
+            <a:ext cx="6640519" cy="4351338"/>
+          </a:xfrm>
+          <a:ln>
+            <a:solidFill>
+              <a:schemeClr val="tx1"/>
+            </a:solidFill>
+          </a:ln>
+        </p:spPr>
+      </p:pic>
+      <p:pic>
+        <p:nvPicPr>
+          <p:cNvPr id="13" name="Picture 12">
+            <a:extLst>
+              <a:ext uri="{FF2B5EF4-FFF2-40B4-BE49-F238E27FC236}">
+                <a16:creationId xmlns:a16="http://schemas.microsoft.com/office/drawing/2014/main" id="{4FA22243-F7CA-4EC7-9AF5-71523FA00934}"/>
+              </a:ext>
+            </a:extLst>
+          </p:cNvPr>
+          <p:cNvPicPr>
+            <a:picLocks noChangeAspect="1"/>
+          </p:cNvPicPr>
+          <p:nvPr/>
+        </p:nvPicPr>
+        <p:blipFill>
+          <a:blip r:embed="rId3"/>
+          <a:stretch>
+            <a:fillRect/>
+          </a:stretch>
+        </p:blipFill>
+        <p:spPr>
+          <a:xfrm>
+            <a:off x="8059330" y="701923"/>
+            <a:ext cx="2906396" cy="1854665"/>
+          </a:xfrm>
+          <a:prstGeom prst="rect">
+            <a:avLst/>
+          </a:prstGeom>
+        </p:spPr>
+      </p:pic>
+      <p:pic>
+        <p:nvPicPr>
+          <p:cNvPr id="15" name="Picture 14">
+            <a:extLst>
+              <a:ext uri="{FF2B5EF4-FFF2-40B4-BE49-F238E27FC236}">
+                <a16:creationId xmlns:a16="http://schemas.microsoft.com/office/drawing/2014/main" id="{0B58BF9C-10FA-430C-8185-8E13439DFDC2}"/>
+              </a:ext>
+            </a:extLst>
+          </p:cNvPr>
+          <p:cNvPicPr>
+            <a:picLocks noChangeAspect="1"/>
+          </p:cNvPicPr>
+          <p:nvPr/>
+        </p:nvPicPr>
+        <p:blipFill>
+          <a:blip r:embed="rId4"/>
+          <a:stretch>
+            <a:fillRect/>
+          </a:stretch>
+        </p:blipFill>
+        <p:spPr>
+          <a:xfrm>
+            <a:off x="8059328" y="2556588"/>
+            <a:ext cx="2906397" cy="1829954"/>
+          </a:xfrm>
+          <a:prstGeom prst="rect">
+            <a:avLst/>
+          </a:prstGeom>
+        </p:spPr>
+      </p:pic>
+      <p:pic>
+        <p:nvPicPr>
+          <p:cNvPr id="17" name="Picture 16">
+            <a:extLst>
+              <a:ext uri="{FF2B5EF4-FFF2-40B4-BE49-F238E27FC236}">
+                <a16:creationId xmlns:a16="http://schemas.microsoft.com/office/drawing/2014/main" id="{7AC463DC-D0FB-4178-8588-27067D2EE067}"/>
+              </a:ext>
+            </a:extLst>
+          </p:cNvPr>
+          <p:cNvPicPr>
+            <a:picLocks noChangeAspect="1"/>
+          </p:cNvPicPr>
+          <p:nvPr/>
+        </p:nvPicPr>
+        <p:blipFill>
+          <a:blip r:embed="rId5"/>
+          <a:stretch>
+            <a:fillRect/>
+          </a:stretch>
+        </p:blipFill>
+        <p:spPr>
+          <a:xfrm>
+            <a:off x="8059328" y="4469594"/>
+            <a:ext cx="2906398" cy="1780599"/>
+          </a:xfrm>
+          <a:prstGeom prst="rect">
+            <a:avLst/>
+          </a:prstGeom>
+        </p:spPr>
+      </p:pic>
+    </p:spTree>
+    <p:extLst>
+      <p:ext uri="{BB962C8B-B14F-4D97-AF65-F5344CB8AC3E}">
+        <p14:creationId xmlns:p14="http://schemas.microsoft.com/office/powerpoint/2010/main" val="1989005194"/>
+      </p:ext>
+    </p:extLst>
+  </p:cSld>
+  <p:clrMapOvr>
+    <a:masterClrMapping/>
+  </p:clrMapOvr>
+</p:sld>
+</file>
+
+<file path=ppt/slides/slide12.xml><?xml version="1.0" encoding="utf-8"?>
+<p:sld xmlns:a="http://schemas.openxmlformats.org/drawingml/2006/main" xmlns:r="http://schemas.openxmlformats.org/officeDocument/2006/relationships" xmlns:p="http://schemas.openxmlformats.org/presentationml/2006/main">
+  <p:cSld>
+    <p:spTree>
+      <p:nvGrpSpPr>
+        <p:cNvPr id="1" name=""/>
+        <p:cNvGrpSpPr/>
+        <p:nvPr/>
+      </p:nvGrpSpPr>
+      <p:grpSpPr>
+        <a:xfrm>
+          <a:off x="0" y="0"/>
+          <a:ext cx="0" cy="0"/>
+          <a:chOff x="0" y="0"/>
+          <a:chExt cx="0" cy="0"/>
+        </a:xfrm>
+      </p:grpSpPr>
+      <p:sp>
+        <p:nvSpPr>
+          <p:cNvPr id="2" name="Title 1">
+            <a:extLst>
+              <a:ext uri="{FF2B5EF4-FFF2-40B4-BE49-F238E27FC236}">
+                <a16:creationId xmlns:a16="http://schemas.microsoft.com/office/drawing/2014/main" id="{69BA3395-9F96-48A2-99C3-26A18247C36B}"/>
+              </a:ext>
+            </a:extLst>
+          </p:cNvPr>
+          <p:cNvSpPr>
+            <a:spLocks noGrp="1"/>
+          </p:cNvSpPr>
+          <p:nvPr>
+            <p:ph type="title"/>
+          </p:nvPr>
+        </p:nvSpPr>
+        <p:spPr/>
+        <p:txBody>
+          <a:bodyPr/>
+          <a:lstStyle/>
+          <a:p>
+            <a:r>
+              <a:rPr lang="en-GB" dirty="0"/>
+              <a:t>Arima models</a:t>
+            </a:r>
+          </a:p>
+        </p:txBody>
+      </p:sp>
+      <mc:AlternateContent xmlns:mc="http://schemas.openxmlformats.org/markup-compatibility/2006" xmlns:a14="http://schemas.microsoft.com/office/drawing/2010/main">
+        <mc:Choice Requires="a14">
+          <p:sp>
+            <p:nvSpPr>
+              <p:cNvPr id="3" name="Content Placeholder 2">
+                <a:extLst>
+                  <a:ext uri="{FF2B5EF4-FFF2-40B4-BE49-F238E27FC236}">
+                    <a16:creationId xmlns:a16="http://schemas.microsoft.com/office/drawing/2014/main" id="{8960CBDC-549E-4102-8ADF-10FF41A00C00}"/>
+                  </a:ext>
+                </a:extLst>
+              </p:cNvPr>
+              <p:cNvSpPr>
+                <a:spLocks noGrp="1"/>
+              </p:cNvSpPr>
+              <p:nvPr>
+                <p:ph idx="1"/>
+              </p:nvPr>
+            </p:nvSpPr>
+            <p:spPr/>
+            <p:txBody>
+              <a:bodyPr/>
+              <a:lstStyle/>
+              <a:p>
+                <a:r>
+                  <a:rPr lang="en-GB" dirty="0"/>
+                  <a:t>Auto-projective Models: </a:t>
+                </a:r>
+              </a:p>
+              <a:p>
+                <a:pPr lvl="1"/>
+                <a14:m>
+                  <m:oMath xmlns:m="http://schemas.openxmlformats.org/officeDocument/2006/math">
+                    <m:sSub>
+                      <m:sSubPr>
+                        <m:ctrlPr>
+                          <a:rPr lang="en-GB" i="1" smtClean="0">
+                            <a:latin typeface="Cambria Math" panose="02040503050406030204" pitchFamily="18" charset="0"/>
+                          </a:rPr>
+                        </m:ctrlPr>
+                      </m:sSubPr>
+                      <m:e>
+                        <m:r>
+                          <a:rPr lang="fr-BE" b="0" i="1" smtClean="0">
+                            <a:latin typeface="Cambria Math" panose="02040503050406030204" pitchFamily="18" charset="0"/>
+                          </a:rPr>
+                          <m:t>𝑥</m:t>
+                        </m:r>
+                      </m:e>
+                      <m:sub>
+                        <m:r>
+                          <a:rPr lang="fr-BE" b="0" i="1" smtClean="0">
+                            <a:latin typeface="Cambria Math" panose="02040503050406030204" pitchFamily="18" charset="0"/>
+                          </a:rPr>
+                          <m:t>𝑡</m:t>
+                        </m:r>
+                      </m:sub>
+                    </m:sSub>
+                    <m:r>
+                      <a:rPr lang="fr-BE" b="0" i="1" smtClean="0">
+                        <a:latin typeface="Cambria Math" panose="02040503050406030204" pitchFamily="18" charset="0"/>
+                      </a:rPr>
+                      <m:t>=</m:t>
+                    </m:r>
+                    <m:r>
+                      <a:rPr lang="fr-BE" b="0" i="1" smtClean="0">
+                        <a:latin typeface="Cambria Math" panose="02040503050406030204" pitchFamily="18" charset="0"/>
+                      </a:rPr>
+                      <m:t>𝑓</m:t>
+                    </m:r>
+                    <m:r>
+                      <a:rPr lang="fr-BE" b="0" i="1" smtClean="0">
+                        <a:latin typeface="Cambria Math" panose="02040503050406030204" pitchFamily="18" charset="0"/>
+                      </a:rPr>
+                      <m:t>(</m:t>
+                    </m:r>
+                    <m:sSub>
+                      <m:sSubPr>
+                        <m:ctrlPr>
+                          <a:rPr lang="en-GB" i="1" smtClean="0">
+                            <a:latin typeface="Cambria Math" panose="02040503050406030204" pitchFamily="18" charset="0"/>
+                          </a:rPr>
+                        </m:ctrlPr>
+                      </m:sSubPr>
+                      <m:e>
+                        <m:r>
+                          <a:rPr lang="fr-BE" b="0" i="1" smtClean="0">
+                            <a:latin typeface="Cambria Math" panose="02040503050406030204" pitchFamily="18" charset="0"/>
+                          </a:rPr>
+                          <m:t>𝑥</m:t>
+                        </m:r>
+                      </m:e>
+                      <m:sub>
+                        <m:r>
+                          <a:rPr lang="fr-BE" b="0" i="1" smtClean="0">
+                            <a:latin typeface="Cambria Math" panose="02040503050406030204" pitchFamily="18" charset="0"/>
+                          </a:rPr>
+                          <m:t>𝑡</m:t>
+                        </m:r>
+                        <m:r>
+                          <a:rPr lang="fr-BE" b="0" i="1" smtClean="0">
+                            <a:latin typeface="Cambria Math" panose="02040503050406030204" pitchFamily="18" charset="0"/>
+                          </a:rPr>
+                          <m:t>−1</m:t>
+                        </m:r>
+                      </m:sub>
+                    </m:sSub>
+                    <m:r>
+                      <a:rPr lang="fr-BE" b="0" i="1" smtClean="0">
+                        <a:latin typeface="Cambria Math" panose="02040503050406030204" pitchFamily="18" charset="0"/>
+                      </a:rPr>
+                      <m:t>,</m:t>
+                    </m:r>
+                    <m:sSub>
+                      <m:sSubPr>
+                        <m:ctrlPr>
+                          <a:rPr lang="en-GB" i="1" smtClean="0">
+                            <a:latin typeface="Cambria Math" panose="02040503050406030204" pitchFamily="18" charset="0"/>
+                          </a:rPr>
+                        </m:ctrlPr>
+                      </m:sSubPr>
+                      <m:e>
+                        <m:r>
+                          <a:rPr lang="fr-BE" b="0" i="1" smtClean="0">
+                            <a:latin typeface="Cambria Math" panose="02040503050406030204" pitchFamily="18" charset="0"/>
+                          </a:rPr>
+                          <m:t>𝑥</m:t>
+                        </m:r>
+                      </m:e>
+                      <m:sub>
+                        <m:r>
+                          <a:rPr lang="fr-BE" b="0" i="1" smtClean="0">
+                            <a:latin typeface="Cambria Math" panose="02040503050406030204" pitchFamily="18" charset="0"/>
+                          </a:rPr>
+                          <m:t>𝑡</m:t>
+                        </m:r>
+                        <m:r>
+                          <a:rPr lang="fr-BE" b="0" i="1" smtClean="0">
+                            <a:latin typeface="Cambria Math" panose="02040503050406030204" pitchFamily="18" charset="0"/>
+                          </a:rPr>
+                          <m:t>−2</m:t>
+                        </m:r>
+                      </m:sub>
+                    </m:sSub>
+                    <m:r>
+                      <a:rPr lang="fr-BE" b="0" i="1" smtClean="0">
+                        <a:latin typeface="Cambria Math" panose="02040503050406030204" pitchFamily="18" charset="0"/>
+                      </a:rPr>
+                      <m:t>,⋯,</m:t>
+                    </m:r>
+                    <m:sSub>
+                      <m:sSubPr>
+                        <m:ctrlPr>
+                          <a:rPr lang="en-GB" i="1" smtClean="0">
+                            <a:latin typeface="Cambria Math" panose="02040503050406030204" pitchFamily="18" charset="0"/>
+                          </a:rPr>
+                        </m:ctrlPr>
+                      </m:sSubPr>
+                      <m:e>
+                        <m:r>
+                          <a:rPr lang="fr-BE" b="0" i="1" smtClean="0">
+                            <a:latin typeface="Cambria Math" panose="02040503050406030204" pitchFamily="18" charset="0"/>
+                            <a:ea typeface="Cambria Math" panose="02040503050406030204" pitchFamily="18" charset="0"/>
+                          </a:rPr>
+                          <m:t>𝜀</m:t>
+                        </m:r>
+                      </m:e>
+                      <m:sub>
+                        <m:r>
+                          <a:rPr lang="fr-BE" b="0" i="1" smtClean="0">
+                            <a:latin typeface="Cambria Math" panose="02040503050406030204" pitchFamily="18" charset="0"/>
+                          </a:rPr>
+                          <m:t>𝑡</m:t>
+                        </m:r>
+                      </m:sub>
+                    </m:sSub>
+                    <m:r>
+                      <a:rPr lang="fr-BE" b="0" i="1" smtClean="0">
+                        <a:latin typeface="Cambria Math" panose="02040503050406030204" pitchFamily="18" charset="0"/>
+                      </a:rPr>
+                      <m:t>)</m:t>
+                    </m:r>
+                  </m:oMath>
+                </a14:m>
+                <a:endParaRPr lang="en-GB" dirty="0"/>
+              </a:p>
+              <a:p>
+                <a:r>
+                  <a:rPr lang="en-GB" dirty="0"/>
+                  <a:t>ARIMA models (Box-Jenkins)</a:t>
+                </a:r>
+              </a:p>
+              <a:p>
+                <a:pPr lvl="1"/>
+                <a:r>
+                  <a:rPr lang="en-GB" dirty="0"/>
+                  <a:t>Good approximation of </a:t>
+                </a:r>
+                <a14:m>
+                  <m:oMath xmlns:m="http://schemas.openxmlformats.org/officeDocument/2006/math">
+                    <m:r>
+                      <a:rPr lang="fr-BE" b="0" i="1" smtClean="0">
+                        <a:latin typeface="Cambria Math" panose="02040503050406030204" pitchFamily="18" charset="0"/>
+                      </a:rPr>
+                      <m:t>𝑓</m:t>
+                    </m:r>
+                  </m:oMath>
+                </a14:m>
+                <a:endParaRPr lang="en-GB" dirty="0"/>
+              </a:p>
+              <a:p>
+                <a:pPr lvl="1"/>
+                <a:r>
+                  <a:rPr lang="en-GB" dirty="0"/>
+                  <a:t>Flexible, parsimonious</a:t>
+                </a:r>
+              </a:p>
+            </p:txBody>
+          </p:sp>
+        </mc:Choice>
+        <mc:Fallback xmlns="">
+          <p:sp>
+            <p:nvSpPr>
+              <p:cNvPr id="3" name="Content Placeholder 2">
+                <a:extLst>
+                  <a:ext uri="{FF2B5EF4-FFF2-40B4-BE49-F238E27FC236}">
+                    <a16:creationId xmlns:a16="http://schemas.microsoft.com/office/drawing/2014/main" id="{8960CBDC-549E-4102-8ADF-10FF41A00C00}"/>
+                  </a:ext>
+                </a:extLst>
+              </p:cNvPr>
+              <p:cNvSpPr>
+                <a:spLocks noGrp="1" noRot="1" noChangeAspect="1" noMove="1" noResize="1" noEditPoints="1" noAdjustHandles="1" noChangeArrowheads="1" noChangeShapeType="1" noTextEdit="1"/>
+              </p:cNvSpPr>
+              <p:nvPr>
+                <p:ph idx="1"/>
+              </p:nvPr>
+            </p:nvSpPr>
+            <p:spPr>
+              <a:blipFill>
+                <a:blip r:embed="rId2"/>
+                <a:stretch>
+                  <a:fillRect l="-1043" t="-2241"/>
+                </a:stretch>
+              </a:blipFill>
+            </p:spPr>
+            <p:txBody>
+              <a:bodyPr/>
+              <a:lstStyle/>
+              <a:p>
+                <a:r>
+                  <a:rPr lang="en-GB">
+                    <a:noFill/>
+                  </a:rPr>
+                  <a:t> </a:t>
+                </a:r>
+              </a:p>
+            </p:txBody>
+          </p:sp>
+        </mc:Fallback>
+      </mc:AlternateContent>
+      <p:sp>
+        <p:nvSpPr>
+          <p:cNvPr id="4" name="Date Placeholder 3">
+            <a:extLst>
+              <a:ext uri="{FF2B5EF4-FFF2-40B4-BE49-F238E27FC236}">
+                <a16:creationId xmlns:a16="http://schemas.microsoft.com/office/drawing/2014/main" id="{DBC4C6B0-4E3E-48C6-A0E2-EBC14157C67E}"/>
+              </a:ext>
+            </a:extLst>
+          </p:cNvPr>
+          <p:cNvSpPr>
+            <a:spLocks noGrp="1"/>
+          </p:cNvSpPr>
+          <p:nvPr>
+            <p:ph type="dt" sz="half" idx="10"/>
+          </p:nvPr>
+        </p:nvSpPr>
+        <p:spPr/>
+        <p:txBody>
+          <a:bodyPr/>
+          <a:lstStyle/>
+          <a:p>
+            <a:r>
+              <a:rPr lang="en-US"/>
+              <a:t>15-17/10/2024</a:t>
+            </a:r>
+            <a:endParaRPr lang="en-GB"/>
+          </a:p>
+        </p:txBody>
+      </p:sp>
+      <p:sp>
+        <p:nvSpPr>
+          <p:cNvPr id="5" name="Footer Placeholder 4">
+            <a:extLst>
+              <a:ext uri="{FF2B5EF4-FFF2-40B4-BE49-F238E27FC236}">
+                <a16:creationId xmlns:a16="http://schemas.microsoft.com/office/drawing/2014/main" id="{295C6E60-040F-4CFC-A6C4-2DF67C91C217}"/>
+              </a:ext>
+            </a:extLst>
+          </p:cNvPr>
+          <p:cNvSpPr>
+            <a:spLocks noGrp="1"/>
+          </p:cNvSpPr>
+          <p:nvPr>
+            <p:ph type="ftr" sz="quarter" idx="11"/>
+          </p:nvPr>
+        </p:nvSpPr>
+        <p:spPr/>
+        <p:txBody>
+          <a:bodyPr/>
+          <a:lstStyle/>
+          <a:p>
+            <a:r>
+              <a:rPr lang="en-GB"/>
+              <a:t>CONTRACTORS ORGANISING SOME OF THE COURSES ARE ACTING UNDER A FRAMEWORK CONTRACT CONCLUDED WITH THE COMMISSION</a:t>
+            </a:r>
+          </a:p>
+        </p:txBody>
+      </p:sp>
+    </p:spTree>
+    <p:extLst>
+      <p:ext uri="{BB962C8B-B14F-4D97-AF65-F5344CB8AC3E}">
+        <p14:creationId xmlns:p14="http://schemas.microsoft.com/office/powerpoint/2010/main" val="3286889596"/>
+      </p:ext>
+    </p:extLst>
+  </p:cSld>
+  <p:clrMapOvr>
+    <a:masterClrMapping/>
+  </p:clrMapOvr>
+</p:sld>
+</file>
+
+<file path=ppt/slides/slide13.xml><?xml version="1.0" encoding="utf-8"?>
+<p:sld xmlns:a="http://schemas.openxmlformats.org/drawingml/2006/main" xmlns:r="http://schemas.openxmlformats.org/officeDocument/2006/relationships" xmlns:p="http://schemas.openxmlformats.org/presentationml/2006/main">
+  <p:cSld>
+    <p:spTree>
+      <p:nvGrpSpPr>
+        <p:cNvPr id="1" name=""/>
+        <p:cNvGrpSpPr/>
+        <p:nvPr/>
+      </p:nvGrpSpPr>
+      <p:grpSpPr>
+        <a:xfrm>
+          <a:off x="0" y="0"/>
+          <a:ext cx="0" cy="0"/>
+          <a:chOff x="0" y="0"/>
+          <a:chExt cx="0" cy="0"/>
+        </a:xfrm>
+      </p:grpSpPr>
+      <p:sp>
+        <p:nvSpPr>
+          <p:cNvPr id="2" name="Title 1">
+            <a:extLst>
+              <a:ext uri="{FF2B5EF4-FFF2-40B4-BE49-F238E27FC236}">
                 <a16:creationId xmlns:a16="http://schemas.microsoft.com/office/drawing/2014/main" id="{86D1D154-174C-4F44-B1BD-9F631EFEBFEA}"/>
               </a:ext>
             </a:extLst>
@@ -4852,8 +5612,8 @@
           </a:p>
         </p:txBody>
       </p:sp>
-      <mc:AlternateContent xmlns:mc="http://schemas.openxmlformats.org/markup-compatibility/2006" xmlns:a14="http://schemas.microsoft.com/office/drawing/2010/main">
-        <mc:Choice Requires="a14">
+      <mc:AlternateContent xmlns:mc="http://schemas.openxmlformats.org/markup-compatibility/2006">
+        <mc:Choice xmlns:a14="http://schemas.microsoft.com/office/drawing/2010/main" Requires="a14">
           <p:sp>
             <p:nvSpPr>
               <p:cNvPr id="3" name="Content Placeholder 2">
@@ -4874,270 +5634,6 @@
             <p:txBody>
               <a:bodyPr/>
               <a:lstStyle/>
-              <a:p>
-                <a:r>
-                  <a:rPr lang="en-GB" dirty="0"/>
-                  <a:t>Backward operator</a:t>
-                </a:r>
-              </a:p>
-              <a:p>
-                <a:pPr lvl="1"/>
-                <a14:m>
-                  <m:oMath xmlns:m="http://schemas.openxmlformats.org/officeDocument/2006/math">
-                    <m:sSup>
-                      <m:sSupPr>
-                        <m:ctrlPr>
-                          <a:rPr lang="en-GB" i="1" smtClean="0">
-                            <a:latin typeface="Cambria Math" panose="02040503050406030204" pitchFamily="18" charset="0"/>
-                          </a:rPr>
-                        </m:ctrlPr>
-                      </m:sSupPr>
-                      <m:e>
-                        <m:r>
-                          <a:rPr lang="fr-BE" b="0" i="1" smtClean="0">
-                            <a:latin typeface="Cambria Math" panose="02040503050406030204" pitchFamily="18" charset="0"/>
-                          </a:rPr>
-                          <m:t>𝐵</m:t>
-                        </m:r>
-                      </m:e>
-                      <m:sup>
-                        <m:r>
-                          <a:rPr lang="fr-BE" b="0" i="1" smtClean="0">
-                            <a:latin typeface="Cambria Math" panose="02040503050406030204" pitchFamily="18" charset="0"/>
-                          </a:rPr>
-                          <m:t>𝑘</m:t>
-                        </m:r>
-                      </m:sup>
-                    </m:sSup>
-                    <m:sSub>
-                      <m:sSubPr>
-                        <m:ctrlPr>
-                          <a:rPr lang="en-GB" i="1" smtClean="0">
-                            <a:latin typeface="Cambria Math" panose="02040503050406030204" pitchFamily="18" charset="0"/>
-                          </a:rPr>
-                        </m:ctrlPr>
-                      </m:sSubPr>
-                      <m:e>
-                        <m:r>
-                          <a:rPr lang="fr-BE" b="0" i="1" smtClean="0">
-                            <a:latin typeface="Cambria Math" panose="02040503050406030204" pitchFamily="18" charset="0"/>
-                          </a:rPr>
-                          <m:t>𝑥</m:t>
-                        </m:r>
-                      </m:e>
-                      <m:sub>
-                        <m:r>
-                          <a:rPr lang="fr-BE" b="0" i="1" smtClean="0">
-                            <a:latin typeface="Cambria Math" panose="02040503050406030204" pitchFamily="18" charset="0"/>
-                          </a:rPr>
-                          <m:t>𝑡</m:t>
-                        </m:r>
-                      </m:sub>
-                    </m:sSub>
-                    <m:r>
-                      <a:rPr lang="fr-BE" b="0" i="1" smtClean="0">
-                        <a:latin typeface="Cambria Math" panose="02040503050406030204" pitchFamily="18" charset="0"/>
-                      </a:rPr>
-                      <m:t>=</m:t>
-                    </m:r>
-                  </m:oMath>
-                </a14:m>
-                <a:r>
-                  <a:rPr lang="en-GB" dirty="0"/>
-                  <a:t> </a:t>
-                </a:r>
-                <a14:m>
-                  <m:oMath xmlns:m="http://schemas.openxmlformats.org/officeDocument/2006/math">
-                    <m:sSub>
-                      <m:sSubPr>
-                        <m:ctrlPr>
-                          <a:rPr lang="en-GB" i="1" smtClean="0">
-                            <a:latin typeface="Cambria Math" panose="02040503050406030204" pitchFamily="18" charset="0"/>
-                          </a:rPr>
-                        </m:ctrlPr>
-                      </m:sSubPr>
-                      <m:e>
-                        <m:r>
-                          <a:rPr lang="fr-BE" b="0" i="1" smtClean="0">
-                            <a:latin typeface="Cambria Math" panose="02040503050406030204" pitchFamily="18" charset="0"/>
-                          </a:rPr>
-                          <m:t>𝑥</m:t>
-                        </m:r>
-                      </m:e>
-                      <m:sub>
-                        <m:r>
-                          <a:rPr lang="fr-BE" b="0" i="1" smtClean="0">
-                            <a:latin typeface="Cambria Math" panose="02040503050406030204" pitchFamily="18" charset="0"/>
-                          </a:rPr>
-                          <m:t>𝑡</m:t>
-                        </m:r>
-                        <m:r>
-                          <a:rPr lang="fr-BE" b="0" i="1" smtClean="0">
-                            <a:latin typeface="Cambria Math" panose="02040503050406030204" pitchFamily="18" charset="0"/>
-                          </a:rPr>
-                          <m:t>−</m:t>
-                        </m:r>
-                        <m:r>
-                          <a:rPr lang="fr-BE" b="0" i="1" smtClean="0">
-                            <a:latin typeface="Cambria Math" panose="02040503050406030204" pitchFamily="18" charset="0"/>
-                          </a:rPr>
-                          <m:t>𝑘</m:t>
-                        </m:r>
-                      </m:sub>
-                    </m:sSub>
-                  </m:oMath>
-                </a14:m>
-                <a:endParaRPr lang="en-GB" dirty="0"/>
-              </a:p>
-              <a:p>
-                <a:pPr lvl="1"/>
-                <a14:m>
-                  <m:oMath xmlns:m="http://schemas.openxmlformats.org/officeDocument/2006/math">
-                    <m:d>
-                      <m:dPr>
-                        <m:ctrlPr>
-                          <a:rPr lang="fr-BE" b="0" i="1" smtClean="0">
-                            <a:latin typeface="Cambria Math" panose="02040503050406030204" pitchFamily="18" charset="0"/>
-                          </a:rPr>
-                        </m:ctrlPr>
-                      </m:dPr>
-                      <m:e>
-                        <m:r>
-                          <a:rPr lang="fr-BE" b="0" i="1" smtClean="0">
-                            <a:latin typeface="Cambria Math" panose="02040503050406030204" pitchFamily="18" charset="0"/>
-                          </a:rPr>
-                          <m:t>1−</m:t>
-                        </m:r>
-                        <m:sSup>
-                          <m:sSupPr>
-                            <m:ctrlPr>
-                              <a:rPr lang="en-GB" i="1" smtClean="0">
-                                <a:latin typeface="Cambria Math" panose="02040503050406030204" pitchFamily="18" charset="0"/>
-                              </a:rPr>
-                            </m:ctrlPr>
-                          </m:sSupPr>
-                          <m:e>
-                            <m:r>
-                              <a:rPr lang="fr-BE" b="0" i="1" smtClean="0">
-                                <a:latin typeface="Cambria Math" panose="02040503050406030204" pitchFamily="18" charset="0"/>
-                              </a:rPr>
-                              <m:t>𝐵</m:t>
-                            </m:r>
-                          </m:e>
-                          <m:sup>
-                            <m:r>
-                              <a:rPr lang="fr-BE" b="0" i="1" smtClean="0">
-                                <a:latin typeface="Cambria Math" panose="02040503050406030204" pitchFamily="18" charset="0"/>
-                              </a:rPr>
-                              <m:t>𝑘</m:t>
-                            </m:r>
-                          </m:sup>
-                        </m:sSup>
-                      </m:e>
-                    </m:d>
-                    <m:sSub>
-                      <m:sSubPr>
-                        <m:ctrlPr>
-                          <a:rPr lang="en-GB" i="1" smtClean="0">
-                            <a:latin typeface="Cambria Math" panose="02040503050406030204" pitchFamily="18" charset="0"/>
-                          </a:rPr>
-                        </m:ctrlPr>
-                      </m:sSubPr>
-                      <m:e>
-                        <m:r>
-                          <a:rPr lang="fr-BE" b="0" i="1" smtClean="0">
-                            <a:latin typeface="Cambria Math" panose="02040503050406030204" pitchFamily="18" charset="0"/>
-                          </a:rPr>
-                          <m:t>𝑥</m:t>
-                        </m:r>
-                      </m:e>
-                      <m:sub>
-                        <m:r>
-                          <a:rPr lang="fr-BE" b="0" i="1" smtClean="0">
-                            <a:latin typeface="Cambria Math" panose="02040503050406030204" pitchFamily="18" charset="0"/>
-                          </a:rPr>
-                          <m:t>𝑡</m:t>
-                        </m:r>
-                      </m:sub>
-                    </m:sSub>
-                    <m:r>
-                      <a:rPr lang="fr-BE" b="0" i="1" smtClean="0">
-                        <a:latin typeface="Cambria Math" panose="02040503050406030204" pitchFamily="18" charset="0"/>
-                      </a:rPr>
-                      <m:t>=</m:t>
-                    </m:r>
-                    <m:sSub>
-                      <m:sSubPr>
-                        <m:ctrlPr>
-                          <a:rPr lang="en-GB" i="1" smtClean="0">
-                            <a:latin typeface="Cambria Math" panose="02040503050406030204" pitchFamily="18" charset="0"/>
-                          </a:rPr>
-                        </m:ctrlPr>
-                      </m:sSubPr>
-                      <m:e>
-                        <m:r>
-                          <a:rPr lang="fr-BE" b="0" i="1" smtClean="0">
-                            <a:latin typeface="Cambria Math" panose="02040503050406030204" pitchFamily="18" charset="0"/>
-                          </a:rPr>
-                          <m:t>𝑥</m:t>
-                        </m:r>
-                      </m:e>
-                      <m:sub>
-                        <m:r>
-                          <a:rPr lang="fr-BE" b="0" i="1" smtClean="0">
-                            <a:latin typeface="Cambria Math" panose="02040503050406030204" pitchFamily="18" charset="0"/>
-                          </a:rPr>
-                          <m:t>𝑡</m:t>
-                        </m:r>
-                      </m:sub>
-                    </m:sSub>
-                    <m:r>
-                      <a:rPr lang="fr-BE" b="0" i="1" smtClean="0">
-                        <a:latin typeface="Cambria Math" panose="02040503050406030204" pitchFamily="18" charset="0"/>
-                      </a:rPr>
-                      <m:t>−</m:t>
-                    </m:r>
-                    <m:sSub>
-                      <m:sSubPr>
-                        <m:ctrlPr>
-                          <a:rPr lang="en-GB" i="1" smtClean="0">
-                            <a:latin typeface="Cambria Math" panose="02040503050406030204" pitchFamily="18" charset="0"/>
-                          </a:rPr>
-                        </m:ctrlPr>
-                      </m:sSubPr>
-                      <m:e>
-                        <m:r>
-                          <a:rPr lang="fr-BE" b="0" i="1" smtClean="0">
-                            <a:latin typeface="Cambria Math" panose="02040503050406030204" pitchFamily="18" charset="0"/>
-                          </a:rPr>
-                          <m:t>𝑥</m:t>
-                        </m:r>
-                      </m:e>
-                      <m:sub>
-                        <m:r>
-                          <a:rPr lang="fr-BE" b="0" i="1" smtClean="0">
-                            <a:latin typeface="Cambria Math" panose="02040503050406030204" pitchFamily="18" charset="0"/>
-                          </a:rPr>
-                          <m:t>𝑡</m:t>
-                        </m:r>
-                        <m:r>
-                          <a:rPr lang="fr-BE" b="0" i="1" smtClean="0">
-                            <a:latin typeface="Cambria Math" panose="02040503050406030204" pitchFamily="18" charset="0"/>
-                          </a:rPr>
-                          <m:t>−</m:t>
-                        </m:r>
-                        <m:r>
-                          <a:rPr lang="fr-BE" b="0" i="1" smtClean="0">
-                            <a:latin typeface="Cambria Math" panose="02040503050406030204" pitchFamily="18" charset="0"/>
-                          </a:rPr>
-                          <m:t>𝑘</m:t>
-                        </m:r>
-                      </m:sub>
-                    </m:sSub>
-                  </m:oMath>
-                </a14:m>
-                <a:endParaRPr lang="en-GB" dirty="0"/>
-              </a:p>
               <a:p>
                 <a:r>
                   <a:rPr lang="en-GB" dirty="0"/>
@@ -6029,7 +6525,7 @@
             </p:txBody>
           </p:sp>
         </mc:Choice>
-        <mc:Fallback xmlns="">
+        <mc:Fallback>
           <p:sp>
             <p:nvSpPr>
               <p:cNvPr id="3" name="Content Placeholder 2">
@@ -6139,7 +6635,7 @@
 </p:sld>
 </file>
 
-<file path=ppt/slides/slide11.xml><?xml version="1.0" encoding="utf-8"?>
+<file path=ppt/slides/slide14.xml><?xml version="1.0" encoding="utf-8"?>
 <p:sld xmlns:a="http://schemas.openxmlformats.org/drawingml/2006/main" xmlns:r="http://schemas.openxmlformats.org/officeDocument/2006/relationships" xmlns:p="http://schemas.openxmlformats.org/presentationml/2006/main">
   <p:cSld>
     <p:spTree>
@@ -7377,7 +7873,7 @@
 </p:sld>
 </file>
 
-<file path=ppt/slides/slide12.xml><?xml version="1.0" encoding="utf-8"?>
+<file path=ppt/slides/slide15.xml><?xml version="1.0" encoding="utf-8"?>
 <p:sld xmlns:a="http://schemas.openxmlformats.org/drawingml/2006/main" xmlns:r="http://schemas.openxmlformats.org/officeDocument/2006/relationships" xmlns:p="http://schemas.openxmlformats.org/presentationml/2006/main">
   <p:cSld>
     <p:spTree>
@@ -7422,8 +7918,8 @@
           </a:p>
         </p:txBody>
       </p:sp>
-      <mc:AlternateContent xmlns:mc="http://schemas.openxmlformats.org/markup-compatibility/2006">
-        <mc:Choice xmlns:a14="http://schemas.microsoft.com/office/drawing/2010/main" Requires="a14">
+      <mc:AlternateContent xmlns:mc="http://schemas.openxmlformats.org/markup-compatibility/2006" xmlns:a14="http://schemas.microsoft.com/office/drawing/2010/main">
+        <mc:Choice Requires="a14">
           <p:sp>
             <p:nvSpPr>
               <p:cNvPr id="3" name="Content Placeholder 2">
@@ -8552,7 +9048,7 @@
             </p:txBody>
           </p:sp>
         </mc:Choice>
-        <mc:Fallback>
+        <mc:Fallback xmlns="">
           <p:sp>
             <p:nvSpPr>
               <p:cNvPr id="3" name="Content Placeholder 2">
@@ -8662,7 +9158,7 @@
 </p:sld>
 </file>
 
-<file path=ppt/slides/slide13.xml><?xml version="1.0" encoding="utf-8"?>
+<file path=ppt/slides/slide16.xml><?xml version="1.0" encoding="utf-8"?>
 <p:sld xmlns:a="http://schemas.openxmlformats.org/drawingml/2006/main" xmlns:r="http://schemas.openxmlformats.org/officeDocument/2006/relationships" xmlns:p="http://schemas.openxmlformats.org/presentationml/2006/main">
   <p:cSld>
     <p:spTree>
@@ -8704,8 +9200,8 @@
           </a:p>
         </p:txBody>
       </p:sp>
-      <mc:AlternateContent xmlns:mc="http://schemas.openxmlformats.org/markup-compatibility/2006">
-        <mc:Choice xmlns:a14="http://schemas.microsoft.com/office/drawing/2010/main" Requires="a14">
+      <mc:AlternateContent xmlns:mc="http://schemas.openxmlformats.org/markup-compatibility/2006" xmlns:a14="http://schemas.microsoft.com/office/drawing/2010/main">
+        <mc:Choice Requires="a14">
           <p:sp>
             <p:nvSpPr>
               <p:cNvPr id="3" name="Espace réservé du contenu 2">
@@ -9809,7 +10305,7 @@
             </p:txBody>
           </p:sp>
         </mc:Choice>
-        <mc:Fallback>
+        <mc:Fallback xmlns="">
           <p:sp>
             <p:nvSpPr>
               <p:cNvPr id="3" name="Espace réservé du contenu 2">
@@ -9919,7 +10415,7 @@
 </p:sld>
 </file>
 
-<file path=ppt/slides/slide14.xml><?xml version="1.0" encoding="utf-8"?>
+<file path=ppt/slides/slide17.xml><?xml version="1.0" encoding="utf-8"?>
 <p:sld xmlns:a="http://schemas.openxmlformats.org/drawingml/2006/main" xmlns:r="http://schemas.openxmlformats.org/officeDocument/2006/relationships" xmlns:p="http://schemas.openxmlformats.org/presentationml/2006/main">
   <p:cSld>
     <p:spTree>
@@ -10134,7 +10630,7 @@
           <a:p>
             <a:r>
               <a:rPr lang="en-GB" dirty="0"/>
-              <a:t>Outline</a:t>
+              <a:t>1. Outline</a:t>
             </a:r>
           </a:p>
         </p:txBody>
@@ -10168,16 +10664,31 @@
           <a:p>
             <a:r>
               <a:rPr lang="en-GB" dirty="0"/>
+              <a:t>Basic tools</a:t>
+            </a:r>
+          </a:p>
+          <a:p>
+            <a:pPr lvl="1"/>
+            <a:r>
+              <a:rPr lang="en-GB" dirty="0"/>
               <a:t>Auto-correlation function</a:t>
             </a:r>
           </a:p>
           <a:p>
+            <a:pPr lvl="1"/>
             <a:r>
               <a:rPr lang="en-GB" dirty="0"/>
               <a:t>Periodogram</a:t>
             </a:r>
           </a:p>
           <a:p>
+            <a:pPr lvl="1"/>
+            <a:r>
+              <a:rPr lang="en-GB" dirty="0"/>
+              <a:t>Linear filter</a:t>
+            </a:r>
+          </a:p>
+          <a:p>
             <a:r>
               <a:rPr lang="en-GB" dirty="0"/>
               <a:t>Stationarity</a:t>
@@ -10188,6 +10699,9 @@
               <a:rPr lang="en-GB" dirty="0"/>
               <a:t>Arima model</a:t>
             </a:r>
+          </a:p>
+          <a:p>
+            <a:endParaRPr lang="en-GB" dirty="0"/>
           </a:p>
         </p:txBody>
       </p:sp>
@@ -10301,7 +10815,7 @@
           <a:p>
             <a:r>
               <a:rPr lang="en-GB" dirty="0"/>
-              <a:t>Time series</a:t>
+              <a:t>2. Time series</a:t>
             </a:r>
           </a:p>
         </p:txBody>
@@ -10329,7 +10843,7 @@
           <a:p>
             <a:r>
               <a:rPr lang="en-GB" dirty="0"/>
-              <a:t>We only consider « regular » time series</a:t>
+              <a:t>We will only consider « regular » time series</a:t>
             </a:r>
           </a:p>
           <a:p>
@@ -10353,15 +10867,7 @@
           <a:p>
             <a:r>
               <a:rPr lang="en-GB" dirty="0"/>
-              <a:t>[ JD+ </a:t>
-            </a:r>
-            <a:r>
-              <a:rPr lang="en-GB"/>
-              <a:t>3.0 deal </a:t>
-            </a:r>
-            <a:r>
-              <a:rPr lang="en-GB" dirty="0"/>
-              <a:t>with more general time series]</a:t>
+              <a:t>[ JD+ 3.0 deal with more general time series]</a:t>
             </a:r>
           </a:p>
         </p:txBody>
@@ -10536,7 +11042,7 @@
           <a:p>
             <a:r>
               <a:rPr lang="en-GB" dirty="0"/>
-              <a:t>Basic tools</a:t>
+              <a:t>3. Basic tools</a:t>
             </a:r>
           </a:p>
         </p:txBody>
@@ -10566,6 +11072,16 @@
               <a:p>
                 <a:r>
                   <a:rPr lang="en-GB" dirty="0"/>
+                  <a:t>Auto-correlation function and auto-covariance function (ACF)</a:t>
+                </a:r>
+              </a:p>
+              <a:p>
+                <a:endParaRPr lang="en-GB" dirty="0"/>
+              </a:p>
+              <a:p>
+                <a:pPr lvl="1"/>
+                <a:r>
+                  <a:rPr lang="en-GB" dirty="0"/>
                   <a:t>Measurement of “patterns” in time series (</a:t>
                 </a:r>
                 <a14:m>
@@ -10573,14 +11089,14 @@
                     <m:sSub>
                       <m:sSubPr>
                         <m:ctrlPr>
-                          <a:rPr lang="en-GB" i="1" smtClean="0">
+                          <a:rPr lang="en-GB" i="1">
                             <a:latin typeface="Cambria Math" panose="02040503050406030204" pitchFamily="18" charset="0"/>
                           </a:rPr>
                         </m:ctrlPr>
                       </m:sSubPr>
                       <m:e>
                         <m:r>
-                          <a:rPr lang="fr-BE" b="0" i="1" smtClean="0">
+                          <a:rPr lang="fr-BE" i="1">
                             <a:latin typeface="Cambria Math" panose="02040503050406030204" pitchFamily="18" charset="0"/>
                           </a:rPr>
                           <m:t>𝑥</m:t>
@@ -10588,7 +11104,7 @@
                       </m:e>
                       <m:sub>
                         <m:r>
-                          <a:rPr lang="fr-BE" b="0" i="1" smtClean="0">
+                          <a:rPr lang="fr-BE" i="1">
                             <a:latin typeface="Cambria Math" panose="02040503050406030204" pitchFamily="18" charset="0"/>
                           </a:rPr>
                           <m:t>𝑡</m:t>
@@ -10604,34 +11120,34 @@
                 <a14:m>
                   <m:oMath xmlns:m="http://schemas.openxmlformats.org/officeDocument/2006/math">
                     <m:r>
-                      <a:rPr lang="fr-BE" sz="1600" b="0" i="1" smtClean="0">
+                      <a:rPr lang="fr-BE" sz="1200" i="1">
                         <a:latin typeface="Cambria Math" panose="02040503050406030204" pitchFamily="18" charset="0"/>
                       </a:rPr>
                       <m:t>0</m:t>
                     </m:r>
                     <m:r>
-                      <a:rPr lang="fr-BE" sz="1600" b="0" i="1" smtClean="0">
+                      <a:rPr lang="fr-BE" sz="1200" i="1">
                         <a:latin typeface="Cambria Math" panose="02040503050406030204" pitchFamily="18" charset="0"/>
                         <a:ea typeface="Cambria Math" panose="02040503050406030204" pitchFamily="18" charset="0"/>
                       </a:rPr>
                       <m:t>≤</m:t>
                     </m:r>
                     <m:r>
-                      <a:rPr lang="fr-BE" sz="1600" b="0" i="1" smtClean="0">
+                      <a:rPr lang="fr-BE" sz="1200" i="1">
                         <a:latin typeface="Cambria Math" panose="02040503050406030204" pitchFamily="18" charset="0"/>
                         <a:ea typeface="Cambria Math" panose="02040503050406030204" pitchFamily="18" charset="0"/>
                       </a:rPr>
                       <m:t>𝑡</m:t>
                     </m:r>
                     <m:r>
-                      <a:rPr lang="fr-BE" sz="1600" b="0" i="1" smtClean="0">
+                      <a:rPr lang="fr-BE" sz="1200" i="1">
                         <a:latin typeface="Cambria Math" panose="02040503050406030204" pitchFamily="18" charset="0"/>
                         <a:ea typeface="Cambria Math" panose="02040503050406030204" pitchFamily="18" charset="0"/>
                       </a:rPr>
                       <m:t>&lt;</m:t>
                     </m:r>
                     <m:r>
-                      <a:rPr lang="fr-BE" sz="1600" b="0" i="1" smtClean="0">
+                      <a:rPr lang="fr-BE" sz="1200" i="1">
                         <a:latin typeface="Cambria Math" panose="02040503050406030204" pitchFamily="18" charset="0"/>
                         <a:ea typeface="Cambria Math" panose="02040503050406030204" pitchFamily="18" charset="0"/>
                       </a:rPr>
@@ -10643,16 +11159,7 @@
                   <a:rPr lang="en-GB" dirty="0"/>
                   <a:t>)</a:t>
                 </a:r>
-                <a:endParaRPr lang="en-GB" sz="1600" dirty="0"/>
-              </a:p>
-              <a:p>
-                <a:endParaRPr lang="en-GB" dirty="0"/>
-              </a:p>
-              <a:p>
-                <a:r>
-                  <a:rPr lang="en-GB" dirty="0"/>
-                  <a:t>Auto-correlation function and auto-covariance function (ACF)</a:t>
-                </a:r>
+                <a:endParaRPr lang="en-GB" sz="1200" dirty="0"/>
               </a:p>
               <a:p>
                 <a:endParaRPr lang="en-GB" dirty="0"/>
@@ -11509,7 +12016,7 @@
           <a:p>
             <a:r>
               <a:rPr lang="en-GB" dirty="0"/>
-              <a:t>Basic tools (cont.)</a:t>
+              <a:t>3. Basic tools (cont.)</a:t>
             </a:r>
           </a:p>
         </p:txBody>
@@ -11535,7 +12042,7 @@
             <p:spPr/>
             <p:txBody>
               <a:bodyPr>
-                <a:normAutofit fontScale="92500" lnSpcReduction="10000"/>
+                <a:normAutofit fontScale="92500"/>
               </a:bodyPr>
               <a:lstStyle/>
               <a:p>
@@ -11560,8 +12067,99 @@
                 <a:pPr lvl="1"/>
                 <a:r>
                   <a:rPr lang="en-GB" dirty="0"/>
-                  <a:t>Discrete Fourier’s transform of the series (the series is expressed as a sum of sine and cosine functions). </a:t>
+                  <a:t>Discrete Fourier’s transform of the series </a:t>
                 </a:r>
+                <a14:m>
+                  <m:oMath xmlns:m="http://schemas.openxmlformats.org/officeDocument/2006/math">
+                    <m:sSub>
+                      <m:sSubPr>
+                        <m:ctrlPr>
+                          <a:rPr lang="fr-BE" b="1" i="1" smtClean="0">
+                            <a:latin typeface="Cambria Math" panose="02040503050406030204" pitchFamily="18" charset="0"/>
+                          </a:rPr>
+                        </m:ctrlPr>
+                      </m:sSubPr>
+                      <m:e>
+                        <m:d>
+                          <m:dPr>
+                            <m:begChr m:val="{"/>
+                            <m:endChr m:val="}"/>
+                            <m:ctrlPr>
+                              <a:rPr lang="fr-BE" b="1" i="1">
+                                <a:latin typeface="Cambria Math" panose="02040503050406030204" pitchFamily="18" charset="0"/>
+                              </a:rPr>
+                            </m:ctrlPr>
+                          </m:dPr>
+                          <m:e>
+                            <m:sSub>
+                              <m:sSubPr>
+                                <m:ctrlPr>
+                                  <a:rPr lang="en-GB" i="1">
+                                    <a:latin typeface="Cambria Math" panose="02040503050406030204" pitchFamily="18" charset="0"/>
+                                  </a:rPr>
+                                </m:ctrlPr>
+                              </m:sSubPr>
+                              <m:e>
+                                <m:r>
+                                  <a:rPr lang="fr-BE" b="0" i="1" smtClean="0">
+                                    <a:latin typeface="Cambria Math" panose="02040503050406030204" pitchFamily="18" charset="0"/>
+                                  </a:rPr>
+                                  <m:t>𝑥</m:t>
+                                </m:r>
+                              </m:e>
+                              <m:sub>
+                                <m:r>
+                                  <a:rPr lang="fr-BE" i="1">
+                                    <a:latin typeface="Cambria Math" panose="02040503050406030204" pitchFamily="18" charset="0"/>
+                                  </a:rPr>
+                                  <m:t>𝑗</m:t>
+                                </m:r>
+                              </m:sub>
+                            </m:sSub>
+                          </m:e>
+                        </m:d>
+                      </m:e>
+                      <m:sub>
+                        <m:r>
+                          <a:rPr lang="fr-BE" i="1">
+                            <a:latin typeface="Cambria Math" panose="02040503050406030204" pitchFamily="18" charset="0"/>
+                            <a:ea typeface="Cambria Math" panose="02040503050406030204" pitchFamily="18" charset="0"/>
+                          </a:rPr>
+                          <m:t>0≤</m:t>
+                        </m:r>
+                        <m:r>
+                          <a:rPr lang="fr-BE" i="1">
+                            <a:latin typeface="Cambria Math" panose="02040503050406030204" pitchFamily="18" charset="0"/>
+                            <a:ea typeface="Cambria Math" panose="02040503050406030204" pitchFamily="18" charset="0"/>
+                          </a:rPr>
+                          <m:t>𝑗</m:t>
+                        </m:r>
+                        <m:r>
+                          <a:rPr lang="fr-BE" i="1">
+                            <a:latin typeface="Cambria Math" panose="02040503050406030204" pitchFamily="18" charset="0"/>
+                            <a:ea typeface="Cambria Math" panose="02040503050406030204" pitchFamily="18" charset="0"/>
+                          </a:rPr>
+                          <m:t>&lt;</m:t>
+                        </m:r>
+                        <m:r>
+                          <a:rPr lang="fr-BE" i="1">
+                            <a:latin typeface="Cambria Math" panose="02040503050406030204" pitchFamily="18" charset="0"/>
+                            <a:ea typeface="Cambria Math" panose="02040503050406030204" pitchFamily="18" charset="0"/>
+                          </a:rPr>
+                          <m:t>𝑛</m:t>
+                        </m:r>
+                        <m:r>
+                          <m:rPr>
+                            <m:nor/>
+                          </m:rPr>
+                          <a:rPr lang="en-GB" dirty="0"/>
+                          <m:t> </m:t>
+                        </m:r>
+                      </m:sub>
+                    </m:sSub>
+                  </m:oMath>
+                </a14:m>
+                <a:endParaRPr lang="en-GB" dirty="0"/>
               </a:p>
               <a:p>
                 <a:pPr lvl="2"/>
@@ -12296,6 +12894,196 @@
                         </m:sSub>
                       </m:e>
                     </m:nary>
+                    <m:r>
+                      <a:rPr lang="fr-BE" b="0" i="1" smtClean="0">
+                        <a:latin typeface="Cambria Math" panose="02040503050406030204" pitchFamily="18" charset="0"/>
+                      </a:rPr>
+                      <m:t>=</m:t>
+                    </m:r>
+                    <m:nary>
+                      <m:naryPr>
+                        <m:chr m:val="∑"/>
+                        <m:limLoc m:val="subSup"/>
+                        <m:supHide m:val="on"/>
+                        <m:ctrlPr>
+                          <a:rPr lang="fr-BE" i="1">
+                            <a:latin typeface="Cambria Math" panose="02040503050406030204" pitchFamily="18" charset="0"/>
+                          </a:rPr>
+                        </m:ctrlPr>
+                      </m:naryPr>
+                      <m:sub>
+                        <m:r>
+                          <a:rPr lang="fr-BE" i="1">
+                            <a:latin typeface="Cambria Math" panose="02040503050406030204" pitchFamily="18" charset="0"/>
+                            <a:ea typeface="Cambria Math" panose="02040503050406030204" pitchFamily="18" charset="0"/>
+                          </a:rPr>
+                          <m:t>0≤</m:t>
+                        </m:r>
+                        <m:r>
+                          <a:rPr lang="fr-BE" b="0" i="1" smtClean="0">
+                            <a:latin typeface="Cambria Math" panose="02040503050406030204" pitchFamily="18" charset="0"/>
+                            <a:ea typeface="Cambria Math" panose="02040503050406030204" pitchFamily="18" charset="0"/>
+                          </a:rPr>
+                          <m:t>𝑘</m:t>
+                        </m:r>
+                        <m:r>
+                          <a:rPr lang="fr-BE" i="1">
+                            <a:latin typeface="Cambria Math" panose="02040503050406030204" pitchFamily="18" charset="0"/>
+                            <a:ea typeface="Cambria Math" panose="02040503050406030204" pitchFamily="18" charset="0"/>
+                          </a:rPr>
+                          <m:t>&lt;</m:t>
+                        </m:r>
+                        <m:r>
+                          <a:rPr lang="fr-BE" i="1">
+                            <a:latin typeface="Cambria Math" panose="02040503050406030204" pitchFamily="18" charset="0"/>
+                            <a:ea typeface="Cambria Math" panose="02040503050406030204" pitchFamily="18" charset="0"/>
+                          </a:rPr>
+                          <m:t>𝑛</m:t>
+                        </m:r>
+                        <m:r>
+                          <m:rPr>
+                            <m:nor/>
+                          </m:rPr>
+                          <a:rPr lang="en-GB" dirty="0"/>
+                          <m:t> </m:t>
+                        </m:r>
+                      </m:sub>
+                      <m:sup/>
+                      <m:e>
+                        <m:sSub>
+                          <m:sSubPr>
+                            <m:ctrlPr>
+                              <a:rPr lang="fr-BE" i="1">
+                                <a:latin typeface="Cambria Math" panose="02040503050406030204" pitchFamily="18" charset="0"/>
+                              </a:rPr>
+                            </m:ctrlPr>
+                          </m:sSubPr>
+                          <m:e>
+                            <m:r>
+                              <a:rPr lang="fr-BE" b="0" i="1" smtClean="0">
+                                <a:latin typeface="Cambria Math" panose="02040503050406030204" pitchFamily="18" charset="0"/>
+                              </a:rPr>
+                              <m:t>𝑥</m:t>
+                            </m:r>
+                          </m:e>
+                          <m:sub>
+                            <m:r>
+                              <a:rPr lang="fr-BE" b="0" i="1" smtClean="0">
+                                <a:latin typeface="Cambria Math" panose="02040503050406030204" pitchFamily="18" charset="0"/>
+                              </a:rPr>
+                              <m:t>𝑘</m:t>
+                            </m:r>
+                          </m:sub>
+                        </m:sSub>
+                        <m:sSub>
+                          <m:sSubPr>
+                            <m:ctrlPr>
+                              <a:rPr lang="fr-BE" i="1">
+                                <a:latin typeface="Cambria Math" panose="02040503050406030204" pitchFamily="18" charset="0"/>
+                              </a:rPr>
+                            </m:ctrlPr>
+                          </m:sSubPr>
+                          <m:e>
+                            <m:r>
+                              <a:rPr lang="fr-BE" b="1" i="1" smtClean="0">
+                                <a:latin typeface="Cambria Math" panose="02040503050406030204" pitchFamily="18" charset="0"/>
+                              </a:rPr>
+                              <m:t>𝒖</m:t>
+                            </m:r>
+                          </m:e>
+                          <m:sub>
+                            <m:r>
+                              <a:rPr lang="fr-BE" b="0" i="1" smtClean="0">
+                                <a:latin typeface="Cambria Math" panose="02040503050406030204" pitchFamily="18" charset="0"/>
+                              </a:rPr>
+                              <m:t>𝑘</m:t>
+                            </m:r>
+                          </m:sub>
+                        </m:sSub>
+                      </m:e>
+                    </m:nary>
+                  </m:oMath>
+                </a14:m>
+                <a:r>
+                  <a:rPr lang="en-GB" dirty="0"/>
+                  <a:t>, </a:t>
+                </a:r>
+                <a14:m>
+                  <m:oMath xmlns:m="http://schemas.openxmlformats.org/officeDocument/2006/math">
+                    <m:sSub>
+                      <m:sSubPr>
+                        <m:ctrlPr>
+                          <a:rPr lang="fr-BE" i="1">
+                            <a:latin typeface="Cambria Math" panose="02040503050406030204" pitchFamily="18" charset="0"/>
+                          </a:rPr>
+                        </m:ctrlPr>
+                      </m:sSubPr>
+                      <m:e>
+                        <m:r>
+                          <a:rPr lang="fr-BE" b="1" i="1">
+                            <a:latin typeface="Cambria Math" panose="02040503050406030204" pitchFamily="18" charset="0"/>
+                          </a:rPr>
+                          <m:t>𝒖</m:t>
+                        </m:r>
+                      </m:e>
+                      <m:sub>
+                        <m:r>
+                          <a:rPr lang="fr-BE" i="1">
+                            <a:latin typeface="Cambria Math" panose="02040503050406030204" pitchFamily="18" charset="0"/>
+                          </a:rPr>
+                          <m:t>𝑘</m:t>
+                        </m:r>
+                      </m:sub>
+                    </m:sSub>
+                    <m:r>
+                      <a:rPr lang="fr-BE" b="0" i="1" smtClean="0">
+                        <a:latin typeface="Cambria Math" panose="02040503050406030204" pitchFamily="18" charset="0"/>
+                      </a:rPr>
+                      <m:t>=</m:t>
+                    </m:r>
+                    <m:r>
+                      <a:rPr lang="fr-BE">
+                        <a:latin typeface="Cambria Math" panose="02040503050406030204" pitchFamily="18" charset="0"/>
+                      </a:rPr>
+                      <m:t>(</m:t>
+                    </m:r>
+                    <m:r>
+                      <a:rPr lang="fr-BE" b="0" i="0" smtClean="0">
+                        <a:latin typeface="Cambria Math" panose="02040503050406030204" pitchFamily="18" charset="0"/>
+                      </a:rPr>
+                      <m:t>0,…, 0, </m:t>
+                    </m:r>
+                    <m:sSub>
+                      <m:sSubPr>
+                        <m:ctrlPr>
+                          <a:rPr lang="fr-BE" b="0" i="1" smtClean="0">
+                            <a:latin typeface="Cambria Math" panose="02040503050406030204" pitchFamily="18" charset="0"/>
+                          </a:rPr>
+                        </m:ctrlPr>
+                      </m:sSubPr>
+                      <m:e>
+                        <m:r>
+                          <a:rPr lang="fr-BE" b="0" i="1" smtClean="0">
+                            <a:latin typeface="Cambria Math" panose="02040503050406030204" pitchFamily="18" charset="0"/>
+                          </a:rPr>
+                          <m:t>1</m:t>
+                        </m:r>
+                      </m:e>
+                      <m:sub>
+                        <m:r>
+                          <a:rPr lang="fr-BE" b="0" i="1" smtClean="0">
+                            <a:latin typeface="Cambria Math" panose="02040503050406030204" pitchFamily="18" charset="0"/>
+                          </a:rPr>
+                          <m:t>𝑘</m:t>
+                        </m:r>
+                      </m:sub>
+                    </m:sSub>
+                    <m:r>
+                      <a:rPr lang="fr-BE" b="0" i="1" smtClean="0">
+                        <a:latin typeface="Cambria Math" panose="02040503050406030204" pitchFamily="18" charset="0"/>
+                      </a:rPr>
+                      <m:t>, 0, …,0)</m:t>
+                    </m:r>
                   </m:oMath>
                 </a14:m>
                 <a:endParaRPr lang="en-GB" dirty="0"/>
@@ -13332,7 +14120,7 @@
               <a:blipFill>
                 <a:blip r:embed="rId2"/>
                 <a:stretch>
-                  <a:fillRect l="-928" t="-2801"/>
+                  <a:fillRect l="-928" t="-2101"/>
                 </a:stretch>
               </a:blipFill>
             </p:spPr>
@@ -13440,6 +14228,2870 @@
       </p:grpSpPr>
       <p:sp>
         <p:nvSpPr>
+          <p:cNvPr id="2" name="Titre 1">
+            <a:extLst>
+              <a:ext uri="{FF2B5EF4-FFF2-40B4-BE49-F238E27FC236}">
+                <a16:creationId xmlns:a16="http://schemas.microsoft.com/office/drawing/2014/main" id="{4D667EEF-9B78-4236-CBAA-311B2EFEC40A}"/>
+              </a:ext>
+            </a:extLst>
+          </p:cNvPr>
+          <p:cNvSpPr>
+            <a:spLocks noGrp="1"/>
+          </p:cNvSpPr>
+          <p:nvPr>
+            <p:ph type="title"/>
+          </p:nvPr>
+        </p:nvSpPr>
+        <p:spPr/>
+        <p:txBody>
+          <a:bodyPr/>
+          <a:lstStyle/>
+          <a:p>
+            <a:r>
+              <a:rPr lang="fr-BE" dirty="0"/>
+              <a:t>4. </a:t>
+            </a:r>
+            <a:r>
+              <a:rPr lang="fr-BE" dirty="0" err="1"/>
+              <a:t>Linear</a:t>
+            </a:r>
+            <a:r>
+              <a:rPr lang="fr-BE" dirty="0"/>
+              <a:t> </a:t>
+            </a:r>
+            <a:r>
+              <a:rPr lang="fr-BE" dirty="0" err="1"/>
+              <a:t>filters</a:t>
+            </a:r>
+            <a:endParaRPr lang="en-GB" dirty="0"/>
+          </a:p>
+        </p:txBody>
+      </p:sp>
+      <mc:AlternateContent xmlns:mc="http://schemas.openxmlformats.org/markup-compatibility/2006">
+        <mc:Choice xmlns:a14="http://schemas.microsoft.com/office/drawing/2010/main" Requires="a14">
+          <p:sp>
+            <p:nvSpPr>
+              <p:cNvPr id="3" name="Espace réservé du contenu 2">
+                <a:extLst>
+                  <a:ext uri="{FF2B5EF4-FFF2-40B4-BE49-F238E27FC236}">
+                    <a16:creationId xmlns:a16="http://schemas.microsoft.com/office/drawing/2014/main" id="{FA2D216B-525D-E32A-3860-2CFBF8223E67}"/>
+                  </a:ext>
+                </a:extLst>
+              </p:cNvPr>
+              <p:cNvSpPr>
+                <a:spLocks noGrp="1"/>
+              </p:cNvSpPr>
+              <p:nvPr>
+                <p:ph idx="1"/>
+              </p:nvPr>
+            </p:nvSpPr>
+            <p:spPr/>
+            <p:txBody>
+              <a:bodyPr/>
+              <a:lstStyle/>
+              <a:p>
+                <a14:m>
+                  <m:oMath xmlns:m="http://schemas.openxmlformats.org/officeDocument/2006/math">
+                    <m:sSub>
+                      <m:sSubPr>
+                        <m:ctrlPr>
+                          <a:rPr lang="en-GB" i="1" smtClean="0">
+                            <a:latin typeface="Cambria Math" panose="02040503050406030204" pitchFamily="18" charset="0"/>
+                          </a:rPr>
+                        </m:ctrlPr>
+                      </m:sSubPr>
+                      <m:e>
+                        <m:r>
+                          <a:rPr lang="fr-BE" b="0" i="1" smtClean="0">
+                            <a:latin typeface="Cambria Math" panose="02040503050406030204" pitchFamily="18" charset="0"/>
+                          </a:rPr>
+                          <m:t>𝑦</m:t>
+                        </m:r>
+                      </m:e>
+                      <m:sub>
+                        <m:r>
+                          <a:rPr lang="fr-BE" b="0" i="1" smtClean="0">
+                            <a:latin typeface="Cambria Math" panose="02040503050406030204" pitchFamily="18" charset="0"/>
+                          </a:rPr>
+                          <m:t>𝑡</m:t>
+                        </m:r>
+                      </m:sub>
+                    </m:sSub>
+                    <m:r>
+                      <a:rPr lang="fr-BE" b="0" i="1" smtClean="0">
+                        <a:latin typeface="Cambria Math" panose="02040503050406030204" pitchFamily="18" charset="0"/>
+                      </a:rPr>
+                      <m:t>=</m:t>
+                    </m:r>
+                    <m:nary>
+                      <m:naryPr>
+                        <m:chr m:val="∑"/>
+                        <m:ctrlPr>
+                          <a:rPr lang="fr-BE" b="0" i="1" smtClean="0">
+                            <a:latin typeface="Cambria Math" panose="02040503050406030204" pitchFamily="18" charset="0"/>
+                          </a:rPr>
+                        </m:ctrlPr>
+                      </m:naryPr>
+                      <m:sub>
+                        <m:r>
+                          <m:rPr>
+                            <m:brk m:alnAt="23"/>
+                          </m:rPr>
+                          <a:rPr lang="fr-BE" b="0" i="1" smtClean="0">
+                            <a:latin typeface="Cambria Math" panose="02040503050406030204" pitchFamily="18" charset="0"/>
+                          </a:rPr>
+                          <m:t>𝑖</m:t>
+                        </m:r>
+                        <m:r>
+                          <a:rPr lang="fr-BE" b="0" i="1" smtClean="0">
+                            <a:latin typeface="Cambria Math" panose="02040503050406030204" pitchFamily="18" charset="0"/>
+                          </a:rPr>
+                          <m:t>=−∞</m:t>
+                        </m:r>
+                      </m:sub>
+                      <m:sup>
+                        <m:r>
+                          <a:rPr lang="fr-BE" b="0" i="1" smtClean="0">
+                            <a:latin typeface="Cambria Math" panose="02040503050406030204" pitchFamily="18" charset="0"/>
+                          </a:rPr>
+                          <m:t>+</m:t>
+                        </m:r>
+                        <m:r>
+                          <a:rPr lang="fr-BE" b="0" i="1" smtClean="0">
+                            <a:latin typeface="Cambria Math" panose="02040503050406030204" pitchFamily="18" charset="0"/>
+                            <a:ea typeface="Cambria Math" panose="02040503050406030204" pitchFamily="18" charset="0"/>
+                          </a:rPr>
+                          <m:t>∞</m:t>
+                        </m:r>
+                      </m:sup>
+                      <m:e>
+                        <m:sSub>
+                          <m:sSubPr>
+                            <m:ctrlPr>
+                              <a:rPr lang="fr-BE" b="0" i="1" smtClean="0">
+                                <a:latin typeface="Cambria Math" panose="02040503050406030204" pitchFamily="18" charset="0"/>
+                              </a:rPr>
+                            </m:ctrlPr>
+                          </m:sSubPr>
+                          <m:e>
+                            <m:r>
+                              <a:rPr lang="fr-BE" b="0" i="1" smtClean="0">
+                                <a:latin typeface="Cambria Math" panose="02040503050406030204" pitchFamily="18" charset="0"/>
+                                <a:ea typeface="Cambria Math" panose="02040503050406030204" pitchFamily="18" charset="0"/>
+                              </a:rPr>
+                              <m:t>𝛽</m:t>
+                            </m:r>
+                          </m:e>
+                          <m:sub>
+                            <m:r>
+                              <a:rPr lang="fr-BE" b="0" i="1" smtClean="0">
+                                <a:latin typeface="Cambria Math" panose="02040503050406030204" pitchFamily="18" charset="0"/>
+                              </a:rPr>
+                              <m:t>𝑖</m:t>
+                            </m:r>
+                          </m:sub>
+                        </m:sSub>
+                        <m:sSub>
+                          <m:sSubPr>
+                            <m:ctrlPr>
+                              <a:rPr lang="fr-BE" b="0" i="1" smtClean="0">
+                                <a:latin typeface="Cambria Math" panose="02040503050406030204" pitchFamily="18" charset="0"/>
+                              </a:rPr>
+                            </m:ctrlPr>
+                          </m:sSubPr>
+                          <m:e>
+                            <m:r>
+                              <a:rPr lang="fr-BE" b="0" i="1" smtClean="0">
+                                <a:latin typeface="Cambria Math" panose="02040503050406030204" pitchFamily="18" charset="0"/>
+                              </a:rPr>
+                              <m:t>𝑥</m:t>
+                            </m:r>
+                          </m:e>
+                          <m:sub>
+                            <m:r>
+                              <a:rPr lang="fr-BE" b="0" i="1" smtClean="0">
+                                <a:latin typeface="Cambria Math" panose="02040503050406030204" pitchFamily="18" charset="0"/>
+                              </a:rPr>
+                              <m:t>𝑡</m:t>
+                            </m:r>
+                            <m:r>
+                              <a:rPr lang="fr-BE" b="0" i="1" smtClean="0">
+                                <a:latin typeface="Cambria Math" panose="02040503050406030204" pitchFamily="18" charset="0"/>
+                              </a:rPr>
+                              <m:t>−</m:t>
+                            </m:r>
+                            <m:r>
+                              <a:rPr lang="fr-BE" b="0" i="1" smtClean="0">
+                                <a:latin typeface="Cambria Math" panose="02040503050406030204" pitchFamily="18" charset="0"/>
+                              </a:rPr>
+                              <m:t>𝑖</m:t>
+                            </m:r>
+                          </m:sub>
+                        </m:sSub>
+                      </m:e>
+                    </m:nary>
+                  </m:oMath>
+                </a14:m>
+                <a:r>
+                  <a:rPr lang="en-GB" dirty="0"/>
+                  <a:t>, </a:t>
+                </a:r>
+                <a14:m>
+                  <m:oMath xmlns:m="http://schemas.openxmlformats.org/officeDocument/2006/math">
+                    <m:d>
+                      <m:dPr>
+                        <m:begChr m:val="{"/>
+                        <m:endChr m:val="}"/>
+                        <m:ctrlPr>
+                          <a:rPr lang="fr-BE" b="1" i="1">
+                            <a:latin typeface="Cambria Math" panose="02040503050406030204" pitchFamily="18" charset="0"/>
+                          </a:rPr>
+                        </m:ctrlPr>
+                      </m:dPr>
+                      <m:e>
+                        <m:sSub>
+                          <m:sSubPr>
+                            <m:ctrlPr>
+                              <a:rPr lang="en-GB" i="1">
+                                <a:latin typeface="Cambria Math" panose="02040503050406030204" pitchFamily="18" charset="0"/>
+                              </a:rPr>
+                            </m:ctrlPr>
+                          </m:sSubPr>
+                          <m:e>
+                            <m:r>
+                              <a:rPr lang="fr-BE" i="1" smtClean="0">
+                                <a:latin typeface="Cambria Math" panose="02040503050406030204" pitchFamily="18" charset="0"/>
+                                <a:ea typeface="Cambria Math" panose="02040503050406030204" pitchFamily="18" charset="0"/>
+                              </a:rPr>
+                              <m:t>𝛽</m:t>
+                            </m:r>
+                          </m:e>
+                          <m:sub>
+                            <m:r>
+                              <a:rPr lang="fr-BE" b="0" i="1" smtClean="0">
+                                <a:latin typeface="Cambria Math" panose="02040503050406030204" pitchFamily="18" charset="0"/>
+                              </a:rPr>
+                              <m:t>𝑖</m:t>
+                            </m:r>
+                          </m:sub>
+                        </m:sSub>
+                      </m:e>
+                    </m:d>
+                    <m:r>
+                      <a:rPr lang="fr-BE" b="1" i="1" smtClean="0">
+                        <a:latin typeface="Cambria Math" panose="02040503050406030204" pitchFamily="18" charset="0"/>
+                        <a:ea typeface="Cambria Math" panose="02040503050406030204" pitchFamily="18" charset="0"/>
+                      </a:rPr>
+                      <m:t>≡</m:t>
+                    </m:r>
+                    <m:r>
+                      <a:rPr lang="fr-BE" b="0" i="1" smtClean="0">
+                        <a:latin typeface="Cambria Math" panose="02040503050406030204" pitchFamily="18" charset="0"/>
+                        <a:ea typeface="Cambria Math" panose="02040503050406030204" pitchFamily="18" charset="0"/>
+                      </a:rPr>
+                      <m:t>𝑙𝑖𝑛𝑒𝑎𝑟</m:t>
+                    </m:r>
+                    <m:r>
+                      <a:rPr lang="fr-BE" b="0" i="1" smtClean="0">
+                        <a:latin typeface="Cambria Math" panose="02040503050406030204" pitchFamily="18" charset="0"/>
+                        <a:ea typeface="Cambria Math" panose="02040503050406030204" pitchFamily="18" charset="0"/>
+                      </a:rPr>
+                      <m:t> </m:t>
+                    </m:r>
+                    <m:r>
+                      <a:rPr lang="fr-BE" b="0" i="1" smtClean="0">
+                        <a:latin typeface="Cambria Math" panose="02040503050406030204" pitchFamily="18" charset="0"/>
+                        <a:ea typeface="Cambria Math" panose="02040503050406030204" pitchFamily="18" charset="0"/>
+                      </a:rPr>
+                      <m:t>𝑓𝑖𝑙𝑡𝑒𝑟</m:t>
+                    </m:r>
+                  </m:oMath>
+                </a14:m>
+                <a:endParaRPr lang="en-GB" dirty="0"/>
+              </a:p>
+              <a:p>
+                <a:endParaRPr lang="en-GB" dirty="0"/>
+              </a:p>
+              <a:p>
+                <a:r>
+                  <a:rPr lang="en-GB" dirty="0"/>
+                  <a:t>Backward, forward operators: </a:t>
+                </a:r>
+                <a14:m>
+                  <m:oMath xmlns:m="http://schemas.openxmlformats.org/officeDocument/2006/math">
+                    <m:sSup>
+                      <m:sSupPr>
+                        <m:ctrlPr>
+                          <a:rPr lang="en-GB" i="1" smtClean="0">
+                            <a:latin typeface="Cambria Math" panose="02040503050406030204" pitchFamily="18" charset="0"/>
+                          </a:rPr>
+                        </m:ctrlPr>
+                      </m:sSupPr>
+                      <m:e>
+                        <m:r>
+                          <a:rPr lang="fr-BE" b="0" i="1" smtClean="0">
+                            <a:latin typeface="Cambria Math" panose="02040503050406030204" pitchFamily="18" charset="0"/>
+                          </a:rPr>
+                          <m:t>𝐵</m:t>
+                        </m:r>
+                      </m:e>
+                      <m:sup>
+                        <m:r>
+                          <a:rPr lang="fr-BE" b="0" i="1" smtClean="0">
+                            <a:latin typeface="Cambria Math" panose="02040503050406030204" pitchFamily="18" charset="0"/>
+                          </a:rPr>
+                          <m:t>𝑘</m:t>
+                        </m:r>
+                      </m:sup>
+                    </m:sSup>
+                    <m:sSub>
+                      <m:sSubPr>
+                        <m:ctrlPr>
+                          <a:rPr lang="en-GB" i="1" smtClean="0">
+                            <a:latin typeface="Cambria Math" panose="02040503050406030204" pitchFamily="18" charset="0"/>
+                          </a:rPr>
+                        </m:ctrlPr>
+                      </m:sSubPr>
+                      <m:e>
+                        <m:r>
+                          <a:rPr lang="fr-BE" b="0" i="1" smtClean="0">
+                            <a:latin typeface="Cambria Math" panose="02040503050406030204" pitchFamily="18" charset="0"/>
+                          </a:rPr>
+                          <m:t>𝑥</m:t>
+                        </m:r>
+                      </m:e>
+                      <m:sub>
+                        <m:r>
+                          <a:rPr lang="fr-BE" b="0" i="1" smtClean="0">
+                            <a:latin typeface="Cambria Math" panose="02040503050406030204" pitchFamily="18" charset="0"/>
+                          </a:rPr>
+                          <m:t>𝑡</m:t>
+                        </m:r>
+                      </m:sub>
+                    </m:sSub>
+                    <m:r>
+                      <a:rPr lang="fr-BE" b="0" i="1" smtClean="0">
+                        <a:latin typeface="Cambria Math" panose="02040503050406030204" pitchFamily="18" charset="0"/>
+                      </a:rPr>
+                      <m:t>=</m:t>
+                    </m:r>
+                    <m:sSub>
+                      <m:sSubPr>
+                        <m:ctrlPr>
+                          <a:rPr lang="en-GB" i="1" smtClean="0">
+                            <a:latin typeface="Cambria Math" panose="02040503050406030204" pitchFamily="18" charset="0"/>
+                          </a:rPr>
+                        </m:ctrlPr>
+                      </m:sSubPr>
+                      <m:e>
+                        <m:r>
+                          <a:rPr lang="fr-BE" b="0" i="1" smtClean="0">
+                            <a:latin typeface="Cambria Math" panose="02040503050406030204" pitchFamily="18" charset="0"/>
+                          </a:rPr>
+                          <m:t>𝑥</m:t>
+                        </m:r>
+                      </m:e>
+                      <m:sub>
+                        <m:r>
+                          <a:rPr lang="fr-BE" b="0" i="1" smtClean="0">
+                            <a:latin typeface="Cambria Math" panose="02040503050406030204" pitchFamily="18" charset="0"/>
+                          </a:rPr>
+                          <m:t>𝑡</m:t>
+                        </m:r>
+                        <m:r>
+                          <a:rPr lang="fr-BE" b="0" i="1" smtClean="0">
+                            <a:latin typeface="Cambria Math" panose="02040503050406030204" pitchFamily="18" charset="0"/>
+                          </a:rPr>
+                          <m:t>−</m:t>
+                        </m:r>
+                        <m:r>
+                          <a:rPr lang="fr-BE" b="0" i="1" smtClean="0">
+                            <a:latin typeface="Cambria Math" panose="02040503050406030204" pitchFamily="18" charset="0"/>
+                          </a:rPr>
+                          <m:t>𝑘</m:t>
+                        </m:r>
+                      </m:sub>
+                    </m:sSub>
+                    <m:r>
+                      <a:rPr lang="fr-BE" b="0" i="1" smtClean="0">
+                        <a:latin typeface="Cambria Math" panose="02040503050406030204" pitchFamily="18" charset="0"/>
+                      </a:rPr>
+                      <m:t>,</m:t>
+                    </m:r>
+                    <m:sSup>
+                      <m:sSupPr>
+                        <m:ctrlPr>
+                          <a:rPr lang="en-GB" i="1">
+                            <a:latin typeface="Cambria Math" panose="02040503050406030204" pitchFamily="18" charset="0"/>
+                          </a:rPr>
+                        </m:ctrlPr>
+                      </m:sSupPr>
+                      <m:e>
+                        <m:r>
+                          <a:rPr lang="fr-BE" b="0" i="1" smtClean="0">
+                            <a:latin typeface="Cambria Math" panose="02040503050406030204" pitchFamily="18" charset="0"/>
+                          </a:rPr>
+                          <m:t>𝐹</m:t>
+                        </m:r>
+                      </m:e>
+                      <m:sup>
+                        <m:r>
+                          <a:rPr lang="fr-BE" i="1">
+                            <a:latin typeface="Cambria Math" panose="02040503050406030204" pitchFamily="18" charset="0"/>
+                          </a:rPr>
+                          <m:t>𝑘</m:t>
+                        </m:r>
+                      </m:sup>
+                    </m:sSup>
+                    <m:sSub>
+                      <m:sSubPr>
+                        <m:ctrlPr>
+                          <a:rPr lang="en-GB" i="1">
+                            <a:latin typeface="Cambria Math" panose="02040503050406030204" pitchFamily="18" charset="0"/>
+                          </a:rPr>
+                        </m:ctrlPr>
+                      </m:sSubPr>
+                      <m:e>
+                        <m:r>
+                          <a:rPr lang="fr-BE" i="1">
+                            <a:latin typeface="Cambria Math" panose="02040503050406030204" pitchFamily="18" charset="0"/>
+                          </a:rPr>
+                          <m:t>𝑥</m:t>
+                        </m:r>
+                      </m:e>
+                      <m:sub>
+                        <m:r>
+                          <a:rPr lang="fr-BE" i="1">
+                            <a:latin typeface="Cambria Math" panose="02040503050406030204" pitchFamily="18" charset="0"/>
+                          </a:rPr>
+                          <m:t>𝑡</m:t>
+                        </m:r>
+                      </m:sub>
+                    </m:sSub>
+                    <m:r>
+                      <a:rPr lang="fr-BE" i="1">
+                        <a:latin typeface="Cambria Math" panose="02040503050406030204" pitchFamily="18" charset="0"/>
+                      </a:rPr>
+                      <m:t>=</m:t>
+                    </m:r>
+                    <m:sSub>
+                      <m:sSubPr>
+                        <m:ctrlPr>
+                          <a:rPr lang="en-GB" i="1">
+                            <a:latin typeface="Cambria Math" panose="02040503050406030204" pitchFamily="18" charset="0"/>
+                          </a:rPr>
+                        </m:ctrlPr>
+                      </m:sSubPr>
+                      <m:e>
+                        <m:r>
+                          <a:rPr lang="fr-BE" i="1">
+                            <a:latin typeface="Cambria Math" panose="02040503050406030204" pitchFamily="18" charset="0"/>
+                          </a:rPr>
+                          <m:t>𝑥</m:t>
+                        </m:r>
+                      </m:e>
+                      <m:sub>
+                        <m:r>
+                          <a:rPr lang="fr-BE" i="1">
+                            <a:latin typeface="Cambria Math" panose="02040503050406030204" pitchFamily="18" charset="0"/>
+                          </a:rPr>
+                          <m:t>𝑡</m:t>
+                        </m:r>
+                        <m:r>
+                          <a:rPr lang="fr-BE" b="0" i="1" smtClean="0">
+                            <a:latin typeface="Cambria Math" panose="02040503050406030204" pitchFamily="18" charset="0"/>
+                          </a:rPr>
+                          <m:t>+</m:t>
+                        </m:r>
+                        <m:r>
+                          <a:rPr lang="fr-BE" i="1">
+                            <a:latin typeface="Cambria Math" panose="02040503050406030204" pitchFamily="18" charset="0"/>
+                          </a:rPr>
+                          <m:t>𝑘</m:t>
+                        </m:r>
+                      </m:sub>
+                    </m:sSub>
+                  </m:oMath>
+                </a14:m>
+                <a:endParaRPr lang="en-GB" dirty="0"/>
+              </a:p>
+              <a:p>
+                <a:endParaRPr lang="en-GB" i="1" dirty="0">
+                  <a:latin typeface="Cambria Math" panose="02040503050406030204" pitchFamily="18" charset="0"/>
+                </a:endParaRPr>
+              </a:p>
+              <a:p>
+                <a14:m>
+                  <m:oMath xmlns:m="http://schemas.openxmlformats.org/officeDocument/2006/math">
+                    <m:sSub>
+                      <m:sSubPr>
+                        <m:ctrlPr>
+                          <a:rPr lang="en-GB" i="1" smtClean="0">
+                            <a:latin typeface="Cambria Math" panose="02040503050406030204" pitchFamily="18" charset="0"/>
+                          </a:rPr>
+                        </m:ctrlPr>
+                      </m:sSubPr>
+                      <m:e>
+                        <m:r>
+                          <a:rPr lang="fr-BE" b="0" i="1" smtClean="0">
+                            <a:latin typeface="Cambria Math" panose="02040503050406030204" pitchFamily="18" charset="0"/>
+                          </a:rPr>
+                          <m:t>𝑦</m:t>
+                        </m:r>
+                      </m:e>
+                      <m:sub>
+                        <m:r>
+                          <a:rPr lang="fr-BE" b="0" i="1" smtClean="0">
+                            <a:latin typeface="Cambria Math" panose="02040503050406030204" pitchFamily="18" charset="0"/>
+                          </a:rPr>
+                          <m:t>𝑡</m:t>
+                        </m:r>
+                      </m:sub>
+                    </m:sSub>
+                    <m:r>
+                      <a:rPr lang="fr-BE" b="0" i="1" smtClean="0">
+                        <a:latin typeface="Cambria Math" panose="02040503050406030204" pitchFamily="18" charset="0"/>
+                      </a:rPr>
+                      <m:t>=</m:t>
+                    </m:r>
+                    <m:r>
+                      <a:rPr lang="fr-BE" b="0" i="1" smtClean="0">
+                        <a:latin typeface="Cambria Math" panose="02040503050406030204" pitchFamily="18" charset="0"/>
+                      </a:rPr>
+                      <m:t>𝑃</m:t>
+                    </m:r>
+                    <m:d>
+                      <m:dPr>
+                        <m:ctrlPr>
+                          <a:rPr lang="fr-BE" b="0" i="1" smtClean="0">
+                            <a:latin typeface="Cambria Math" panose="02040503050406030204" pitchFamily="18" charset="0"/>
+                          </a:rPr>
+                        </m:ctrlPr>
+                      </m:dPr>
+                      <m:e>
+                        <m:r>
+                          <a:rPr lang="fr-BE" b="0" i="1" smtClean="0">
+                            <a:latin typeface="Cambria Math" panose="02040503050406030204" pitchFamily="18" charset="0"/>
+                          </a:rPr>
+                          <m:t>𝐵</m:t>
+                        </m:r>
+                      </m:e>
+                    </m:d>
+                    <m:sSub>
+                      <m:sSubPr>
+                        <m:ctrlPr>
+                          <a:rPr lang="fr-BE" b="0" i="1" smtClean="0">
+                            <a:latin typeface="Cambria Math" panose="02040503050406030204" pitchFamily="18" charset="0"/>
+                          </a:rPr>
+                        </m:ctrlPr>
+                      </m:sSubPr>
+                      <m:e>
+                        <m:r>
+                          <a:rPr lang="fr-BE" b="0" i="1" smtClean="0">
+                            <a:latin typeface="Cambria Math" panose="02040503050406030204" pitchFamily="18" charset="0"/>
+                          </a:rPr>
+                          <m:t>𝑥</m:t>
+                        </m:r>
+                      </m:e>
+                      <m:sub>
+                        <m:r>
+                          <a:rPr lang="fr-BE" b="0" i="1" smtClean="0">
+                            <a:latin typeface="Cambria Math" panose="02040503050406030204" pitchFamily="18" charset="0"/>
+                          </a:rPr>
+                          <m:t>𝑡</m:t>
+                        </m:r>
+                      </m:sub>
+                    </m:sSub>
+                  </m:oMath>
+                </a14:m>
+                <a:r>
+                  <a:rPr lang="en-GB" dirty="0"/>
+                  <a:t>, </a:t>
+                </a:r>
+                <a14:m>
+                  <m:oMath xmlns:m="http://schemas.openxmlformats.org/officeDocument/2006/math">
+                    <m:r>
+                      <a:rPr lang="fr-BE" i="1">
+                        <a:latin typeface="Cambria Math" panose="02040503050406030204" pitchFamily="18" charset="0"/>
+                      </a:rPr>
+                      <m:t>𝑃</m:t>
+                    </m:r>
+                    <m:d>
+                      <m:dPr>
+                        <m:ctrlPr>
+                          <a:rPr lang="fr-BE" i="1">
+                            <a:latin typeface="Cambria Math" panose="02040503050406030204" pitchFamily="18" charset="0"/>
+                          </a:rPr>
+                        </m:ctrlPr>
+                      </m:dPr>
+                      <m:e>
+                        <m:r>
+                          <a:rPr lang="fr-BE" i="1">
+                            <a:latin typeface="Cambria Math" panose="02040503050406030204" pitchFamily="18" charset="0"/>
+                          </a:rPr>
+                          <m:t>𝐵</m:t>
+                        </m:r>
+                      </m:e>
+                    </m:d>
+                    <m:sSub>
+                      <m:sSubPr>
+                        <m:ctrlPr>
+                          <a:rPr lang="en-GB" i="1">
+                            <a:latin typeface="Cambria Math" panose="02040503050406030204" pitchFamily="18" charset="0"/>
+                          </a:rPr>
+                        </m:ctrlPr>
+                      </m:sSubPr>
+                      <m:e>
+                        <m:r>
+                          <a:rPr lang="fr-BE" i="1">
+                            <a:latin typeface="Cambria Math" panose="02040503050406030204" pitchFamily="18" charset="0"/>
+                          </a:rPr>
+                          <m:t>𝑦</m:t>
+                        </m:r>
+                      </m:e>
+                      <m:sub>
+                        <m:r>
+                          <a:rPr lang="fr-BE" i="1">
+                            <a:latin typeface="Cambria Math" panose="02040503050406030204" pitchFamily="18" charset="0"/>
+                          </a:rPr>
+                          <m:t>𝑡</m:t>
+                        </m:r>
+                      </m:sub>
+                    </m:sSub>
+                    <m:r>
+                      <a:rPr lang="fr-BE" i="1">
+                        <a:latin typeface="Cambria Math" panose="02040503050406030204" pitchFamily="18" charset="0"/>
+                      </a:rPr>
+                      <m:t>=</m:t>
+                    </m:r>
+                    <m:sSub>
+                      <m:sSubPr>
+                        <m:ctrlPr>
+                          <a:rPr lang="fr-BE" i="1">
+                            <a:latin typeface="Cambria Math" panose="02040503050406030204" pitchFamily="18" charset="0"/>
+                          </a:rPr>
+                        </m:ctrlPr>
+                      </m:sSubPr>
+                      <m:e>
+                        <m:r>
+                          <a:rPr lang="fr-BE" i="1">
+                            <a:latin typeface="Cambria Math" panose="02040503050406030204" pitchFamily="18" charset="0"/>
+                          </a:rPr>
+                          <m:t>𝑥</m:t>
+                        </m:r>
+                      </m:e>
+                      <m:sub>
+                        <m:r>
+                          <a:rPr lang="fr-BE" i="1">
+                            <a:latin typeface="Cambria Math" panose="02040503050406030204" pitchFamily="18" charset="0"/>
+                          </a:rPr>
+                          <m:t>𝑡</m:t>
+                        </m:r>
+                      </m:sub>
+                    </m:sSub>
+                  </m:oMath>
+                </a14:m>
+                <a:r>
+                  <a:rPr lang="en-GB" dirty="0"/>
+                  <a:t>, </a:t>
+                </a:r>
+                <a14:m>
+                  <m:oMath xmlns:m="http://schemas.openxmlformats.org/officeDocument/2006/math">
+                    <m:r>
+                      <a:rPr lang="fr-BE" i="1">
+                        <a:latin typeface="Cambria Math" panose="02040503050406030204" pitchFamily="18" charset="0"/>
+                      </a:rPr>
+                      <m:t>𝑃</m:t>
+                    </m:r>
+                    <m:d>
+                      <m:dPr>
+                        <m:ctrlPr>
+                          <a:rPr lang="fr-BE" i="1">
+                            <a:latin typeface="Cambria Math" panose="02040503050406030204" pitchFamily="18" charset="0"/>
+                          </a:rPr>
+                        </m:ctrlPr>
+                      </m:dPr>
+                      <m:e>
+                        <m:r>
+                          <a:rPr lang="fr-BE" i="1">
+                            <a:latin typeface="Cambria Math" panose="02040503050406030204" pitchFamily="18" charset="0"/>
+                          </a:rPr>
+                          <m:t>𝐵</m:t>
+                        </m:r>
+                      </m:e>
+                    </m:d>
+                    <m:sSub>
+                      <m:sSubPr>
+                        <m:ctrlPr>
+                          <a:rPr lang="en-GB" i="1">
+                            <a:latin typeface="Cambria Math" panose="02040503050406030204" pitchFamily="18" charset="0"/>
+                          </a:rPr>
+                        </m:ctrlPr>
+                      </m:sSubPr>
+                      <m:e>
+                        <m:r>
+                          <a:rPr lang="fr-BE" i="1">
+                            <a:latin typeface="Cambria Math" panose="02040503050406030204" pitchFamily="18" charset="0"/>
+                          </a:rPr>
+                          <m:t>𝑦</m:t>
+                        </m:r>
+                      </m:e>
+                      <m:sub>
+                        <m:r>
+                          <a:rPr lang="fr-BE" i="1">
+                            <a:latin typeface="Cambria Math" panose="02040503050406030204" pitchFamily="18" charset="0"/>
+                          </a:rPr>
+                          <m:t>𝑡</m:t>
+                        </m:r>
+                      </m:sub>
+                    </m:sSub>
+                    <m:r>
+                      <a:rPr lang="fr-BE" i="1">
+                        <a:latin typeface="Cambria Math" panose="02040503050406030204" pitchFamily="18" charset="0"/>
+                      </a:rPr>
+                      <m:t>=</m:t>
+                    </m:r>
+                    <m:sSub>
+                      <m:sSubPr>
+                        <m:ctrlPr>
+                          <a:rPr lang="fr-BE" i="1">
+                            <a:latin typeface="Cambria Math" panose="02040503050406030204" pitchFamily="18" charset="0"/>
+                          </a:rPr>
+                        </m:ctrlPr>
+                      </m:sSubPr>
+                      <m:e>
+                        <m:r>
+                          <a:rPr lang="fr-BE" b="0" i="1" smtClean="0">
+                            <a:latin typeface="Cambria Math" panose="02040503050406030204" pitchFamily="18" charset="0"/>
+                          </a:rPr>
+                          <m:t>𝑄</m:t>
+                        </m:r>
+                        <m:r>
+                          <a:rPr lang="fr-BE" b="0" i="1" smtClean="0">
+                            <a:latin typeface="Cambria Math" panose="02040503050406030204" pitchFamily="18" charset="0"/>
+                          </a:rPr>
+                          <m:t>(</m:t>
+                        </m:r>
+                        <m:r>
+                          <a:rPr lang="fr-BE" b="0" i="1" smtClean="0">
+                            <a:latin typeface="Cambria Math" panose="02040503050406030204" pitchFamily="18" charset="0"/>
+                          </a:rPr>
+                          <m:t>𝐵</m:t>
+                        </m:r>
+                        <m:r>
+                          <a:rPr lang="fr-BE" b="0" i="1" smtClean="0">
+                            <a:latin typeface="Cambria Math" panose="02040503050406030204" pitchFamily="18" charset="0"/>
+                          </a:rPr>
+                          <m:t>)</m:t>
+                        </m:r>
+                        <m:r>
+                          <a:rPr lang="fr-BE" i="1">
+                            <a:latin typeface="Cambria Math" panose="02040503050406030204" pitchFamily="18" charset="0"/>
+                          </a:rPr>
+                          <m:t>𝑥</m:t>
+                        </m:r>
+                      </m:e>
+                      <m:sub>
+                        <m:r>
+                          <a:rPr lang="fr-BE" i="1">
+                            <a:latin typeface="Cambria Math" panose="02040503050406030204" pitchFamily="18" charset="0"/>
+                          </a:rPr>
+                          <m:t>𝑡</m:t>
+                        </m:r>
+                      </m:sub>
+                    </m:sSub>
+                  </m:oMath>
+                </a14:m>
+                <a:endParaRPr lang="en-GB" dirty="0"/>
+              </a:p>
+              <a:p>
+                <a:pPr lvl="1"/>
+                <a14:m>
+                  <m:oMath xmlns:m="http://schemas.openxmlformats.org/officeDocument/2006/math">
+                    <m:sSub>
+                      <m:sSubPr>
+                        <m:ctrlPr>
+                          <a:rPr lang="en-GB" i="1" smtClean="0">
+                            <a:latin typeface="Cambria Math" panose="02040503050406030204" pitchFamily="18" charset="0"/>
+                          </a:rPr>
+                        </m:ctrlPr>
+                      </m:sSubPr>
+                      <m:e>
+                        <m:r>
+                          <a:rPr lang="fr-BE" b="0" i="1" smtClean="0">
+                            <a:latin typeface="Cambria Math" panose="02040503050406030204" pitchFamily="18" charset="0"/>
+                          </a:rPr>
+                          <m:t>𝑦</m:t>
+                        </m:r>
+                      </m:e>
+                      <m:sub>
+                        <m:r>
+                          <a:rPr lang="fr-BE" b="0" i="1" smtClean="0">
+                            <a:latin typeface="Cambria Math" panose="02040503050406030204" pitchFamily="18" charset="0"/>
+                          </a:rPr>
+                          <m:t>𝑡</m:t>
+                        </m:r>
+                      </m:sub>
+                    </m:sSub>
+                    <m:r>
+                      <a:rPr lang="fr-BE" b="0" i="1" smtClean="0">
+                        <a:latin typeface="Cambria Math" panose="02040503050406030204" pitchFamily="18" charset="0"/>
+                      </a:rPr>
+                      <m:t>=</m:t>
+                    </m:r>
+                    <m:sSub>
+                      <m:sSubPr>
+                        <m:ctrlPr>
+                          <a:rPr lang="en-GB" i="1">
+                            <a:latin typeface="Cambria Math" panose="02040503050406030204" pitchFamily="18" charset="0"/>
+                          </a:rPr>
+                        </m:ctrlPr>
+                      </m:sSubPr>
+                      <m:e>
+                        <m:r>
+                          <a:rPr lang="fr-BE" b="0" i="1" smtClean="0">
+                            <a:latin typeface="Cambria Math" panose="02040503050406030204" pitchFamily="18" charset="0"/>
+                          </a:rPr>
+                          <m:t>𝑥</m:t>
+                        </m:r>
+                      </m:e>
+                      <m:sub>
+                        <m:r>
+                          <a:rPr lang="fr-BE" i="1">
+                            <a:latin typeface="Cambria Math" panose="02040503050406030204" pitchFamily="18" charset="0"/>
+                          </a:rPr>
+                          <m:t>𝑡</m:t>
+                        </m:r>
+                      </m:sub>
+                    </m:sSub>
+                    <m:r>
+                      <a:rPr lang="fr-BE" b="0" i="1" smtClean="0">
+                        <a:latin typeface="Cambria Math" panose="02040503050406030204" pitchFamily="18" charset="0"/>
+                      </a:rPr>
+                      <m:t>−</m:t>
+                    </m:r>
+                    <m:sSub>
+                      <m:sSubPr>
+                        <m:ctrlPr>
+                          <a:rPr lang="en-GB" i="1">
+                            <a:latin typeface="Cambria Math" panose="02040503050406030204" pitchFamily="18" charset="0"/>
+                          </a:rPr>
+                        </m:ctrlPr>
+                      </m:sSubPr>
+                      <m:e>
+                        <m:r>
+                          <a:rPr lang="fr-BE" b="0" i="1" smtClean="0">
+                            <a:latin typeface="Cambria Math" panose="02040503050406030204" pitchFamily="18" charset="0"/>
+                          </a:rPr>
+                          <m:t>𝑥</m:t>
+                        </m:r>
+                      </m:e>
+                      <m:sub>
+                        <m:r>
+                          <a:rPr lang="fr-BE" i="1">
+                            <a:latin typeface="Cambria Math" panose="02040503050406030204" pitchFamily="18" charset="0"/>
+                          </a:rPr>
+                          <m:t>𝑡</m:t>
+                        </m:r>
+                        <m:r>
+                          <a:rPr lang="fr-BE" b="0" i="1" smtClean="0">
+                            <a:latin typeface="Cambria Math" panose="02040503050406030204" pitchFamily="18" charset="0"/>
+                          </a:rPr>
+                          <m:t>−1</m:t>
+                        </m:r>
+                      </m:sub>
+                    </m:sSub>
+                  </m:oMath>
+                </a14:m>
+                <a:endParaRPr lang="en-GB" dirty="0"/>
+              </a:p>
+              <a:p>
+                <a:pPr lvl="1"/>
+                <a14:m>
+                  <m:oMath xmlns:m="http://schemas.openxmlformats.org/officeDocument/2006/math">
+                    <m:sSub>
+                      <m:sSubPr>
+                        <m:ctrlPr>
+                          <a:rPr lang="en-GB" i="1">
+                            <a:latin typeface="Cambria Math" panose="02040503050406030204" pitchFamily="18" charset="0"/>
+                          </a:rPr>
+                        </m:ctrlPr>
+                      </m:sSubPr>
+                      <m:e>
+                        <m:r>
+                          <a:rPr lang="fr-BE" i="1">
+                            <a:latin typeface="Cambria Math" panose="02040503050406030204" pitchFamily="18" charset="0"/>
+                          </a:rPr>
+                          <m:t>𝑦</m:t>
+                        </m:r>
+                      </m:e>
+                      <m:sub>
+                        <m:r>
+                          <a:rPr lang="fr-BE" i="1">
+                            <a:latin typeface="Cambria Math" panose="02040503050406030204" pitchFamily="18" charset="0"/>
+                          </a:rPr>
+                          <m:t>𝑡</m:t>
+                        </m:r>
+                      </m:sub>
+                    </m:sSub>
+                    <m:r>
+                      <a:rPr lang="fr-BE" b="0" i="1" smtClean="0">
+                        <a:latin typeface="Cambria Math" panose="02040503050406030204" pitchFamily="18" charset="0"/>
+                      </a:rPr>
+                      <m:t>−0.9</m:t>
+                    </m:r>
+                    <m:sSub>
+                      <m:sSubPr>
+                        <m:ctrlPr>
+                          <a:rPr lang="en-GB" i="1">
+                            <a:latin typeface="Cambria Math" panose="02040503050406030204" pitchFamily="18" charset="0"/>
+                          </a:rPr>
+                        </m:ctrlPr>
+                      </m:sSubPr>
+                      <m:e>
+                        <m:r>
+                          <a:rPr lang="fr-BE" i="1">
+                            <a:latin typeface="Cambria Math" panose="02040503050406030204" pitchFamily="18" charset="0"/>
+                          </a:rPr>
+                          <m:t>𝑦</m:t>
+                        </m:r>
+                      </m:e>
+                      <m:sub>
+                        <m:r>
+                          <a:rPr lang="fr-BE" i="1">
+                            <a:latin typeface="Cambria Math" panose="02040503050406030204" pitchFamily="18" charset="0"/>
+                          </a:rPr>
+                          <m:t>𝑡</m:t>
+                        </m:r>
+                        <m:r>
+                          <a:rPr lang="fr-BE" b="0" i="1" smtClean="0">
+                            <a:latin typeface="Cambria Math" panose="02040503050406030204" pitchFamily="18" charset="0"/>
+                          </a:rPr>
+                          <m:t>−1</m:t>
+                        </m:r>
+                      </m:sub>
+                    </m:sSub>
+                    <m:r>
+                      <a:rPr lang="fr-BE" i="1">
+                        <a:latin typeface="Cambria Math" panose="02040503050406030204" pitchFamily="18" charset="0"/>
+                      </a:rPr>
+                      <m:t>=</m:t>
+                    </m:r>
+                    <m:sSub>
+                      <m:sSubPr>
+                        <m:ctrlPr>
+                          <a:rPr lang="en-GB" i="1">
+                            <a:latin typeface="Cambria Math" panose="02040503050406030204" pitchFamily="18" charset="0"/>
+                          </a:rPr>
+                        </m:ctrlPr>
+                      </m:sSubPr>
+                      <m:e>
+                        <m:r>
+                          <a:rPr lang="fr-BE" i="1">
+                            <a:latin typeface="Cambria Math" panose="02040503050406030204" pitchFamily="18" charset="0"/>
+                          </a:rPr>
+                          <m:t>𝑥</m:t>
+                        </m:r>
+                      </m:e>
+                      <m:sub>
+                        <m:r>
+                          <a:rPr lang="fr-BE" i="1">
+                            <a:latin typeface="Cambria Math" panose="02040503050406030204" pitchFamily="18" charset="0"/>
+                          </a:rPr>
+                          <m:t>𝑡</m:t>
+                        </m:r>
+                      </m:sub>
+                    </m:sSub>
+                  </m:oMath>
+                </a14:m>
+                <a:r>
+                  <a:rPr lang="en-GB" dirty="0"/>
+                  <a:t> or </a:t>
+                </a:r>
+                <a14:m>
+                  <m:oMath xmlns:m="http://schemas.openxmlformats.org/officeDocument/2006/math">
+                    <m:sSub>
+                      <m:sSubPr>
+                        <m:ctrlPr>
+                          <a:rPr lang="en-GB" i="1">
+                            <a:latin typeface="Cambria Math" panose="02040503050406030204" pitchFamily="18" charset="0"/>
+                          </a:rPr>
+                        </m:ctrlPr>
+                      </m:sSubPr>
+                      <m:e>
+                        <m:r>
+                          <a:rPr lang="fr-BE" i="1">
+                            <a:latin typeface="Cambria Math" panose="02040503050406030204" pitchFamily="18" charset="0"/>
+                          </a:rPr>
+                          <m:t>𝑦</m:t>
+                        </m:r>
+                      </m:e>
+                      <m:sub>
+                        <m:r>
+                          <a:rPr lang="fr-BE" i="1">
+                            <a:latin typeface="Cambria Math" panose="02040503050406030204" pitchFamily="18" charset="0"/>
+                          </a:rPr>
+                          <m:t>𝑡</m:t>
+                        </m:r>
+                      </m:sub>
+                    </m:sSub>
+                    <m:r>
+                      <a:rPr lang="fr-BE" b="0" i="1" smtClean="0">
+                        <a:latin typeface="Cambria Math" panose="02040503050406030204" pitchFamily="18" charset="0"/>
+                      </a:rPr>
+                      <m:t>=</m:t>
+                    </m:r>
+                    <m:sSub>
+                      <m:sSubPr>
+                        <m:ctrlPr>
+                          <a:rPr lang="en-GB" i="1">
+                            <a:latin typeface="Cambria Math" panose="02040503050406030204" pitchFamily="18" charset="0"/>
+                          </a:rPr>
+                        </m:ctrlPr>
+                      </m:sSubPr>
+                      <m:e>
+                        <m:r>
+                          <a:rPr lang="fr-BE" i="1">
+                            <a:latin typeface="Cambria Math" panose="02040503050406030204" pitchFamily="18" charset="0"/>
+                          </a:rPr>
+                          <m:t>𝑥</m:t>
+                        </m:r>
+                      </m:e>
+                      <m:sub>
+                        <m:r>
+                          <a:rPr lang="fr-BE" i="1">
+                            <a:latin typeface="Cambria Math" panose="02040503050406030204" pitchFamily="18" charset="0"/>
+                          </a:rPr>
+                          <m:t>𝑡</m:t>
+                        </m:r>
+                      </m:sub>
+                    </m:sSub>
+                    <m:r>
+                      <a:rPr lang="fr-BE" b="0" i="1" smtClean="0">
+                        <a:latin typeface="Cambria Math" panose="02040503050406030204" pitchFamily="18" charset="0"/>
+                      </a:rPr>
+                      <m:t>+</m:t>
+                    </m:r>
+                    <m:r>
+                      <a:rPr lang="fr-BE" i="1">
+                        <a:latin typeface="Cambria Math" panose="02040503050406030204" pitchFamily="18" charset="0"/>
+                      </a:rPr>
+                      <m:t>0.9</m:t>
+                    </m:r>
+                    <m:sSub>
+                      <m:sSubPr>
+                        <m:ctrlPr>
+                          <a:rPr lang="en-GB" i="1">
+                            <a:latin typeface="Cambria Math" panose="02040503050406030204" pitchFamily="18" charset="0"/>
+                          </a:rPr>
+                        </m:ctrlPr>
+                      </m:sSubPr>
+                      <m:e>
+                        <m:r>
+                          <a:rPr lang="fr-BE" b="0" i="1" smtClean="0">
+                            <a:latin typeface="Cambria Math" panose="02040503050406030204" pitchFamily="18" charset="0"/>
+                          </a:rPr>
+                          <m:t>𝑥</m:t>
+                        </m:r>
+                      </m:e>
+                      <m:sub>
+                        <m:r>
+                          <a:rPr lang="fr-BE" i="1">
+                            <a:latin typeface="Cambria Math" panose="02040503050406030204" pitchFamily="18" charset="0"/>
+                          </a:rPr>
+                          <m:t>𝑡</m:t>
+                        </m:r>
+                        <m:r>
+                          <a:rPr lang="fr-BE" i="1">
+                            <a:latin typeface="Cambria Math" panose="02040503050406030204" pitchFamily="18" charset="0"/>
+                          </a:rPr>
+                          <m:t>−1</m:t>
+                        </m:r>
+                      </m:sub>
+                    </m:sSub>
+                    <m:r>
+                      <a:rPr lang="fr-BE" b="0" i="1" smtClean="0">
+                        <a:latin typeface="Cambria Math" panose="02040503050406030204" pitchFamily="18" charset="0"/>
+                      </a:rPr>
+                      <m:t>+</m:t>
+                    </m:r>
+                    <m:r>
+                      <a:rPr lang="fr-BE" i="1">
+                        <a:latin typeface="Cambria Math" panose="02040503050406030204" pitchFamily="18" charset="0"/>
+                      </a:rPr>
+                      <m:t>0.</m:t>
+                    </m:r>
+                    <m:r>
+                      <a:rPr lang="fr-BE" b="0" i="1" smtClean="0">
+                        <a:latin typeface="Cambria Math" panose="02040503050406030204" pitchFamily="18" charset="0"/>
+                      </a:rPr>
+                      <m:t>81</m:t>
+                    </m:r>
+                    <m:sSub>
+                      <m:sSubPr>
+                        <m:ctrlPr>
+                          <a:rPr lang="en-GB" i="1">
+                            <a:latin typeface="Cambria Math" panose="02040503050406030204" pitchFamily="18" charset="0"/>
+                          </a:rPr>
+                        </m:ctrlPr>
+                      </m:sSubPr>
+                      <m:e>
+                        <m:r>
+                          <a:rPr lang="fr-BE" i="1">
+                            <a:latin typeface="Cambria Math" panose="02040503050406030204" pitchFamily="18" charset="0"/>
+                          </a:rPr>
+                          <m:t>𝑥</m:t>
+                        </m:r>
+                      </m:e>
+                      <m:sub>
+                        <m:r>
+                          <a:rPr lang="fr-BE" i="1">
+                            <a:latin typeface="Cambria Math" panose="02040503050406030204" pitchFamily="18" charset="0"/>
+                          </a:rPr>
+                          <m:t>𝑡</m:t>
+                        </m:r>
+                        <m:r>
+                          <a:rPr lang="fr-BE" i="1">
+                            <a:latin typeface="Cambria Math" panose="02040503050406030204" pitchFamily="18" charset="0"/>
+                          </a:rPr>
+                          <m:t>−2</m:t>
+                        </m:r>
+                      </m:sub>
+                    </m:sSub>
+                    <m:r>
+                      <a:rPr lang="fr-BE" i="1">
+                        <a:latin typeface="Cambria Math" panose="02040503050406030204" pitchFamily="18" charset="0"/>
+                      </a:rPr>
+                      <m:t>+</m:t>
+                    </m:r>
+                  </m:oMath>
+                </a14:m>
+                <a:r>
+                  <a:rPr lang="en-GB" dirty="0"/>
+                  <a:t>…</a:t>
+                </a:r>
+              </a:p>
+              <a:p>
+                <a14:m>
+                  <m:oMath xmlns:m="http://schemas.openxmlformats.org/officeDocument/2006/math">
+                    <m:sSub>
+                      <m:sSubPr>
+                        <m:ctrlPr>
+                          <a:rPr lang="en-GB" i="1" smtClean="0">
+                            <a:latin typeface="Cambria Math" panose="02040503050406030204" pitchFamily="18" charset="0"/>
+                          </a:rPr>
+                        </m:ctrlPr>
+                      </m:sSubPr>
+                      <m:e>
+                        <m:r>
+                          <a:rPr lang="fr-BE" b="0" i="1" smtClean="0">
+                            <a:latin typeface="Cambria Math" panose="02040503050406030204" pitchFamily="18" charset="0"/>
+                          </a:rPr>
+                          <m:t>𝑦</m:t>
+                        </m:r>
+                      </m:e>
+                      <m:sub>
+                        <m:r>
+                          <a:rPr lang="fr-BE" b="0" i="1" smtClean="0">
+                            <a:latin typeface="Cambria Math" panose="02040503050406030204" pitchFamily="18" charset="0"/>
+                          </a:rPr>
+                          <m:t>𝑡</m:t>
+                        </m:r>
+                      </m:sub>
+                    </m:sSub>
+                    <m:r>
+                      <a:rPr lang="fr-BE" b="0" i="1" smtClean="0">
+                        <a:latin typeface="Cambria Math" panose="02040503050406030204" pitchFamily="18" charset="0"/>
+                      </a:rPr>
+                      <m:t>=</m:t>
+                    </m:r>
+                    <m:r>
+                      <a:rPr lang="fr-BE" b="0" i="1" smtClean="0">
+                        <a:latin typeface="Cambria Math" panose="02040503050406030204" pitchFamily="18" charset="0"/>
+                      </a:rPr>
+                      <m:t>𝑃</m:t>
+                    </m:r>
+                    <m:d>
+                      <m:dPr>
+                        <m:ctrlPr>
+                          <a:rPr lang="fr-BE" b="0" i="1" smtClean="0">
+                            <a:latin typeface="Cambria Math" panose="02040503050406030204" pitchFamily="18" charset="0"/>
+                          </a:rPr>
+                        </m:ctrlPr>
+                      </m:dPr>
+                      <m:e>
+                        <m:r>
+                          <a:rPr lang="fr-BE" b="0" i="1" smtClean="0">
+                            <a:latin typeface="Cambria Math" panose="02040503050406030204" pitchFamily="18" charset="0"/>
+                          </a:rPr>
+                          <m:t>𝐵</m:t>
+                        </m:r>
+                        <m:r>
+                          <a:rPr lang="fr-BE" b="0" i="1" smtClean="0">
+                            <a:latin typeface="Cambria Math" panose="02040503050406030204" pitchFamily="18" charset="0"/>
+                          </a:rPr>
+                          <m:t>, </m:t>
+                        </m:r>
+                        <m:r>
+                          <a:rPr lang="fr-BE" b="0" i="1" smtClean="0">
+                            <a:latin typeface="Cambria Math" panose="02040503050406030204" pitchFamily="18" charset="0"/>
+                          </a:rPr>
+                          <m:t>𝐹</m:t>
+                        </m:r>
+                      </m:e>
+                    </m:d>
+                    <m:sSub>
+                      <m:sSubPr>
+                        <m:ctrlPr>
+                          <a:rPr lang="fr-BE" b="0" i="1" smtClean="0">
+                            <a:latin typeface="Cambria Math" panose="02040503050406030204" pitchFamily="18" charset="0"/>
+                          </a:rPr>
+                        </m:ctrlPr>
+                      </m:sSubPr>
+                      <m:e>
+                        <m:r>
+                          <a:rPr lang="fr-BE" b="0" i="1" smtClean="0">
+                            <a:latin typeface="Cambria Math" panose="02040503050406030204" pitchFamily="18" charset="0"/>
+                          </a:rPr>
+                          <m:t>𝑥</m:t>
+                        </m:r>
+                      </m:e>
+                      <m:sub>
+                        <m:r>
+                          <a:rPr lang="fr-BE" b="0" i="1" smtClean="0">
+                            <a:latin typeface="Cambria Math" panose="02040503050406030204" pitchFamily="18" charset="0"/>
+                          </a:rPr>
+                          <m:t>𝑡</m:t>
+                        </m:r>
+                      </m:sub>
+                    </m:sSub>
+                  </m:oMath>
+                </a14:m>
+                <a:r>
+                  <a:rPr lang="en-GB" dirty="0"/>
+                  <a:t>, </a:t>
+                </a:r>
+                <a14:m>
+                  <m:oMath xmlns:m="http://schemas.openxmlformats.org/officeDocument/2006/math">
+                    <m:r>
+                      <a:rPr lang="fr-BE" i="1">
+                        <a:latin typeface="Cambria Math" panose="02040503050406030204" pitchFamily="18" charset="0"/>
+                      </a:rPr>
+                      <m:t>𝑃</m:t>
+                    </m:r>
+                    <m:d>
+                      <m:dPr>
+                        <m:ctrlPr>
+                          <a:rPr lang="fr-BE" i="1">
+                            <a:latin typeface="Cambria Math" panose="02040503050406030204" pitchFamily="18" charset="0"/>
+                          </a:rPr>
+                        </m:ctrlPr>
+                      </m:dPr>
+                      <m:e>
+                        <m:r>
+                          <a:rPr lang="fr-BE" i="1">
+                            <a:latin typeface="Cambria Math" panose="02040503050406030204" pitchFamily="18" charset="0"/>
+                          </a:rPr>
+                          <m:t>𝐵</m:t>
+                        </m:r>
+                        <m:r>
+                          <a:rPr lang="fr-BE" b="0" i="1" smtClean="0">
+                            <a:latin typeface="Cambria Math" panose="02040503050406030204" pitchFamily="18" charset="0"/>
+                          </a:rPr>
+                          <m:t>, </m:t>
+                        </m:r>
+                        <m:r>
+                          <a:rPr lang="fr-BE" b="0" i="1" smtClean="0">
+                            <a:latin typeface="Cambria Math" panose="02040503050406030204" pitchFamily="18" charset="0"/>
+                          </a:rPr>
+                          <m:t>𝐹</m:t>
+                        </m:r>
+                      </m:e>
+                    </m:d>
+                    <m:sSub>
+                      <m:sSubPr>
+                        <m:ctrlPr>
+                          <a:rPr lang="en-GB" i="1">
+                            <a:latin typeface="Cambria Math" panose="02040503050406030204" pitchFamily="18" charset="0"/>
+                          </a:rPr>
+                        </m:ctrlPr>
+                      </m:sSubPr>
+                      <m:e>
+                        <m:r>
+                          <a:rPr lang="fr-BE" i="1">
+                            <a:latin typeface="Cambria Math" panose="02040503050406030204" pitchFamily="18" charset="0"/>
+                          </a:rPr>
+                          <m:t>𝑦</m:t>
+                        </m:r>
+                      </m:e>
+                      <m:sub>
+                        <m:r>
+                          <a:rPr lang="fr-BE" i="1">
+                            <a:latin typeface="Cambria Math" panose="02040503050406030204" pitchFamily="18" charset="0"/>
+                          </a:rPr>
+                          <m:t>𝑡</m:t>
+                        </m:r>
+                      </m:sub>
+                    </m:sSub>
+                    <m:r>
+                      <a:rPr lang="fr-BE" i="1">
+                        <a:latin typeface="Cambria Math" panose="02040503050406030204" pitchFamily="18" charset="0"/>
+                      </a:rPr>
+                      <m:t>=</m:t>
+                    </m:r>
+                    <m:sSub>
+                      <m:sSubPr>
+                        <m:ctrlPr>
+                          <a:rPr lang="fr-BE" i="1">
+                            <a:latin typeface="Cambria Math" panose="02040503050406030204" pitchFamily="18" charset="0"/>
+                          </a:rPr>
+                        </m:ctrlPr>
+                      </m:sSubPr>
+                      <m:e>
+                        <m:r>
+                          <a:rPr lang="fr-BE" i="1">
+                            <a:latin typeface="Cambria Math" panose="02040503050406030204" pitchFamily="18" charset="0"/>
+                          </a:rPr>
+                          <m:t>𝑥</m:t>
+                        </m:r>
+                      </m:e>
+                      <m:sub>
+                        <m:r>
+                          <a:rPr lang="fr-BE" i="1">
+                            <a:latin typeface="Cambria Math" panose="02040503050406030204" pitchFamily="18" charset="0"/>
+                          </a:rPr>
+                          <m:t>𝑡</m:t>
+                        </m:r>
+                      </m:sub>
+                    </m:sSub>
+                  </m:oMath>
+                </a14:m>
+                <a:r>
+                  <a:rPr lang="en-GB" dirty="0"/>
+                  <a:t>, </a:t>
+                </a:r>
+                <a14:m>
+                  <m:oMath xmlns:m="http://schemas.openxmlformats.org/officeDocument/2006/math">
+                    <m:r>
+                      <a:rPr lang="fr-BE" i="1">
+                        <a:latin typeface="Cambria Math" panose="02040503050406030204" pitchFamily="18" charset="0"/>
+                      </a:rPr>
+                      <m:t>𝑃</m:t>
+                    </m:r>
+                    <m:d>
+                      <m:dPr>
+                        <m:ctrlPr>
+                          <a:rPr lang="fr-BE" i="1">
+                            <a:latin typeface="Cambria Math" panose="02040503050406030204" pitchFamily="18" charset="0"/>
+                          </a:rPr>
+                        </m:ctrlPr>
+                      </m:dPr>
+                      <m:e>
+                        <m:r>
+                          <a:rPr lang="fr-BE" i="1">
+                            <a:latin typeface="Cambria Math" panose="02040503050406030204" pitchFamily="18" charset="0"/>
+                          </a:rPr>
+                          <m:t>𝐵</m:t>
+                        </m:r>
+                        <m:r>
+                          <a:rPr lang="fr-BE" b="0" i="1" smtClean="0">
+                            <a:latin typeface="Cambria Math" panose="02040503050406030204" pitchFamily="18" charset="0"/>
+                          </a:rPr>
+                          <m:t>, </m:t>
+                        </m:r>
+                        <m:r>
+                          <a:rPr lang="fr-BE" b="0" i="1" smtClean="0">
+                            <a:latin typeface="Cambria Math" panose="02040503050406030204" pitchFamily="18" charset="0"/>
+                          </a:rPr>
+                          <m:t>𝐹</m:t>
+                        </m:r>
+                      </m:e>
+                    </m:d>
+                    <m:sSub>
+                      <m:sSubPr>
+                        <m:ctrlPr>
+                          <a:rPr lang="en-GB" i="1">
+                            <a:latin typeface="Cambria Math" panose="02040503050406030204" pitchFamily="18" charset="0"/>
+                          </a:rPr>
+                        </m:ctrlPr>
+                      </m:sSubPr>
+                      <m:e>
+                        <m:r>
+                          <a:rPr lang="fr-BE" i="1">
+                            <a:latin typeface="Cambria Math" panose="02040503050406030204" pitchFamily="18" charset="0"/>
+                          </a:rPr>
+                          <m:t>𝑦</m:t>
+                        </m:r>
+                      </m:e>
+                      <m:sub>
+                        <m:r>
+                          <a:rPr lang="fr-BE" i="1">
+                            <a:latin typeface="Cambria Math" panose="02040503050406030204" pitchFamily="18" charset="0"/>
+                          </a:rPr>
+                          <m:t>𝑡</m:t>
+                        </m:r>
+                      </m:sub>
+                    </m:sSub>
+                    <m:r>
+                      <a:rPr lang="fr-BE" i="1">
+                        <a:latin typeface="Cambria Math" panose="02040503050406030204" pitchFamily="18" charset="0"/>
+                      </a:rPr>
+                      <m:t>=</m:t>
+                    </m:r>
+                    <m:sSub>
+                      <m:sSubPr>
+                        <m:ctrlPr>
+                          <a:rPr lang="fr-BE" i="1">
+                            <a:latin typeface="Cambria Math" panose="02040503050406030204" pitchFamily="18" charset="0"/>
+                          </a:rPr>
+                        </m:ctrlPr>
+                      </m:sSubPr>
+                      <m:e>
+                        <m:r>
+                          <a:rPr lang="fr-BE" b="0" i="1" smtClean="0">
+                            <a:latin typeface="Cambria Math" panose="02040503050406030204" pitchFamily="18" charset="0"/>
+                          </a:rPr>
+                          <m:t>𝑄</m:t>
+                        </m:r>
+                        <m:r>
+                          <a:rPr lang="fr-BE" b="0" i="1" smtClean="0">
+                            <a:latin typeface="Cambria Math" panose="02040503050406030204" pitchFamily="18" charset="0"/>
+                          </a:rPr>
+                          <m:t>(</m:t>
+                        </m:r>
+                        <m:r>
+                          <a:rPr lang="fr-BE" b="0" i="1" smtClean="0">
+                            <a:latin typeface="Cambria Math" panose="02040503050406030204" pitchFamily="18" charset="0"/>
+                          </a:rPr>
+                          <m:t>𝐵</m:t>
+                        </m:r>
+                        <m:r>
+                          <a:rPr lang="fr-BE" b="0" i="1" smtClean="0">
+                            <a:latin typeface="Cambria Math" panose="02040503050406030204" pitchFamily="18" charset="0"/>
+                          </a:rPr>
+                          <m:t>, </m:t>
+                        </m:r>
+                        <m:r>
+                          <a:rPr lang="fr-BE" b="0" i="1" smtClean="0">
+                            <a:latin typeface="Cambria Math" panose="02040503050406030204" pitchFamily="18" charset="0"/>
+                          </a:rPr>
+                          <m:t>𝐹</m:t>
+                        </m:r>
+                        <m:r>
+                          <a:rPr lang="fr-BE" b="0" i="1" smtClean="0">
+                            <a:latin typeface="Cambria Math" panose="02040503050406030204" pitchFamily="18" charset="0"/>
+                          </a:rPr>
+                          <m:t>)</m:t>
+                        </m:r>
+                        <m:r>
+                          <a:rPr lang="fr-BE" i="1">
+                            <a:latin typeface="Cambria Math" panose="02040503050406030204" pitchFamily="18" charset="0"/>
+                          </a:rPr>
+                          <m:t>𝑥</m:t>
+                        </m:r>
+                      </m:e>
+                      <m:sub>
+                        <m:r>
+                          <a:rPr lang="fr-BE" i="1">
+                            <a:latin typeface="Cambria Math" panose="02040503050406030204" pitchFamily="18" charset="0"/>
+                          </a:rPr>
+                          <m:t>𝑡</m:t>
+                        </m:r>
+                      </m:sub>
+                    </m:sSub>
+                  </m:oMath>
+                </a14:m>
+                <a:endParaRPr lang="en-GB" dirty="0"/>
+              </a:p>
+              <a:p>
+                <a:pPr lvl="1"/>
+                <a14:m>
+                  <m:oMath xmlns:m="http://schemas.openxmlformats.org/officeDocument/2006/math">
+                    <m:sSub>
+                      <m:sSubPr>
+                        <m:ctrlPr>
+                          <a:rPr lang="en-GB" i="1" smtClean="0">
+                            <a:latin typeface="Cambria Math" panose="02040503050406030204" pitchFamily="18" charset="0"/>
+                          </a:rPr>
+                        </m:ctrlPr>
+                      </m:sSubPr>
+                      <m:e>
+                        <m:r>
+                          <a:rPr lang="fr-BE" b="0" i="1" smtClean="0">
+                            <a:latin typeface="Cambria Math" panose="02040503050406030204" pitchFamily="18" charset="0"/>
+                          </a:rPr>
+                          <m:t>𝑦</m:t>
+                        </m:r>
+                      </m:e>
+                      <m:sub>
+                        <m:r>
+                          <a:rPr lang="fr-BE" b="0" i="1" smtClean="0">
+                            <a:latin typeface="Cambria Math" panose="02040503050406030204" pitchFamily="18" charset="0"/>
+                          </a:rPr>
+                          <m:t>𝑡</m:t>
+                        </m:r>
+                      </m:sub>
+                    </m:sSub>
+                    <m:r>
+                      <a:rPr lang="fr-BE" b="0" i="1" smtClean="0">
+                        <a:latin typeface="Cambria Math" panose="02040503050406030204" pitchFamily="18" charset="0"/>
+                      </a:rPr>
+                      <m:t>=</m:t>
+                    </m:r>
+                    <m:sSub>
+                      <m:sSubPr>
+                        <m:ctrlPr>
+                          <a:rPr lang="fr-BE" b="0" i="1" smtClean="0">
+                            <a:latin typeface="Cambria Math" panose="02040503050406030204" pitchFamily="18" charset="0"/>
+                          </a:rPr>
+                        </m:ctrlPr>
+                      </m:sSubPr>
+                      <m:e>
+                        <m:f>
+                          <m:fPr>
+                            <m:type m:val="skw"/>
+                            <m:ctrlPr>
+                              <a:rPr lang="fr-BE" i="1">
+                                <a:latin typeface="Cambria Math" panose="02040503050406030204" pitchFamily="18" charset="0"/>
+                              </a:rPr>
+                            </m:ctrlPr>
+                          </m:fPr>
+                          <m:num>
+                            <m:r>
+                              <a:rPr lang="fr-BE" i="1">
+                                <a:latin typeface="Cambria Math" panose="02040503050406030204" pitchFamily="18" charset="0"/>
+                              </a:rPr>
+                              <m:t>1</m:t>
+                            </m:r>
+                          </m:num>
+                          <m:den>
+                            <m:r>
+                              <a:rPr lang="fr-BE" i="1">
+                                <a:latin typeface="Cambria Math" panose="02040503050406030204" pitchFamily="18" charset="0"/>
+                              </a:rPr>
+                              <m:t>3</m:t>
+                            </m:r>
+                          </m:den>
+                        </m:f>
+                        <m:r>
+                          <a:rPr lang="fr-BE" b="0" i="1" smtClean="0">
+                            <a:latin typeface="Cambria Math" panose="02040503050406030204" pitchFamily="18" charset="0"/>
+                          </a:rPr>
+                          <m:t>𝑥</m:t>
+                        </m:r>
+                      </m:e>
+                      <m:sub>
+                        <m:r>
+                          <a:rPr lang="fr-BE" b="0" i="1" smtClean="0">
+                            <a:latin typeface="Cambria Math" panose="02040503050406030204" pitchFamily="18" charset="0"/>
+                          </a:rPr>
+                          <m:t>𝑡</m:t>
+                        </m:r>
+                        <m:r>
+                          <a:rPr lang="fr-BE" b="0" i="1" smtClean="0">
+                            <a:latin typeface="Cambria Math" panose="02040503050406030204" pitchFamily="18" charset="0"/>
+                          </a:rPr>
+                          <m:t>+1</m:t>
+                        </m:r>
+                      </m:sub>
+                    </m:sSub>
+                    <m:r>
+                      <a:rPr lang="fr-BE" b="0" i="1" smtClean="0">
+                        <a:latin typeface="Cambria Math" panose="02040503050406030204" pitchFamily="18" charset="0"/>
+                      </a:rPr>
+                      <m:t>+</m:t>
+                    </m:r>
+                    <m:f>
+                      <m:fPr>
+                        <m:type m:val="skw"/>
+                        <m:ctrlPr>
+                          <a:rPr lang="fr-BE" i="1">
+                            <a:latin typeface="Cambria Math" panose="02040503050406030204" pitchFamily="18" charset="0"/>
+                          </a:rPr>
+                        </m:ctrlPr>
+                      </m:fPr>
+                      <m:num>
+                        <m:r>
+                          <a:rPr lang="fr-BE" i="1">
+                            <a:latin typeface="Cambria Math" panose="02040503050406030204" pitchFamily="18" charset="0"/>
+                          </a:rPr>
+                          <m:t>1</m:t>
+                        </m:r>
+                      </m:num>
+                      <m:den>
+                        <m:r>
+                          <a:rPr lang="fr-BE" i="1">
+                            <a:latin typeface="Cambria Math" panose="02040503050406030204" pitchFamily="18" charset="0"/>
+                          </a:rPr>
+                          <m:t>3</m:t>
+                        </m:r>
+                      </m:den>
+                    </m:f>
+                    <m:sSub>
+                      <m:sSubPr>
+                        <m:ctrlPr>
+                          <a:rPr lang="en-GB" i="1">
+                            <a:latin typeface="Cambria Math" panose="02040503050406030204" pitchFamily="18" charset="0"/>
+                          </a:rPr>
+                        </m:ctrlPr>
+                      </m:sSubPr>
+                      <m:e>
+                        <m:r>
+                          <a:rPr lang="fr-BE" b="0" i="1" smtClean="0">
+                            <a:latin typeface="Cambria Math" panose="02040503050406030204" pitchFamily="18" charset="0"/>
+                          </a:rPr>
+                          <m:t>𝑥</m:t>
+                        </m:r>
+                      </m:e>
+                      <m:sub>
+                        <m:r>
+                          <a:rPr lang="fr-BE" i="1">
+                            <a:latin typeface="Cambria Math" panose="02040503050406030204" pitchFamily="18" charset="0"/>
+                          </a:rPr>
+                          <m:t>𝑡</m:t>
+                        </m:r>
+                      </m:sub>
+                    </m:sSub>
+                    <m:r>
+                      <a:rPr lang="fr-BE" b="0" i="1" smtClean="0">
+                        <a:latin typeface="Cambria Math" panose="02040503050406030204" pitchFamily="18" charset="0"/>
+                      </a:rPr>
+                      <m:t>+</m:t>
+                    </m:r>
+                    <m:f>
+                      <m:fPr>
+                        <m:type m:val="skw"/>
+                        <m:ctrlPr>
+                          <a:rPr lang="fr-BE" b="0" i="1" smtClean="0">
+                            <a:latin typeface="Cambria Math" panose="02040503050406030204" pitchFamily="18" charset="0"/>
+                          </a:rPr>
+                        </m:ctrlPr>
+                      </m:fPr>
+                      <m:num>
+                        <m:r>
+                          <a:rPr lang="fr-BE" b="0" i="1" smtClean="0">
+                            <a:latin typeface="Cambria Math" panose="02040503050406030204" pitchFamily="18" charset="0"/>
+                          </a:rPr>
+                          <m:t>1</m:t>
+                        </m:r>
+                      </m:num>
+                      <m:den>
+                        <m:r>
+                          <a:rPr lang="fr-BE" b="0" i="1" smtClean="0">
+                            <a:latin typeface="Cambria Math" panose="02040503050406030204" pitchFamily="18" charset="0"/>
+                          </a:rPr>
+                          <m:t>3</m:t>
+                        </m:r>
+                      </m:den>
+                    </m:f>
+                    <m:sSub>
+                      <m:sSubPr>
+                        <m:ctrlPr>
+                          <a:rPr lang="en-GB" i="1">
+                            <a:latin typeface="Cambria Math" panose="02040503050406030204" pitchFamily="18" charset="0"/>
+                          </a:rPr>
+                        </m:ctrlPr>
+                      </m:sSubPr>
+                      <m:e>
+                        <m:r>
+                          <a:rPr lang="fr-BE" b="0" i="1" smtClean="0">
+                            <a:latin typeface="Cambria Math" panose="02040503050406030204" pitchFamily="18" charset="0"/>
+                          </a:rPr>
+                          <m:t>𝑥</m:t>
+                        </m:r>
+                      </m:e>
+                      <m:sub>
+                        <m:r>
+                          <a:rPr lang="fr-BE" i="1">
+                            <a:latin typeface="Cambria Math" panose="02040503050406030204" pitchFamily="18" charset="0"/>
+                          </a:rPr>
+                          <m:t>𝑡</m:t>
+                        </m:r>
+                        <m:r>
+                          <a:rPr lang="fr-BE" b="0" i="1" smtClean="0">
+                            <a:latin typeface="Cambria Math" panose="02040503050406030204" pitchFamily="18" charset="0"/>
+                          </a:rPr>
+                          <m:t>−1</m:t>
+                        </m:r>
+                      </m:sub>
+                    </m:sSub>
+                  </m:oMath>
+                </a14:m>
+                <a:endParaRPr lang="en-GB" dirty="0"/>
+              </a:p>
+            </p:txBody>
+          </p:sp>
+        </mc:Choice>
+        <mc:Fallback>
+          <p:sp>
+            <p:nvSpPr>
+              <p:cNvPr id="3" name="Espace réservé du contenu 2">
+                <a:extLst>
+                  <a:ext uri="{FF2B5EF4-FFF2-40B4-BE49-F238E27FC236}">
+                    <a16:creationId xmlns:a16="http://schemas.microsoft.com/office/drawing/2014/main" id="{FA2D216B-525D-E32A-3860-2CFBF8223E67}"/>
+                  </a:ext>
+                </a:extLst>
+              </p:cNvPr>
+              <p:cNvSpPr>
+                <a:spLocks noGrp="1" noRot="1" noChangeAspect="1" noMove="1" noResize="1" noEditPoints="1" noAdjustHandles="1" noChangeArrowheads="1" noChangeShapeType="1" noTextEdit="1"/>
+              </p:cNvSpPr>
+              <p:nvPr>
+                <p:ph idx="1"/>
+              </p:nvPr>
+            </p:nvSpPr>
+            <p:spPr>
+              <a:blipFill>
+                <a:blip r:embed="rId2"/>
+                <a:stretch>
+                  <a:fillRect l="-1043" t="-2101" b="-17507"/>
+                </a:stretch>
+              </a:blipFill>
+            </p:spPr>
+            <p:txBody>
+              <a:bodyPr/>
+              <a:lstStyle/>
+              <a:p>
+                <a:r>
+                  <a:rPr lang="en-GB">
+                    <a:noFill/>
+                  </a:rPr>
+                  <a:t> </a:t>
+                </a:r>
+              </a:p>
+            </p:txBody>
+          </p:sp>
+        </mc:Fallback>
+      </mc:AlternateContent>
+      <p:sp>
+        <p:nvSpPr>
+          <p:cNvPr id="4" name="Espace réservé de la date 3">
+            <a:extLst>
+              <a:ext uri="{FF2B5EF4-FFF2-40B4-BE49-F238E27FC236}">
+                <a16:creationId xmlns:a16="http://schemas.microsoft.com/office/drawing/2014/main" id="{50074DE0-F1B1-BB89-6FBF-7944B0546EA9}"/>
+              </a:ext>
+            </a:extLst>
+          </p:cNvPr>
+          <p:cNvSpPr>
+            <a:spLocks noGrp="1"/>
+          </p:cNvSpPr>
+          <p:nvPr>
+            <p:ph type="dt" sz="half" idx="10"/>
+          </p:nvPr>
+        </p:nvSpPr>
+        <p:spPr/>
+        <p:txBody>
+          <a:bodyPr/>
+          <a:lstStyle/>
+          <a:p>
+            <a:r>
+              <a:rPr lang="en-US"/>
+              <a:t>15-17/10/2024</a:t>
+            </a:r>
+            <a:endParaRPr lang="en-GB"/>
+          </a:p>
+        </p:txBody>
+      </p:sp>
+      <p:sp>
+        <p:nvSpPr>
+          <p:cNvPr id="5" name="Espace réservé du pied de page 4">
+            <a:extLst>
+              <a:ext uri="{FF2B5EF4-FFF2-40B4-BE49-F238E27FC236}">
+                <a16:creationId xmlns:a16="http://schemas.microsoft.com/office/drawing/2014/main" id="{39AB89E1-294E-F751-DE65-117B9FF28C78}"/>
+              </a:ext>
+            </a:extLst>
+          </p:cNvPr>
+          <p:cNvSpPr>
+            <a:spLocks noGrp="1"/>
+          </p:cNvSpPr>
+          <p:nvPr>
+            <p:ph type="ftr" sz="quarter" idx="11"/>
+          </p:nvPr>
+        </p:nvSpPr>
+        <p:spPr/>
+        <p:txBody>
+          <a:bodyPr/>
+          <a:lstStyle/>
+          <a:p>
+            <a:r>
+              <a:rPr lang="en-GB"/>
+              <a:t>CONTRACTORS ORGANISING SOME OF THE COURSES ARE ACTING UNDER A FRAMEWORK CONTRACT CONCLUDED WITH THE COMMISSION</a:t>
+            </a:r>
+          </a:p>
+        </p:txBody>
+      </p:sp>
+    </p:spTree>
+    <p:extLst>
+      <p:ext uri="{BB962C8B-B14F-4D97-AF65-F5344CB8AC3E}">
+        <p14:creationId xmlns:p14="http://schemas.microsoft.com/office/powerpoint/2010/main" val="2410907403"/>
+      </p:ext>
+    </p:extLst>
+  </p:cSld>
+  <p:clrMapOvr>
+    <a:masterClrMapping/>
+  </p:clrMapOvr>
+</p:sld>
+</file>
+
+<file path=ppt/slides/slide7.xml><?xml version="1.0" encoding="utf-8"?>
+<p:sld xmlns:a="http://schemas.openxmlformats.org/drawingml/2006/main" xmlns:r="http://schemas.openxmlformats.org/officeDocument/2006/relationships" xmlns:p="http://schemas.openxmlformats.org/presentationml/2006/main">
+  <p:cSld>
+    <p:spTree>
+      <p:nvGrpSpPr>
+        <p:cNvPr id="1" name=""/>
+        <p:cNvGrpSpPr/>
+        <p:nvPr/>
+      </p:nvGrpSpPr>
+      <p:grpSpPr>
+        <a:xfrm>
+          <a:off x="0" y="0"/>
+          <a:ext cx="0" cy="0"/>
+          <a:chOff x="0" y="0"/>
+          <a:chExt cx="0" cy="0"/>
+        </a:xfrm>
+      </p:grpSpPr>
+      <p:sp>
+        <p:nvSpPr>
+          <p:cNvPr id="2" name="Titre 1">
+            <a:extLst>
+              <a:ext uri="{FF2B5EF4-FFF2-40B4-BE49-F238E27FC236}">
+                <a16:creationId xmlns:a16="http://schemas.microsoft.com/office/drawing/2014/main" id="{80864819-BBA7-11F0-175A-325CCD935B5B}"/>
+              </a:ext>
+            </a:extLst>
+          </p:cNvPr>
+          <p:cNvSpPr>
+            <a:spLocks noGrp="1"/>
+          </p:cNvSpPr>
+          <p:nvPr>
+            <p:ph type="title"/>
+          </p:nvPr>
+        </p:nvSpPr>
+        <p:spPr/>
+        <p:txBody>
+          <a:bodyPr/>
+          <a:lstStyle/>
+          <a:p>
+            <a:r>
+              <a:rPr lang="fr-BE" dirty="0"/>
+              <a:t>4. </a:t>
+            </a:r>
+            <a:r>
+              <a:rPr lang="fr-BE" dirty="0" err="1"/>
+              <a:t>Linear</a:t>
+            </a:r>
+            <a:r>
+              <a:rPr lang="fr-BE" dirty="0"/>
+              <a:t> </a:t>
+            </a:r>
+            <a:r>
+              <a:rPr lang="fr-BE" dirty="0" err="1"/>
+              <a:t>filters</a:t>
+            </a:r>
+            <a:r>
+              <a:rPr lang="fr-BE" dirty="0"/>
+              <a:t>: </a:t>
+            </a:r>
+            <a:r>
+              <a:rPr lang="fr-BE" dirty="0" err="1"/>
+              <a:t>properties</a:t>
+            </a:r>
+            <a:endParaRPr lang="en-GB" dirty="0"/>
+          </a:p>
+        </p:txBody>
+      </p:sp>
+      <mc:AlternateContent xmlns:mc="http://schemas.openxmlformats.org/markup-compatibility/2006">
+        <mc:Choice xmlns:a14="http://schemas.microsoft.com/office/drawing/2010/main" Requires="a14">
+          <p:sp>
+            <p:nvSpPr>
+              <p:cNvPr id="3" name="Espace réservé du contenu 2">
+                <a:extLst>
+                  <a:ext uri="{FF2B5EF4-FFF2-40B4-BE49-F238E27FC236}">
+                    <a16:creationId xmlns:a16="http://schemas.microsoft.com/office/drawing/2014/main" id="{8D7DF6E2-02FC-6BF7-74B0-85D355BE619F}"/>
+                  </a:ext>
+                </a:extLst>
+              </p:cNvPr>
+              <p:cNvSpPr>
+                <a:spLocks noGrp="1"/>
+              </p:cNvSpPr>
+              <p:nvPr>
+                <p:ph idx="1"/>
+              </p:nvPr>
+            </p:nvSpPr>
+            <p:spPr/>
+            <p:txBody>
+              <a:bodyPr/>
+              <a:lstStyle/>
+              <a:p>
+                <a:r>
+                  <a:rPr lang="en-GB" dirty="0"/>
+                  <a:t>Filter: </a:t>
+                </a:r>
+                <a:endParaRPr lang="fr-BE" i="1" dirty="0">
+                  <a:latin typeface="Cambria Math" panose="02040503050406030204" pitchFamily="18" charset="0"/>
+                </a:endParaRPr>
+              </a:p>
+              <a:p>
+                <a:pPr marL="0" indent="0">
+                  <a:buNone/>
+                </a:pPr>
+                <a14:m>
+                  <m:oMathPara xmlns:m="http://schemas.openxmlformats.org/officeDocument/2006/math">
+                    <m:oMathParaPr>
+                      <m:jc m:val="centerGroup"/>
+                    </m:oMathParaPr>
+                    <m:oMath xmlns:m="http://schemas.openxmlformats.org/officeDocument/2006/math">
+                      <m:sSub>
+                        <m:sSubPr>
+                          <m:ctrlPr>
+                            <a:rPr lang="en-GB" i="1" smtClean="0">
+                              <a:latin typeface="Cambria Math" panose="02040503050406030204" pitchFamily="18" charset="0"/>
+                            </a:rPr>
+                          </m:ctrlPr>
+                        </m:sSubPr>
+                        <m:e>
+                          <m:r>
+                            <a:rPr lang="fr-BE" b="0" i="1" smtClean="0">
+                              <a:latin typeface="Cambria Math" panose="02040503050406030204" pitchFamily="18" charset="0"/>
+                            </a:rPr>
+                            <m:t>𝑦</m:t>
+                          </m:r>
+                        </m:e>
+                        <m:sub>
+                          <m:r>
+                            <a:rPr lang="fr-BE" b="0" i="1" smtClean="0">
+                              <a:latin typeface="Cambria Math" panose="02040503050406030204" pitchFamily="18" charset="0"/>
+                            </a:rPr>
+                            <m:t>𝑡</m:t>
+                          </m:r>
+                        </m:sub>
+                      </m:sSub>
+                      <m:r>
+                        <a:rPr lang="fr-BE" b="0" i="1" smtClean="0">
+                          <a:latin typeface="Cambria Math" panose="02040503050406030204" pitchFamily="18" charset="0"/>
+                        </a:rPr>
+                        <m:t>=</m:t>
+                      </m:r>
+                      <m:nary>
+                        <m:naryPr>
+                          <m:chr m:val="∑"/>
+                          <m:ctrlPr>
+                            <a:rPr lang="fr-BE" b="0" i="1" smtClean="0">
+                              <a:latin typeface="Cambria Math" panose="02040503050406030204" pitchFamily="18" charset="0"/>
+                            </a:rPr>
+                          </m:ctrlPr>
+                        </m:naryPr>
+                        <m:sub>
+                          <m:r>
+                            <a:rPr lang="fr-BE" b="0" i="1" smtClean="0">
+                              <a:latin typeface="Cambria Math" panose="02040503050406030204" pitchFamily="18" charset="0"/>
+                            </a:rPr>
+                            <m:t>𝑗</m:t>
+                          </m:r>
+                          <m:r>
+                            <a:rPr lang="fr-BE" b="0" i="1" smtClean="0">
+                              <a:latin typeface="Cambria Math" panose="02040503050406030204" pitchFamily="18" charset="0"/>
+                            </a:rPr>
+                            <m:t>=−∞</m:t>
+                          </m:r>
+                        </m:sub>
+                        <m:sup>
+                          <m:r>
+                            <a:rPr lang="fr-BE" b="0" i="1" smtClean="0">
+                              <a:latin typeface="Cambria Math" panose="02040503050406030204" pitchFamily="18" charset="0"/>
+                            </a:rPr>
+                            <m:t>+</m:t>
+                          </m:r>
+                          <m:r>
+                            <a:rPr lang="fr-BE" b="0" i="1" smtClean="0">
+                              <a:latin typeface="Cambria Math" panose="02040503050406030204" pitchFamily="18" charset="0"/>
+                              <a:ea typeface="Cambria Math" panose="02040503050406030204" pitchFamily="18" charset="0"/>
+                            </a:rPr>
+                            <m:t>∞</m:t>
+                          </m:r>
+                        </m:sup>
+                        <m:e>
+                          <m:sSub>
+                            <m:sSubPr>
+                              <m:ctrlPr>
+                                <a:rPr lang="fr-BE" b="0" i="1" smtClean="0">
+                                  <a:latin typeface="Cambria Math" panose="02040503050406030204" pitchFamily="18" charset="0"/>
+                                </a:rPr>
+                              </m:ctrlPr>
+                            </m:sSubPr>
+                            <m:e>
+                              <m:r>
+                                <a:rPr lang="fr-BE" b="0" i="1" smtClean="0">
+                                  <a:latin typeface="Cambria Math" panose="02040503050406030204" pitchFamily="18" charset="0"/>
+                                  <a:ea typeface="Cambria Math" panose="02040503050406030204" pitchFamily="18" charset="0"/>
+                                </a:rPr>
+                                <m:t>𝛽</m:t>
+                              </m:r>
+                            </m:e>
+                            <m:sub>
+                              <m:r>
+                                <a:rPr lang="fr-BE" b="0" i="1" smtClean="0">
+                                  <a:latin typeface="Cambria Math" panose="02040503050406030204" pitchFamily="18" charset="0"/>
+                                  <a:ea typeface="Cambria Math" panose="02040503050406030204" pitchFamily="18" charset="0"/>
+                                </a:rPr>
+                                <m:t>𝑗</m:t>
+                              </m:r>
+                            </m:sub>
+                          </m:sSub>
+                          <m:sSub>
+                            <m:sSubPr>
+                              <m:ctrlPr>
+                                <a:rPr lang="fr-BE" b="0" i="1" smtClean="0">
+                                  <a:latin typeface="Cambria Math" panose="02040503050406030204" pitchFamily="18" charset="0"/>
+                                </a:rPr>
+                              </m:ctrlPr>
+                            </m:sSubPr>
+                            <m:e>
+                              <m:r>
+                                <a:rPr lang="fr-BE" b="0" i="1" smtClean="0">
+                                  <a:latin typeface="Cambria Math" panose="02040503050406030204" pitchFamily="18" charset="0"/>
+                                </a:rPr>
+                                <m:t>𝑥</m:t>
+                              </m:r>
+                            </m:e>
+                            <m:sub>
+                              <m:r>
+                                <a:rPr lang="fr-BE" b="0" i="1" smtClean="0">
+                                  <a:latin typeface="Cambria Math" panose="02040503050406030204" pitchFamily="18" charset="0"/>
+                                </a:rPr>
+                                <m:t>𝑡</m:t>
+                              </m:r>
+                              <m:r>
+                                <a:rPr lang="fr-BE" b="0" i="1" smtClean="0">
+                                  <a:latin typeface="Cambria Math" panose="02040503050406030204" pitchFamily="18" charset="0"/>
+                                </a:rPr>
+                                <m:t>−</m:t>
+                              </m:r>
+                              <m:r>
+                                <a:rPr lang="fr-BE" b="0" i="1" smtClean="0">
+                                  <a:latin typeface="Cambria Math" panose="02040503050406030204" pitchFamily="18" charset="0"/>
+                                </a:rPr>
+                                <m:t>𝑗</m:t>
+                              </m:r>
+                            </m:sub>
+                          </m:sSub>
+                        </m:e>
+                      </m:nary>
+                    </m:oMath>
+                  </m:oMathPara>
+                </a14:m>
+                <a:endParaRPr lang="fr-BE" dirty="0"/>
+              </a:p>
+              <a:p>
+                <a:r>
+                  <a:rPr lang="fr-BE" dirty="0"/>
+                  <a:t>Frequency </a:t>
+                </a:r>
+                <a:r>
+                  <a:rPr lang="fr-BE" dirty="0" err="1"/>
+                  <a:t>response</a:t>
+                </a:r>
+                <a:r>
+                  <a:rPr lang="fr-BE" dirty="0"/>
+                  <a:t>:</a:t>
+                </a:r>
+              </a:p>
+              <a:p>
+                <a:pPr marL="0" indent="0">
+                  <a:buNone/>
+                </a:pPr>
+                <a14:m>
+                  <m:oMathPara xmlns:m="http://schemas.openxmlformats.org/officeDocument/2006/math">
+                    <m:oMathParaPr>
+                      <m:jc m:val="centerGroup"/>
+                    </m:oMathParaPr>
+                    <m:oMath xmlns:m="http://schemas.openxmlformats.org/officeDocument/2006/math">
+                      <m:r>
+                        <a:rPr lang="fr-BE" i="1" smtClean="0">
+                          <a:latin typeface="Cambria Math" panose="02040503050406030204" pitchFamily="18" charset="0"/>
+                        </a:rPr>
+                        <m:t>𝐹</m:t>
+                      </m:r>
+                      <m:r>
+                        <a:rPr lang="fr-BE" b="0" i="1" smtClean="0">
+                          <a:latin typeface="Cambria Math" panose="02040503050406030204" pitchFamily="18" charset="0"/>
+                        </a:rPr>
+                        <m:t>(</m:t>
+                      </m:r>
+                      <m:r>
+                        <a:rPr lang="fr-BE" b="0" i="1" smtClean="0">
+                          <a:latin typeface="Cambria Math" panose="02040503050406030204" pitchFamily="18" charset="0"/>
+                          <a:ea typeface="Cambria Math" panose="02040503050406030204" pitchFamily="18" charset="0"/>
+                        </a:rPr>
+                        <m:t>𝜔</m:t>
+                      </m:r>
+                      <m:r>
+                        <a:rPr lang="fr-BE" b="0" i="1" smtClean="0">
+                          <a:latin typeface="Cambria Math" panose="02040503050406030204" pitchFamily="18" charset="0"/>
+                          <a:ea typeface="Cambria Math" panose="02040503050406030204" pitchFamily="18" charset="0"/>
+                        </a:rPr>
+                        <m:t>)=</m:t>
+                      </m:r>
+                      <m:nary>
+                        <m:naryPr>
+                          <m:chr m:val="∑"/>
+                          <m:ctrlPr>
+                            <a:rPr lang="fr-BE" b="0" i="1" smtClean="0">
+                              <a:latin typeface="Cambria Math" panose="02040503050406030204" pitchFamily="18" charset="0"/>
+                            </a:rPr>
+                          </m:ctrlPr>
+                        </m:naryPr>
+                        <m:sub>
+                          <m:r>
+                            <a:rPr lang="fr-BE" b="0" i="1" smtClean="0">
+                              <a:latin typeface="Cambria Math" panose="02040503050406030204" pitchFamily="18" charset="0"/>
+                            </a:rPr>
+                            <m:t>𝑗</m:t>
+                          </m:r>
+                          <m:r>
+                            <a:rPr lang="fr-BE" b="0" i="1" smtClean="0">
+                              <a:latin typeface="Cambria Math" panose="02040503050406030204" pitchFamily="18" charset="0"/>
+                            </a:rPr>
+                            <m:t>=−∞</m:t>
+                          </m:r>
+                        </m:sub>
+                        <m:sup>
+                          <m:r>
+                            <a:rPr lang="fr-BE" b="0" i="1" smtClean="0">
+                              <a:latin typeface="Cambria Math" panose="02040503050406030204" pitchFamily="18" charset="0"/>
+                            </a:rPr>
+                            <m:t>+</m:t>
+                          </m:r>
+                          <m:r>
+                            <a:rPr lang="fr-BE" b="0" i="1" smtClean="0">
+                              <a:latin typeface="Cambria Math" panose="02040503050406030204" pitchFamily="18" charset="0"/>
+                              <a:ea typeface="Cambria Math" panose="02040503050406030204" pitchFamily="18" charset="0"/>
+                            </a:rPr>
+                            <m:t>∞</m:t>
+                          </m:r>
+                        </m:sup>
+                        <m:e>
+                          <m:sSub>
+                            <m:sSubPr>
+                              <m:ctrlPr>
+                                <a:rPr lang="fr-BE" b="0" i="1" smtClean="0">
+                                  <a:latin typeface="Cambria Math" panose="02040503050406030204" pitchFamily="18" charset="0"/>
+                                </a:rPr>
+                              </m:ctrlPr>
+                            </m:sSubPr>
+                            <m:e>
+                              <m:r>
+                                <a:rPr lang="fr-BE" b="0" i="1" smtClean="0">
+                                  <a:latin typeface="Cambria Math" panose="02040503050406030204" pitchFamily="18" charset="0"/>
+                                  <a:ea typeface="Cambria Math" panose="02040503050406030204" pitchFamily="18" charset="0"/>
+                                </a:rPr>
+                                <m:t>𝛽</m:t>
+                              </m:r>
+                            </m:e>
+                            <m:sub>
+                              <m:r>
+                                <a:rPr lang="fr-BE" b="0" i="1" smtClean="0">
+                                  <a:latin typeface="Cambria Math" panose="02040503050406030204" pitchFamily="18" charset="0"/>
+                                  <a:ea typeface="Cambria Math" panose="02040503050406030204" pitchFamily="18" charset="0"/>
+                                </a:rPr>
+                                <m:t>𝑗</m:t>
+                              </m:r>
+                            </m:sub>
+                          </m:sSub>
+                          <m:sSup>
+                            <m:sSupPr>
+                              <m:ctrlPr>
+                                <a:rPr lang="fr-BE" i="1" smtClean="0">
+                                  <a:latin typeface="Cambria Math" panose="02040503050406030204" pitchFamily="18" charset="0"/>
+                                </a:rPr>
+                              </m:ctrlPr>
+                            </m:sSupPr>
+                            <m:e>
+                              <m:r>
+                                <a:rPr lang="fr-BE" i="1">
+                                  <a:latin typeface="Cambria Math" panose="02040503050406030204" pitchFamily="18" charset="0"/>
+                                </a:rPr>
+                                <m:t>𝑒</m:t>
+                              </m:r>
+                            </m:e>
+                            <m:sup>
+                              <m:r>
+                                <a:rPr lang="fr-BE" b="0" i="1" smtClean="0">
+                                  <a:latin typeface="Cambria Math" panose="02040503050406030204" pitchFamily="18" charset="0"/>
+                                </a:rPr>
+                                <m:t>−</m:t>
+                              </m:r>
+                              <m:r>
+                                <a:rPr lang="fr-BE" b="0" i="1" smtClean="0">
+                                  <a:latin typeface="Cambria Math" panose="02040503050406030204" pitchFamily="18" charset="0"/>
+                                </a:rPr>
+                                <m:t>𝑖</m:t>
+                              </m:r>
+                              <m:r>
+                                <a:rPr lang="fr-BE" i="1">
+                                  <a:latin typeface="Cambria Math" panose="02040503050406030204" pitchFamily="18" charset="0"/>
+                                  <a:ea typeface="Cambria Math" panose="02040503050406030204" pitchFamily="18" charset="0"/>
+                                </a:rPr>
+                                <m:t>𝜔</m:t>
+                              </m:r>
+                              <m:r>
+                                <a:rPr lang="fr-BE" b="0" i="1" smtClean="0">
+                                  <a:latin typeface="Cambria Math" panose="02040503050406030204" pitchFamily="18" charset="0"/>
+                                  <a:ea typeface="Cambria Math" panose="02040503050406030204" pitchFamily="18" charset="0"/>
+                                </a:rPr>
+                                <m:t>𝑗</m:t>
+                              </m:r>
+                            </m:sup>
+                          </m:sSup>
+                        </m:e>
+                      </m:nary>
+                    </m:oMath>
+                  </m:oMathPara>
+                </a14:m>
+                <a:endParaRPr lang="fr-BE" dirty="0"/>
+              </a:p>
+              <a:p>
+                <a:r>
+                  <a:rPr lang="fr-BE" dirty="0"/>
+                  <a:t>Gain, phase</a:t>
+                </a:r>
+              </a:p>
+              <a:p>
+                <a:pPr marL="457200" lvl="1" indent="0" algn="ctr">
+                  <a:buNone/>
+                </a:pPr>
+                <a:r>
+                  <a:rPr lang="en-GB" dirty="0"/>
+                  <a:t>|</a:t>
+                </a:r>
+                <a14:m>
+                  <m:oMath xmlns:m="http://schemas.openxmlformats.org/officeDocument/2006/math">
+                    <m:sSub>
+                      <m:sSubPr>
+                        <m:ctrlPr>
+                          <a:rPr lang="en-GB" i="1" smtClean="0">
+                            <a:latin typeface="Cambria Math" panose="02040503050406030204" pitchFamily="18" charset="0"/>
+                          </a:rPr>
+                        </m:ctrlPr>
+                      </m:sSubPr>
+                      <m:e>
+                        <m:r>
+                          <a:rPr lang="fr-BE" b="0" i="1" smtClean="0">
+                            <a:latin typeface="Cambria Math" panose="02040503050406030204" pitchFamily="18" charset="0"/>
+                          </a:rPr>
+                          <m:t>𝐹</m:t>
+                        </m:r>
+                      </m:e>
+                      <m:sub>
+                        <m:r>
+                          <a:rPr lang="fr-BE" b="0" i="1" smtClean="0">
+                            <a:latin typeface="Cambria Math" panose="02040503050406030204" pitchFamily="18" charset="0"/>
+                          </a:rPr>
+                          <m:t>𝑡</m:t>
+                        </m:r>
+                      </m:sub>
+                    </m:sSub>
+                    <m:d>
+                      <m:dPr>
+                        <m:ctrlPr>
+                          <a:rPr lang="fr-BE" b="0" i="1" smtClean="0">
+                            <a:latin typeface="Cambria Math" panose="02040503050406030204" pitchFamily="18" charset="0"/>
+                          </a:rPr>
+                        </m:ctrlPr>
+                      </m:dPr>
+                      <m:e>
+                        <m:r>
+                          <a:rPr lang="fr-BE" b="0" i="1" smtClean="0">
+                            <a:latin typeface="Cambria Math" panose="02040503050406030204" pitchFamily="18" charset="0"/>
+                            <a:ea typeface="Cambria Math" panose="02040503050406030204" pitchFamily="18" charset="0"/>
+                          </a:rPr>
+                          <m:t>𝜔</m:t>
+                        </m:r>
+                      </m:e>
+                    </m:d>
+                    <m:r>
+                      <a:rPr lang="fr-BE" b="0" i="1" smtClean="0">
+                        <a:latin typeface="Cambria Math" panose="02040503050406030204" pitchFamily="18" charset="0"/>
+                        <a:ea typeface="Cambria Math" panose="02040503050406030204" pitchFamily="18" charset="0"/>
+                      </a:rPr>
+                      <m:t>|, </m:t>
+                    </m:r>
+                    <m:r>
+                      <m:rPr>
+                        <m:sty m:val="p"/>
+                      </m:rPr>
+                      <a:rPr lang="fr-BE" b="0" i="0" smtClean="0">
+                        <a:latin typeface="Cambria Math" panose="02040503050406030204" pitchFamily="18" charset="0"/>
+                        <a:ea typeface="Cambria Math" panose="02040503050406030204" pitchFamily="18" charset="0"/>
+                      </a:rPr>
+                      <m:t>arg</m:t>
+                    </m:r>
+                    <m:r>
+                      <a:rPr lang="fr-BE" b="0" i="1" smtClean="0">
+                        <a:latin typeface="Cambria Math" panose="02040503050406030204" pitchFamily="18" charset="0"/>
+                        <a:ea typeface="Cambria Math" panose="02040503050406030204" pitchFamily="18" charset="0"/>
+                      </a:rPr>
+                      <m:t>⁡(</m:t>
+                    </m:r>
+                    <m:sSub>
+                      <m:sSubPr>
+                        <m:ctrlPr>
+                          <a:rPr lang="en-GB" i="1">
+                            <a:latin typeface="Cambria Math" panose="02040503050406030204" pitchFamily="18" charset="0"/>
+                          </a:rPr>
+                        </m:ctrlPr>
+                      </m:sSubPr>
+                      <m:e>
+                        <m:r>
+                          <a:rPr lang="fr-BE" i="1">
+                            <a:latin typeface="Cambria Math" panose="02040503050406030204" pitchFamily="18" charset="0"/>
+                          </a:rPr>
+                          <m:t>𝐹</m:t>
+                        </m:r>
+                      </m:e>
+                      <m:sub>
+                        <m:r>
+                          <a:rPr lang="fr-BE" i="1">
+                            <a:latin typeface="Cambria Math" panose="02040503050406030204" pitchFamily="18" charset="0"/>
+                          </a:rPr>
+                          <m:t>𝑡</m:t>
+                        </m:r>
+                      </m:sub>
+                    </m:sSub>
+                    <m:d>
+                      <m:dPr>
+                        <m:ctrlPr>
+                          <a:rPr lang="fr-BE" i="1">
+                            <a:latin typeface="Cambria Math" panose="02040503050406030204" pitchFamily="18" charset="0"/>
+                          </a:rPr>
+                        </m:ctrlPr>
+                      </m:dPr>
+                      <m:e>
+                        <m:r>
+                          <a:rPr lang="fr-BE" i="1">
+                            <a:latin typeface="Cambria Math" panose="02040503050406030204" pitchFamily="18" charset="0"/>
+                            <a:ea typeface="Cambria Math" panose="02040503050406030204" pitchFamily="18" charset="0"/>
+                          </a:rPr>
+                          <m:t>𝜔</m:t>
+                        </m:r>
+                      </m:e>
+                    </m:d>
+                  </m:oMath>
+                </a14:m>
+                <a:endParaRPr lang="fr-BE" dirty="0"/>
+              </a:p>
+              <a:p>
+                <a:endParaRPr lang="fr-BE" dirty="0"/>
+              </a:p>
+              <a:p>
+                <a:endParaRPr lang="fr-BE" dirty="0"/>
+              </a:p>
+              <a:p>
+                <a:endParaRPr lang="en-GB" dirty="0"/>
+              </a:p>
+            </p:txBody>
+          </p:sp>
+        </mc:Choice>
+        <mc:Fallback>
+          <p:sp>
+            <p:nvSpPr>
+              <p:cNvPr id="3" name="Espace réservé du contenu 2">
+                <a:extLst>
+                  <a:ext uri="{FF2B5EF4-FFF2-40B4-BE49-F238E27FC236}">
+                    <a16:creationId xmlns:a16="http://schemas.microsoft.com/office/drawing/2014/main" id="{8D7DF6E2-02FC-6BF7-74B0-85D355BE619F}"/>
+                  </a:ext>
+                </a:extLst>
+              </p:cNvPr>
+              <p:cNvSpPr>
+                <a:spLocks noGrp="1" noRot="1" noChangeAspect="1" noMove="1" noResize="1" noEditPoints="1" noAdjustHandles="1" noChangeArrowheads="1" noChangeShapeType="1" noTextEdit="1"/>
+              </p:cNvSpPr>
+              <p:nvPr>
+                <p:ph idx="1"/>
+              </p:nvPr>
+            </p:nvSpPr>
+            <p:spPr>
+              <a:blipFill>
+                <a:blip r:embed="rId2"/>
+                <a:stretch>
+                  <a:fillRect l="-1043" t="-2241"/>
+                </a:stretch>
+              </a:blipFill>
+            </p:spPr>
+            <p:txBody>
+              <a:bodyPr/>
+              <a:lstStyle/>
+              <a:p>
+                <a:r>
+                  <a:rPr lang="en-GB">
+                    <a:noFill/>
+                  </a:rPr>
+                  <a:t> </a:t>
+                </a:r>
+              </a:p>
+            </p:txBody>
+          </p:sp>
+        </mc:Fallback>
+      </mc:AlternateContent>
+      <p:sp>
+        <p:nvSpPr>
+          <p:cNvPr id="4" name="Espace réservé de la date 3">
+            <a:extLst>
+              <a:ext uri="{FF2B5EF4-FFF2-40B4-BE49-F238E27FC236}">
+                <a16:creationId xmlns:a16="http://schemas.microsoft.com/office/drawing/2014/main" id="{25905842-A951-71CB-B691-36DC0F657B76}"/>
+              </a:ext>
+            </a:extLst>
+          </p:cNvPr>
+          <p:cNvSpPr>
+            <a:spLocks noGrp="1"/>
+          </p:cNvSpPr>
+          <p:nvPr>
+            <p:ph type="dt" sz="half" idx="10"/>
+          </p:nvPr>
+        </p:nvSpPr>
+        <p:spPr/>
+        <p:txBody>
+          <a:bodyPr/>
+          <a:lstStyle/>
+          <a:p>
+            <a:r>
+              <a:rPr lang="en-US"/>
+              <a:t>15-17/10/2024</a:t>
+            </a:r>
+            <a:endParaRPr lang="en-GB"/>
+          </a:p>
+        </p:txBody>
+      </p:sp>
+      <p:sp>
+        <p:nvSpPr>
+          <p:cNvPr id="5" name="Espace réservé du pied de page 4">
+            <a:extLst>
+              <a:ext uri="{FF2B5EF4-FFF2-40B4-BE49-F238E27FC236}">
+                <a16:creationId xmlns:a16="http://schemas.microsoft.com/office/drawing/2014/main" id="{40520FB4-C277-A45E-92E8-2E9FC41465D3}"/>
+              </a:ext>
+            </a:extLst>
+          </p:cNvPr>
+          <p:cNvSpPr>
+            <a:spLocks noGrp="1"/>
+          </p:cNvSpPr>
+          <p:nvPr>
+            <p:ph type="ftr" sz="quarter" idx="11"/>
+          </p:nvPr>
+        </p:nvSpPr>
+        <p:spPr/>
+        <p:txBody>
+          <a:bodyPr/>
+          <a:lstStyle/>
+          <a:p>
+            <a:r>
+              <a:rPr lang="en-GB"/>
+              <a:t>CONTRACTORS ORGANISING SOME OF THE COURSES ARE ACTING UNDER A FRAMEWORK CONTRACT CONCLUDED WITH THE COMMISSION</a:t>
+            </a:r>
+          </a:p>
+        </p:txBody>
+      </p:sp>
+    </p:spTree>
+    <p:extLst>
+      <p:ext uri="{BB962C8B-B14F-4D97-AF65-F5344CB8AC3E}">
+        <p14:creationId xmlns:p14="http://schemas.microsoft.com/office/powerpoint/2010/main" val="2887064280"/>
+      </p:ext>
+    </p:extLst>
+  </p:cSld>
+  <p:clrMapOvr>
+    <a:masterClrMapping/>
+  </p:clrMapOvr>
+</p:sld>
+</file>
+
+<file path=ppt/slides/slide8.xml><?xml version="1.0" encoding="utf-8"?>
+<p:sld xmlns:a="http://schemas.openxmlformats.org/drawingml/2006/main" xmlns:r="http://schemas.openxmlformats.org/officeDocument/2006/relationships" xmlns:p="http://schemas.openxmlformats.org/presentationml/2006/main">
+  <p:cSld>
+    <p:spTree>
+      <p:nvGrpSpPr>
+        <p:cNvPr id="1" name="">
+          <a:extLst>
+            <a:ext uri="{FF2B5EF4-FFF2-40B4-BE49-F238E27FC236}">
+              <a16:creationId xmlns:a16="http://schemas.microsoft.com/office/drawing/2014/main" id="{2B58D240-BAF4-8049-74E9-965BF5E3B5A2}"/>
+            </a:ext>
+          </a:extLst>
+        </p:cNvPr>
+        <p:cNvGrpSpPr/>
+        <p:nvPr/>
+      </p:nvGrpSpPr>
+      <p:grpSpPr>
+        <a:xfrm>
+          <a:off x="0" y="0"/>
+          <a:ext cx="0" cy="0"/>
+          <a:chOff x="0" y="0"/>
+          <a:chExt cx="0" cy="0"/>
+        </a:xfrm>
+      </p:grpSpPr>
+      <p:sp>
+        <p:nvSpPr>
+          <p:cNvPr id="2" name="Titre 1">
+            <a:extLst>
+              <a:ext uri="{FF2B5EF4-FFF2-40B4-BE49-F238E27FC236}">
+                <a16:creationId xmlns:a16="http://schemas.microsoft.com/office/drawing/2014/main" id="{2FA5598F-C847-FDC0-C7EE-F6CDA1841146}"/>
+              </a:ext>
+            </a:extLst>
+          </p:cNvPr>
+          <p:cNvSpPr>
+            <a:spLocks noGrp="1"/>
+          </p:cNvSpPr>
+          <p:nvPr>
+            <p:ph type="title"/>
+          </p:nvPr>
+        </p:nvSpPr>
+        <p:spPr/>
+        <p:txBody>
+          <a:bodyPr/>
+          <a:lstStyle/>
+          <a:p>
+            <a:r>
+              <a:rPr lang="fr-BE" dirty="0"/>
+              <a:t>4. </a:t>
+            </a:r>
+            <a:r>
+              <a:rPr lang="fr-BE" dirty="0" err="1"/>
+              <a:t>Linear</a:t>
+            </a:r>
+            <a:r>
+              <a:rPr lang="fr-BE" dirty="0"/>
+              <a:t> </a:t>
+            </a:r>
+            <a:r>
+              <a:rPr lang="fr-BE" dirty="0" err="1"/>
+              <a:t>filters</a:t>
+            </a:r>
+            <a:r>
+              <a:rPr lang="fr-BE" dirty="0"/>
+              <a:t>: </a:t>
+            </a:r>
+            <a:r>
+              <a:rPr lang="fr-BE" dirty="0" err="1"/>
+              <a:t>properties</a:t>
+            </a:r>
+            <a:endParaRPr lang="en-GB" dirty="0"/>
+          </a:p>
+        </p:txBody>
+      </p:sp>
+      <mc:AlternateContent xmlns:mc="http://schemas.openxmlformats.org/markup-compatibility/2006">
+        <mc:Choice xmlns:a14="http://schemas.microsoft.com/office/drawing/2010/main" Requires="a14">
+          <p:sp>
+            <p:nvSpPr>
+              <p:cNvPr id="3" name="Espace réservé du contenu 2">
+                <a:extLst>
+                  <a:ext uri="{FF2B5EF4-FFF2-40B4-BE49-F238E27FC236}">
+                    <a16:creationId xmlns:a16="http://schemas.microsoft.com/office/drawing/2014/main" id="{148768B9-BE27-A6ED-6A56-A844613B329A}"/>
+                  </a:ext>
+                </a:extLst>
+              </p:cNvPr>
+              <p:cNvSpPr>
+                <a:spLocks noGrp="1"/>
+              </p:cNvSpPr>
+              <p:nvPr>
+                <p:ph idx="1"/>
+              </p:nvPr>
+            </p:nvSpPr>
+            <p:spPr/>
+            <p:txBody>
+              <a:bodyPr/>
+              <a:lstStyle/>
+              <a:p>
+                <a14:m>
+                  <m:oMath xmlns:m="http://schemas.openxmlformats.org/officeDocument/2006/math">
+                    <m:sSub>
+                      <m:sSubPr>
+                        <m:ctrlPr>
+                          <a:rPr lang="en-GB" i="1" smtClean="0">
+                            <a:latin typeface="Cambria Math" panose="02040503050406030204" pitchFamily="18" charset="0"/>
+                          </a:rPr>
+                        </m:ctrlPr>
+                      </m:sSubPr>
+                      <m:e>
+                        <m:r>
+                          <a:rPr lang="fr-BE" b="0" i="1" smtClean="0">
+                            <a:latin typeface="Cambria Math" panose="02040503050406030204" pitchFamily="18" charset="0"/>
+                          </a:rPr>
+                          <m:t>𝑦</m:t>
+                        </m:r>
+                      </m:e>
+                      <m:sub>
+                        <m:r>
+                          <a:rPr lang="fr-BE" b="0" i="1" smtClean="0">
+                            <a:latin typeface="Cambria Math" panose="02040503050406030204" pitchFamily="18" charset="0"/>
+                          </a:rPr>
+                          <m:t>𝑡</m:t>
+                        </m:r>
+                      </m:sub>
+                    </m:sSub>
+                    <m:r>
+                      <a:rPr lang="fr-BE" b="0" i="1" smtClean="0">
+                        <a:latin typeface="Cambria Math" panose="02040503050406030204" pitchFamily="18" charset="0"/>
+                      </a:rPr>
+                      <m:t>=</m:t>
+                    </m:r>
+                    <m:sSub>
+                      <m:sSubPr>
+                        <m:ctrlPr>
+                          <a:rPr lang="en-GB" i="1">
+                            <a:latin typeface="Cambria Math" panose="02040503050406030204" pitchFamily="18" charset="0"/>
+                          </a:rPr>
+                        </m:ctrlPr>
+                      </m:sSubPr>
+                      <m:e>
+                        <m:r>
+                          <a:rPr lang="fr-BE" b="0" i="1" smtClean="0">
+                            <a:latin typeface="Cambria Math" panose="02040503050406030204" pitchFamily="18" charset="0"/>
+                          </a:rPr>
+                          <m:t>𝑥</m:t>
+                        </m:r>
+                      </m:e>
+                      <m:sub>
+                        <m:r>
+                          <a:rPr lang="fr-BE" i="1">
+                            <a:latin typeface="Cambria Math" panose="02040503050406030204" pitchFamily="18" charset="0"/>
+                          </a:rPr>
+                          <m:t>𝑡</m:t>
+                        </m:r>
+                      </m:sub>
+                    </m:sSub>
+                    <m:r>
+                      <a:rPr lang="fr-BE" b="0" i="1" smtClean="0">
+                        <a:latin typeface="Cambria Math" panose="02040503050406030204" pitchFamily="18" charset="0"/>
+                      </a:rPr>
+                      <m:t>−</m:t>
+                    </m:r>
+                    <m:sSub>
+                      <m:sSubPr>
+                        <m:ctrlPr>
+                          <a:rPr lang="en-GB" i="1">
+                            <a:latin typeface="Cambria Math" panose="02040503050406030204" pitchFamily="18" charset="0"/>
+                          </a:rPr>
+                        </m:ctrlPr>
+                      </m:sSubPr>
+                      <m:e>
+                        <m:r>
+                          <a:rPr lang="fr-BE" b="0" i="1" smtClean="0">
+                            <a:latin typeface="Cambria Math" panose="02040503050406030204" pitchFamily="18" charset="0"/>
+                          </a:rPr>
+                          <m:t>𝑥</m:t>
+                        </m:r>
+                      </m:e>
+                      <m:sub>
+                        <m:r>
+                          <a:rPr lang="fr-BE" i="1">
+                            <a:latin typeface="Cambria Math" panose="02040503050406030204" pitchFamily="18" charset="0"/>
+                          </a:rPr>
+                          <m:t>𝑡</m:t>
+                        </m:r>
+                        <m:r>
+                          <a:rPr lang="fr-BE" b="0" i="1" smtClean="0">
+                            <a:latin typeface="Cambria Math" panose="02040503050406030204" pitchFamily="18" charset="0"/>
+                          </a:rPr>
+                          <m:t>−1</m:t>
+                        </m:r>
+                      </m:sub>
+                    </m:sSub>
+                  </m:oMath>
+                </a14:m>
+                <a:endParaRPr lang="fr-BE" dirty="0"/>
+              </a:p>
+              <a:p>
+                <a:endParaRPr lang="fr-BE" dirty="0"/>
+              </a:p>
+              <a:p>
+                <a:endParaRPr lang="en-GB" dirty="0"/>
+              </a:p>
+            </p:txBody>
+          </p:sp>
+        </mc:Choice>
+        <mc:Fallback>
+          <p:sp>
+            <p:nvSpPr>
+              <p:cNvPr id="3" name="Espace réservé du contenu 2">
+                <a:extLst>
+                  <a:ext uri="{FF2B5EF4-FFF2-40B4-BE49-F238E27FC236}">
+                    <a16:creationId xmlns:a16="http://schemas.microsoft.com/office/drawing/2014/main" id="{148768B9-BE27-A6ED-6A56-A844613B329A}"/>
+                  </a:ext>
+                </a:extLst>
+              </p:cNvPr>
+              <p:cNvSpPr>
+                <a:spLocks noGrp="1" noRot="1" noChangeAspect="1" noMove="1" noResize="1" noEditPoints="1" noAdjustHandles="1" noChangeArrowheads="1" noChangeShapeType="1" noTextEdit="1"/>
+              </p:cNvSpPr>
+              <p:nvPr>
+                <p:ph idx="1"/>
+              </p:nvPr>
+            </p:nvSpPr>
+            <p:spPr>
+              <a:blipFill>
+                <a:blip r:embed="rId2"/>
+                <a:stretch>
+                  <a:fillRect/>
+                </a:stretch>
+              </a:blipFill>
+            </p:spPr>
+            <p:txBody>
+              <a:bodyPr/>
+              <a:lstStyle/>
+              <a:p>
+                <a:r>
+                  <a:rPr lang="en-GB">
+                    <a:noFill/>
+                  </a:rPr>
+                  <a:t> </a:t>
+                </a:r>
+              </a:p>
+            </p:txBody>
+          </p:sp>
+        </mc:Fallback>
+      </mc:AlternateContent>
+      <p:sp>
+        <p:nvSpPr>
+          <p:cNvPr id="4" name="Espace réservé de la date 3">
+            <a:extLst>
+              <a:ext uri="{FF2B5EF4-FFF2-40B4-BE49-F238E27FC236}">
+                <a16:creationId xmlns:a16="http://schemas.microsoft.com/office/drawing/2014/main" id="{8DBE1678-6231-EA44-945F-5D64F01135F5}"/>
+              </a:ext>
+            </a:extLst>
+          </p:cNvPr>
+          <p:cNvSpPr>
+            <a:spLocks noGrp="1"/>
+          </p:cNvSpPr>
+          <p:nvPr>
+            <p:ph type="dt" sz="half" idx="10"/>
+          </p:nvPr>
+        </p:nvSpPr>
+        <p:spPr/>
+        <p:txBody>
+          <a:bodyPr/>
+          <a:lstStyle/>
+          <a:p>
+            <a:r>
+              <a:rPr lang="en-US"/>
+              <a:t>15-17/10/2024</a:t>
+            </a:r>
+            <a:endParaRPr lang="en-GB"/>
+          </a:p>
+        </p:txBody>
+      </p:sp>
+      <p:sp>
+        <p:nvSpPr>
+          <p:cNvPr id="5" name="Espace réservé du pied de page 4">
+            <a:extLst>
+              <a:ext uri="{FF2B5EF4-FFF2-40B4-BE49-F238E27FC236}">
+                <a16:creationId xmlns:a16="http://schemas.microsoft.com/office/drawing/2014/main" id="{9E5B8E02-226F-E162-22E1-F0B9ECA05B9E}"/>
+              </a:ext>
+            </a:extLst>
+          </p:cNvPr>
+          <p:cNvSpPr>
+            <a:spLocks noGrp="1"/>
+          </p:cNvSpPr>
+          <p:nvPr>
+            <p:ph type="ftr" sz="quarter" idx="11"/>
+          </p:nvPr>
+        </p:nvSpPr>
+        <p:spPr/>
+        <p:txBody>
+          <a:bodyPr/>
+          <a:lstStyle/>
+          <a:p>
+            <a:r>
+              <a:rPr lang="en-GB"/>
+              <a:t>CONTRACTORS ORGANISING SOME OF THE COURSES ARE ACTING UNDER A FRAMEWORK CONTRACT CONCLUDED WITH THE COMMISSION</a:t>
+            </a:r>
+          </a:p>
+        </p:txBody>
+      </p:sp>
+      <p:pic>
+        <p:nvPicPr>
+          <p:cNvPr id="9" name="Image 8">
+            <a:extLst>
+              <a:ext uri="{FF2B5EF4-FFF2-40B4-BE49-F238E27FC236}">
+                <a16:creationId xmlns:a16="http://schemas.microsoft.com/office/drawing/2014/main" id="{DA1A3F1D-DADC-FD35-107E-10023DF6DAB3}"/>
+              </a:ext>
+            </a:extLst>
+          </p:cNvPr>
+          <p:cNvPicPr>
+            <a:picLocks noChangeAspect="1"/>
+          </p:cNvPicPr>
+          <p:nvPr/>
+        </p:nvPicPr>
+        <p:blipFill>
+          <a:blip r:embed="rId3"/>
+          <a:stretch>
+            <a:fillRect/>
+          </a:stretch>
+        </p:blipFill>
+        <p:spPr>
+          <a:xfrm>
+            <a:off x="4144618" y="2486400"/>
+            <a:ext cx="5143164" cy="3331090"/>
+          </a:xfrm>
+          <a:prstGeom prst="rect">
+            <a:avLst/>
+          </a:prstGeom>
+        </p:spPr>
+      </p:pic>
+      <p:pic>
+        <p:nvPicPr>
+          <p:cNvPr id="11" name="Image 10">
+            <a:extLst>
+              <a:ext uri="{FF2B5EF4-FFF2-40B4-BE49-F238E27FC236}">
+                <a16:creationId xmlns:a16="http://schemas.microsoft.com/office/drawing/2014/main" id="{8BBEF42A-C277-6C82-68FF-C6939ED6B98A}"/>
+              </a:ext>
+            </a:extLst>
+          </p:cNvPr>
+          <p:cNvPicPr>
+            <a:picLocks noChangeAspect="1"/>
+          </p:cNvPicPr>
+          <p:nvPr/>
+        </p:nvPicPr>
+        <p:blipFill>
+          <a:blip r:embed="rId4"/>
+          <a:stretch>
+            <a:fillRect/>
+          </a:stretch>
+        </p:blipFill>
+        <p:spPr>
+          <a:xfrm>
+            <a:off x="247647" y="2797811"/>
+            <a:ext cx="3790953" cy="2312564"/>
+          </a:xfrm>
+          <a:prstGeom prst="rect">
+            <a:avLst/>
+          </a:prstGeom>
+        </p:spPr>
+      </p:pic>
+    </p:spTree>
+    <p:extLst>
+      <p:ext uri="{BB962C8B-B14F-4D97-AF65-F5344CB8AC3E}">
+        <p14:creationId xmlns:p14="http://schemas.microsoft.com/office/powerpoint/2010/main" val="134365112"/>
+      </p:ext>
+    </p:extLst>
+  </p:cSld>
+  <p:clrMapOvr>
+    <a:masterClrMapping/>
+  </p:clrMapOvr>
+</p:sld>
+</file>
+
+<file path=ppt/slides/slide9.xml><?xml version="1.0" encoding="utf-8"?>
+<p:sld xmlns:a="http://schemas.openxmlformats.org/drawingml/2006/main" xmlns:r="http://schemas.openxmlformats.org/officeDocument/2006/relationships" xmlns:p="http://schemas.openxmlformats.org/presentationml/2006/main">
+  <p:cSld>
+    <p:spTree>
+      <p:nvGrpSpPr>
+        <p:cNvPr id="1" name=""/>
+        <p:cNvGrpSpPr/>
+        <p:nvPr/>
+      </p:nvGrpSpPr>
+      <p:grpSpPr>
+        <a:xfrm>
+          <a:off x="0" y="0"/>
+          <a:ext cx="0" cy="0"/>
+          <a:chOff x="0" y="0"/>
+          <a:chExt cx="0" cy="0"/>
+        </a:xfrm>
+      </p:grpSpPr>
+      <p:sp>
+        <p:nvSpPr>
           <p:cNvPr id="2" name="Title 1">
             <a:extLst>
               <a:ext uri="{FF2B5EF4-FFF2-40B4-BE49-F238E27FC236}">
@@ -13461,13 +17113,13 @@
           <a:p>
             <a:r>
               <a:rPr lang="en-GB" dirty="0"/>
-              <a:t>Stationarity</a:t>
+              <a:t>4. Stationarity</a:t>
             </a:r>
           </a:p>
         </p:txBody>
       </p:sp>
-      <mc:AlternateContent xmlns:mc="http://schemas.openxmlformats.org/markup-compatibility/2006" xmlns:a14="http://schemas.microsoft.com/office/drawing/2010/main">
-        <mc:Choice Requires="a14">
+      <mc:AlternateContent xmlns:mc="http://schemas.openxmlformats.org/markup-compatibility/2006">
+        <mc:Choice xmlns:a14="http://schemas.microsoft.com/office/drawing/2010/main" Requires="a14">
           <p:sp>
             <p:nvSpPr>
               <p:cNvPr id="3" name="Content Placeholder 2">
@@ -13517,7 +17169,7 @@
                 <a:pPr algn="l"/>
                 <a:r>
                   <a:rPr lang="en-GB" sz="2400" dirty="0"/>
-                  <a:t>Most economic time series a non-stationary</a:t>
+                  <a:t>Most economic time series are non-stationary</a:t>
                 </a:r>
               </a:p>
               <a:p>
@@ -13752,7 +17404,7 @@
             </p:txBody>
           </p:sp>
         </mc:Choice>
-        <mc:Fallback xmlns="">
+        <mc:Fallback>
           <p:sp>
             <p:nvSpPr>
               <p:cNvPr id="3" name="Content Placeholder 2">
@@ -13853,763 +17505,6 @@
     <p:extLst>
       <p:ext uri="{BB962C8B-B14F-4D97-AF65-F5344CB8AC3E}">
         <p14:creationId xmlns:p14="http://schemas.microsoft.com/office/powerpoint/2010/main" val="3910476886"/>
-      </p:ext>
-    </p:extLst>
-  </p:cSld>
-  <p:clrMapOvr>
-    <a:masterClrMapping/>
-  </p:clrMapOvr>
-</p:sld>
-</file>
-
-<file path=ppt/slides/slide7.xml><?xml version="1.0" encoding="utf-8"?>
-<p:sld xmlns:a="http://schemas.openxmlformats.org/drawingml/2006/main" xmlns:r="http://schemas.openxmlformats.org/officeDocument/2006/relationships" xmlns:p="http://schemas.openxmlformats.org/presentationml/2006/main">
-  <p:cSld>
-    <p:spTree>
-      <p:nvGrpSpPr>
-        <p:cNvPr id="1" name=""/>
-        <p:cNvGrpSpPr/>
-        <p:nvPr/>
-      </p:nvGrpSpPr>
-      <p:grpSpPr>
-        <a:xfrm>
-          <a:off x="0" y="0"/>
-          <a:ext cx="0" cy="0"/>
-          <a:chOff x="0" y="0"/>
-          <a:chExt cx="0" cy="0"/>
-        </a:xfrm>
-      </p:grpSpPr>
-      <p:sp>
-        <p:nvSpPr>
-          <p:cNvPr id="2" name="Title 1">
-            <a:extLst>
-              <a:ext uri="{FF2B5EF4-FFF2-40B4-BE49-F238E27FC236}">
-                <a16:creationId xmlns:a16="http://schemas.microsoft.com/office/drawing/2014/main" id="{C6C6ADCE-E55F-41E5-BF51-74F84110E5C8}"/>
-              </a:ext>
-            </a:extLst>
-          </p:cNvPr>
-          <p:cNvSpPr>
-            <a:spLocks noGrp="1"/>
-          </p:cNvSpPr>
-          <p:nvPr>
-            <p:ph type="title"/>
-          </p:nvPr>
-        </p:nvSpPr>
-        <p:spPr/>
-        <p:txBody>
-          <a:bodyPr/>
-          <a:lstStyle/>
-          <a:p>
-            <a:r>
-              <a:rPr lang="en-GB" dirty="0"/>
-              <a:t>Stationary series</a:t>
-            </a:r>
-          </a:p>
-        </p:txBody>
-      </p:sp>
-      <p:pic>
-        <p:nvPicPr>
-          <p:cNvPr id="7" name="Content Placeholder 6">
-            <a:extLst>
-              <a:ext uri="{FF2B5EF4-FFF2-40B4-BE49-F238E27FC236}">
-                <a16:creationId xmlns:a16="http://schemas.microsoft.com/office/drawing/2014/main" id="{FC4EAA75-22D5-44DD-9FB2-23400764B27F}"/>
-              </a:ext>
-            </a:extLst>
-          </p:cNvPr>
-          <p:cNvPicPr>
-            <a:picLocks noGrp="1" noChangeAspect="1"/>
-          </p:cNvPicPr>
-          <p:nvPr>
-            <p:ph idx="1"/>
-          </p:nvPr>
-        </p:nvPicPr>
-        <p:blipFill>
-          <a:blip r:embed="rId2"/>
-          <a:stretch>
-            <a:fillRect/>
-          </a:stretch>
-        </p:blipFill>
-        <p:spPr>
-          <a:xfrm>
-            <a:off x="1421125" y="1825625"/>
-            <a:ext cx="9349749" cy="4351338"/>
-          </a:xfrm>
-        </p:spPr>
-      </p:pic>
-      <p:sp>
-        <p:nvSpPr>
-          <p:cNvPr id="4" name="Date Placeholder 3">
-            <a:extLst>
-              <a:ext uri="{FF2B5EF4-FFF2-40B4-BE49-F238E27FC236}">
-                <a16:creationId xmlns:a16="http://schemas.microsoft.com/office/drawing/2014/main" id="{EDD5B3D3-2F9A-46D0-B43E-3FEF00380B9D}"/>
-              </a:ext>
-            </a:extLst>
-          </p:cNvPr>
-          <p:cNvSpPr>
-            <a:spLocks noGrp="1"/>
-          </p:cNvSpPr>
-          <p:nvPr>
-            <p:ph type="dt" sz="half" idx="10"/>
-          </p:nvPr>
-        </p:nvSpPr>
-        <p:spPr/>
-        <p:txBody>
-          <a:bodyPr/>
-          <a:lstStyle/>
-          <a:p>
-            <a:r>
-              <a:rPr lang="en-US"/>
-              <a:t>15-17/10/2024</a:t>
-            </a:r>
-            <a:endParaRPr lang="en-GB"/>
-          </a:p>
-        </p:txBody>
-      </p:sp>
-      <p:sp>
-        <p:nvSpPr>
-          <p:cNvPr id="5" name="Footer Placeholder 4">
-            <a:extLst>
-              <a:ext uri="{FF2B5EF4-FFF2-40B4-BE49-F238E27FC236}">
-                <a16:creationId xmlns:a16="http://schemas.microsoft.com/office/drawing/2014/main" id="{CF760A3E-26C7-487E-AB90-5224597BB540}"/>
-              </a:ext>
-            </a:extLst>
-          </p:cNvPr>
-          <p:cNvSpPr>
-            <a:spLocks noGrp="1"/>
-          </p:cNvSpPr>
-          <p:nvPr>
-            <p:ph type="ftr" sz="quarter" idx="11"/>
-          </p:nvPr>
-        </p:nvSpPr>
-        <p:spPr/>
-        <p:txBody>
-          <a:bodyPr/>
-          <a:lstStyle/>
-          <a:p>
-            <a:r>
-              <a:rPr lang="en-GB"/>
-              <a:t>CONTRACTORS ORGANISING SOME OF THE COURSES ARE ACTING UNDER A FRAMEWORK CONTRACT CONCLUDED WITH THE COMMISSION</a:t>
-            </a:r>
-          </a:p>
-        </p:txBody>
-      </p:sp>
-    </p:spTree>
-    <p:extLst>
-      <p:ext uri="{BB962C8B-B14F-4D97-AF65-F5344CB8AC3E}">
-        <p14:creationId xmlns:p14="http://schemas.microsoft.com/office/powerpoint/2010/main" val="1425732455"/>
-      </p:ext>
-    </p:extLst>
-  </p:cSld>
-  <p:clrMapOvr>
-    <a:masterClrMapping/>
-  </p:clrMapOvr>
-</p:sld>
-</file>
-
-<file path=ppt/slides/slide8.xml><?xml version="1.0" encoding="utf-8"?>
-<p:sld xmlns:a="http://schemas.openxmlformats.org/drawingml/2006/main" xmlns:r="http://schemas.openxmlformats.org/officeDocument/2006/relationships" xmlns:p="http://schemas.openxmlformats.org/presentationml/2006/main">
-  <p:cSld>
-    <p:spTree>
-      <p:nvGrpSpPr>
-        <p:cNvPr id="1" name=""/>
-        <p:cNvGrpSpPr/>
-        <p:nvPr/>
-      </p:nvGrpSpPr>
-      <p:grpSpPr>
-        <a:xfrm>
-          <a:off x="0" y="0"/>
-          <a:ext cx="0" cy="0"/>
-          <a:chOff x="0" y="0"/>
-          <a:chExt cx="0" cy="0"/>
-        </a:xfrm>
-      </p:grpSpPr>
-      <p:sp>
-        <p:nvSpPr>
-          <p:cNvPr id="2" name="Title 1">
-            <a:extLst>
-              <a:ext uri="{FF2B5EF4-FFF2-40B4-BE49-F238E27FC236}">
-                <a16:creationId xmlns:a16="http://schemas.microsoft.com/office/drawing/2014/main" id="{3F484B7A-58FB-4EC6-BEF8-563ABBDABC71}"/>
-              </a:ext>
-            </a:extLst>
-          </p:cNvPr>
-          <p:cNvSpPr>
-            <a:spLocks noGrp="1"/>
-          </p:cNvSpPr>
-          <p:nvPr>
-            <p:ph type="title"/>
-          </p:nvPr>
-        </p:nvSpPr>
-        <p:spPr/>
-        <p:txBody>
-          <a:bodyPr/>
-          <a:lstStyle/>
-          <a:p>
-            <a:r>
-              <a:rPr lang="en-GB" dirty="0"/>
-              <a:t>Stationary series in R</a:t>
-            </a:r>
-          </a:p>
-        </p:txBody>
-      </p:sp>
-      <p:sp>
-        <p:nvSpPr>
-          <p:cNvPr id="4" name="Date Placeholder 3">
-            <a:extLst>
-              <a:ext uri="{FF2B5EF4-FFF2-40B4-BE49-F238E27FC236}">
-                <a16:creationId xmlns:a16="http://schemas.microsoft.com/office/drawing/2014/main" id="{9EC6E781-BF93-44E4-9D73-ACA9CBF527B7}"/>
-              </a:ext>
-            </a:extLst>
-          </p:cNvPr>
-          <p:cNvSpPr>
-            <a:spLocks noGrp="1"/>
-          </p:cNvSpPr>
-          <p:nvPr>
-            <p:ph type="dt" sz="half" idx="10"/>
-          </p:nvPr>
-        </p:nvSpPr>
-        <p:spPr/>
-        <p:txBody>
-          <a:bodyPr/>
-          <a:lstStyle/>
-          <a:p>
-            <a:r>
-              <a:rPr lang="en-US"/>
-              <a:t>15-17/10/2024</a:t>
-            </a:r>
-            <a:endParaRPr lang="en-GB"/>
-          </a:p>
-        </p:txBody>
-      </p:sp>
-      <p:sp>
-        <p:nvSpPr>
-          <p:cNvPr id="5" name="Footer Placeholder 4">
-            <a:extLst>
-              <a:ext uri="{FF2B5EF4-FFF2-40B4-BE49-F238E27FC236}">
-                <a16:creationId xmlns:a16="http://schemas.microsoft.com/office/drawing/2014/main" id="{4F114F3D-D210-4AF1-8DB5-62B99927784C}"/>
-              </a:ext>
-            </a:extLst>
-          </p:cNvPr>
-          <p:cNvSpPr>
-            <a:spLocks noGrp="1"/>
-          </p:cNvSpPr>
-          <p:nvPr>
-            <p:ph type="ftr" sz="quarter" idx="11"/>
-          </p:nvPr>
-        </p:nvSpPr>
-        <p:spPr/>
-        <p:txBody>
-          <a:bodyPr/>
-          <a:lstStyle/>
-          <a:p>
-            <a:r>
-              <a:rPr lang="en-GB"/>
-              <a:t>CONTRACTORS ORGANISING SOME OF THE COURSES ARE ACTING UNDER A FRAMEWORK CONTRACT CONCLUDED WITH THE COMMISSION</a:t>
-            </a:r>
-          </a:p>
-        </p:txBody>
-      </p:sp>
-      <p:pic>
-        <p:nvPicPr>
-          <p:cNvPr id="11" name="Content Placeholder 10">
-            <a:extLst>
-              <a:ext uri="{FF2B5EF4-FFF2-40B4-BE49-F238E27FC236}">
-                <a16:creationId xmlns:a16="http://schemas.microsoft.com/office/drawing/2014/main" id="{BBAA7276-A8BD-40AA-B0C9-6DE541BC7BCD}"/>
-              </a:ext>
-            </a:extLst>
-          </p:cNvPr>
-          <p:cNvPicPr>
-            <a:picLocks noGrp="1" noChangeAspect="1"/>
-          </p:cNvPicPr>
-          <p:nvPr>
-            <p:ph idx="1"/>
-          </p:nvPr>
-        </p:nvPicPr>
-        <p:blipFill>
-          <a:blip r:embed="rId2"/>
-          <a:stretch>
-            <a:fillRect/>
-          </a:stretch>
-        </p:blipFill>
-        <p:spPr>
-          <a:xfrm>
-            <a:off x="838200" y="1452401"/>
-            <a:ext cx="6640519" cy="4351338"/>
-          </a:xfrm>
-          <a:ln>
-            <a:solidFill>
-              <a:schemeClr val="tx1"/>
-            </a:solidFill>
-          </a:ln>
-        </p:spPr>
-      </p:pic>
-      <p:pic>
-        <p:nvPicPr>
-          <p:cNvPr id="13" name="Picture 12">
-            <a:extLst>
-              <a:ext uri="{FF2B5EF4-FFF2-40B4-BE49-F238E27FC236}">
-                <a16:creationId xmlns:a16="http://schemas.microsoft.com/office/drawing/2014/main" id="{4FA22243-F7CA-4EC7-9AF5-71523FA00934}"/>
-              </a:ext>
-            </a:extLst>
-          </p:cNvPr>
-          <p:cNvPicPr>
-            <a:picLocks noChangeAspect="1"/>
-          </p:cNvPicPr>
-          <p:nvPr/>
-        </p:nvPicPr>
-        <p:blipFill>
-          <a:blip r:embed="rId3"/>
-          <a:stretch>
-            <a:fillRect/>
-          </a:stretch>
-        </p:blipFill>
-        <p:spPr>
-          <a:xfrm>
-            <a:off x="8059330" y="701923"/>
-            <a:ext cx="2906396" cy="1854665"/>
-          </a:xfrm>
-          <a:prstGeom prst="rect">
-            <a:avLst/>
-          </a:prstGeom>
-        </p:spPr>
-      </p:pic>
-      <p:pic>
-        <p:nvPicPr>
-          <p:cNvPr id="15" name="Picture 14">
-            <a:extLst>
-              <a:ext uri="{FF2B5EF4-FFF2-40B4-BE49-F238E27FC236}">
-                <a16:creationId xmlns:a16="http://schemas.microsoft.com/office/drawing/2014/main" id="{0B58BF9C-10FA-430C-8185-8E13439DFDC2}"/>
-              </a:ext>
-            </a:extLst>
-          </p:cNvPr>
-          <p:cNvPicPr>
-            <a:picLocks noChangeAspect="1"/>
-          </p:cNvPicPr>
-          <p:nvPr/>
-        </p:nvPicPr>
-        <p:blipFill>
-          <a:blip r:embed="rId4"/>
-          <a:stretch>
-            <a:fillRect/>
-          </a:stretch>
-        </p:blipFill>
-        <p:spPr>
-          <a:xfrm>
-            <a:off x="8059328" y="2556588"/>
-            <a:ext cx="2906397" cy="1829954"/>
-          </a:xfrm>
-          <a:prstGeom prst="rect">
-            <a:avLst/>
-          </a:prstGeom>
-        </p:spPr>
-      </p:pic>
-      <p:pic>
-        <p:nvPicPr>
-          <p:cNvPr id="17" name="Picture 16">
-            <a:extLst>
-              <a:ext uri="{FF2B5EF4-FFF2-40B4-BE49-F238E27FC236}">
-                <a16:creationId xmlns:a16="http://schemas.microsoft.com/office/drawing/2014/main" id="{7AC463DC-D0FB-4178-8588-27067D2EE067}"/>
-              </a:ext>
-            </a:extLst>
-          </p:cNvPr>
-          <p:cNvPicPr>
-            <a:picLocks noChangeAspect="1"/>
-          </p:cNvPicPr>
-          <p:nvPr/>
-        </p:nvPicPr>
-        <p:blipFill>
-          <a:blip r:embed="rId5"/>
-          <a:stretch>
-            <a:fillRect/>
-          </a:stretch>
-        </p:blipFill>
-        <p:spPr>
-          <a:xfrm>
-            <a:off x="8059328" y="4469594"/>
-            <a:ext cx="2906398" cy="1780599"/>
-          </a:xfrm>
-          <a:prstGeom prst="rect">
-            <a:avLst/>
-          </a:prstGeom>
-        </p:spPr>
-      </p:pic>
-    </p:spTree>
-    <p:extLst>
-      <p:ext uri="{BB962C8B-B14F-4D97-AF65-F5344CB8AC3E}">
-        <p14:creationId xmlns:p14="http://schemas.microsoft.com/office/powerpoint/2010/main" val="1989005194"/>
-      </p:ext>
-    </p:extLst>
-  </p:cSld>
-  <p:clrMapOvr>
-    <a:masterClrMapping/>
-  </p:clrMapOvr>
-</p:sld>
-</file>
-
-<file path=ppt/slides/slide9.xml><?xml version="1.0" encoding="utf-8"?>
-<p:sld xmlns:a="http://schemas.openxmlformats.org/drawingml/2006/main" xmlns:r="http://schemas.openxmlformats.org/officeDocument/2006/relationships" xmlns:p="http://schemas.openxmlformats.org/presentationml/2006/main">
-  <p:cSld>
-    <p:spTree>
-      <p:nvGrpSpPr>
-        <p:cNvPr id="1" name=""/>
-        <p:cNvGrpSpPr/>
-        <p:nvPr/>
-      </p:nvGrpSpPr>
-      <p:grpSpPr>
-        <a:xfrm>
-          <a:off x="0" y="0"/>
-          <a:ext cx="0" cy="0"/>
-          <a:chOff x="0" y="0"/>
-          <a:chExt cx="0" cy="0"/>
-        </a:xfrm>
-      </p:grpSpPr>
-      <p:sp>
-        <p:nvSpPr>
-          <p:cNvPr id="2" name="Title 1">
-            <a:extLst>
-              <a:ext uri="{FF2B5EF4-FFF2-40B4-BE49-F238E27FC236}">
-                <a16:creationId xmlns:a16="http://schemas.microsoft.com/office/drawing/2014/main" id="{69BA3395-9F96-48A2-99C3-26A18247C36B}"/>
-              </a:ext>
-            </a:extLst>
-          </p:cNvPr>
-          <p:cNvSpPr>
-            <a:spLocks noGrp="1"/>
-          </p:cNvSpPr>
-          <p:nvPr>
-            <p:ph type="title"/>
-          </p:nvPr>
-        </p:nvSpPr>
-        <p:spPr/>
-        <p:txBody>
-          <a:bodyPr/>
-          <a:lstStyle/>
-          <a:p>
-            <a:r>
-              <a:rPr lang="en-GB" dirty="0"/>
-              <a:t>Arima models</a:t>
-            </a:r>
-          </a:p>
-        </p:txBody>
-      </p:sp>
-      <mc:AlternateContent xmlns:mc="http://schemas.openxmlformats.org/markup-compatibility/2006" xmlns:a14="http://schemas.microsoft.com/office/drawing/2010/main">
-        <mc:Choice Requires="a14">
-          <p:sp>
-            <p:nvSpPr>
-              <p:cNvPr id="3" name="Content Placeholder 2">
-                <a:extLst>
-                  <a:ext uri="{FF2B5EF4-FFF2-40B4-BE49-F238E27FC236}">
-                    <a16:creationId xmlns:a16="http://schemas.microsoft.com/office/drawing/2014/main" id="{8960CBDC-549E-4102-8ADF-10FF41A00C00}"/>
-                  </a:ext>
-                </a:extLst>
-              </p:cNvPr>
-              <p:cNvSpPr>
-                <a:spLocks noGrp="1"/>
-              </p:cNvSpPr>
-              <p:nvPr>
-                <p:ph idx="1"/>
-              </p:nvPr>
-            </p:nvSpPr>
-            <p:spPr/>
-            <p:txBody>
-              <a:bodyPr/>
-              <a:lstStyle/>
-              <a:p>
-                <a:r>
-                  <a:rPr lang="en-GB" dirty="0"/>
-                  <a:t>Auto-projective Models: </a:t>
-                </a:r>
-              </a:p>
-              <a:p>
-                <a:pPr lvl="1"/>
-                <a14:m>
-                  <m:oMath xmlns:m="http://schemas.openxmlformats.org/officeDocument/2006/math">
-                    <m:sSub>
-                      <m:sSubPr>
-                        <m:ctrlPr>
-                          <a:rPr lang="en-GB" i="1" smtClean="0">
-                            <a:latin typeface="Cambria Math" panose="02040503050406030204" pitchFamily="18" charset="0"/>
-                          </a:rPr>
-                        </m:ctrlPr>
-                      </m:sSubPr>
-                      <m:e>
-                        <m:r>
-                          <a:rPr lang="fr-BE" b="0" i="1" smtClean="0">
-                            <a:latin typeface="Cambria Math" panose="02040503050406030204" pitchFamily="18" charset="0"/>
-                          </a:rPr>
-                          <m:t>𝑥</m:t>
-                        </m:r>
-                      </m:e>
-                      <m:sub>
-                        <m:r>
-                          <a:rPr lang="fr-BE" b="0" i="1" smtClean="0">
-                            <a:latin typeface="Cambria Math" panose="02040503050406030204" pitchFamily="18" charset="0"/>
-                          </a:rPr>
-                          <m:t>𝑡</m:t>
-                        </m:r>
-                      </m:sub>
-                    </m:sSub>
-                    <m:r>
-                      <a:rPr lang="fr-BE" b="0" i="1" smtClean="0">
-                        <a:latin typeface="Cambria Math" panose="02040503050406030204" pitchFamily="18" charset="0"/>
-                      </a:rPr>
-                      <m:t>=</m:t>
-                    </m:r>
-                    <m:r>
-                      <a:rPr lang="fr-BE" b="0" i="1" smtClean="0">
-                        <a:latin typeface="Cambria Math" panose="02040503050406030204" pitchFamily="18" charset="0"/>
-                      </a:rPr>
-                      <m:t>𝑓</m:t>
-                    </m:r>
-                    <m:r>
-                      <a:rPr lang="fr-BE" b="0" i="1" smtClean="0">
-                        <a:latin typeface="Cambria Math" panose="02040503050406030204" pitchFamily="18" charset="0"/>
-                      </a:rPr>
-                      <m:t>(</m:t>
-                    </m:r>
-                    <m:sSub>
-                      <m:sSubPr>
-                        <m:ctrlPr>
-                          <a:rPr lang="en-GB" i="1" smtClean="0">
-                            <a:latin typeface="Cambria Math" panose="02040503050406030204" pitchFamily="18" charset="0"/>
-                          </a:rPr>
-                        </m:ctrlPr>
-                      </m:sSubPr>
-                      <m:e>
-                        <m:r>
-                          <a:rPr lang="fr-BE" b="0" i="1" smtClean="0">
-                            <a:latin typeface="Cambria Math" panose="02040503050406030204" pitchFamily="18" charset="0"/>
-                          </a:rPr>
-                          <m:t>𝑥</m:t>
-                        </m:r>
-                      </m:e>
-                      <m:sub>
-                        <m:r>
-                          <a:rPr lang="fr-BE" b="0" i="1" smtClean="0">
-                            <a:latin typeface="Cambria Math" panose="02040503050406030204" pitchFamily="18" charset="0"/>
-                          </a:rPr>
-                          <m:t>𝑡</m:t>
-                        </m:r>
-                        <m:r>
-                          <a:rPr lang="fr-BE" b="0" i="1" smtClean="0">
-                            <a:latin typeface="Cambria Math" panose="02040503050406030204" pitchFamily="18" charset="0"/>
-                          </a:rPr>
-                          <m:t>−1</m:t>
-                        </m:r>
-                      </m:sub>
-                    </m:sSub>
-                    <m:r>
-                      <a:rPr lang="fr-BE" b="0" i="1" smtClean="0">
-                        <a:latin typeface="Cambria Math" panose="02040503050406030204" pitchFamily="18" charset="0"/>
-                      </a:rPr>
-                      <m:t>,</m:t>
-                    </m:r>
-                    <m:sSub>
-                      <m:sSubPr>
-                        <m:ctrlPr>
-                          <a:rPr lang="en-GB" i="1" smtClean="0">
-                            <a:latin typeface="Cambria Math" panose="02040503050406030204" pitchFamily="18" charset="0"/>
-                          </a:rPr>
-                        </m:ctrlPr>
-                      </m:sSubPr>
-                      <m:e>
-                        <m:r>
-                          <a:rPr lang="fr-BE" b="0" i="1" smtClean="0">
-                            <a:latin typeface="Cambria Math" panose="02040503050406030204" pitchFamily="18" charset="0"/>
-                          </a:rPr>
-                          <m:t>𝑥</m:t>
-                        </m:r>
-                      </m:e>
-                      <m:sub>
-                        <m:r>
-                          <a:rPr lang="fr-BE" b="0" i="1" smtClean="0">
-                            <a:latin typeface="Cambria Math" panose="02040503050406030204" pitchFamily="18" charset="0"/>
-                          </a:rPr>
-                          <m:t>𝑡</m:t>
-                        </m:r>
-                        <m:r>
-                          <a:rPr lang="fr-BE" b="0" i="1" smtClean="0">
-                            <a:latin typeface="Cambria Math" panose="02040503050406030204" pitchFamily="18" charset="0"/>
-                          </a:rPr>
-                          <m:t>−2</m:t>
-                        </m:r>
-                      </m:sub>
-                    </m:sSub>
-                    <m:r>
-                      <a:rPr lang="fr-BE" b="0" i="1" smtClean="0">
-                        <a:latin typeface="Cambria Math" panose="02040503050406030204" pitchFamily="18" charset="0"/>
-                      </a:rPr>
-                      <m:t>,⋯,</m:t>
-                    </m:r>
-                    <m:sSub>
-                      <m:sSubPr>
-                        <m:ctrlPr>
-                          <a:rPr lang="en-GB" i="1" smtClean="0">
-                            <a:latin typeface="Cambria Math" panose="02040503050406030204" pitchFamily="18" charset="0"/>
-                          </a:rPr>
-                        </m:ctrlPr>
-                      </m:sSubPr>
-                      <m:e>
-                        <m:r>
-                          <a:rPr lang="fr-BE" b="0" i="1" smtClean="0">
-                            <a:latin typeface="Cambria Math" panose="02040503050406030204" pitchFamily="18" charset="0"/>
-                            <a:ea typeface="Cambria Math" panose="02040503050406030204" pitchFamily="18" charset="0"/>
-                          </a:rPr>
-                          <m:t>𝜀</m:t>
-                        </m:r>
-                      </m:e>
-                      <m:sub>
-                        <m:r>
-                          <a:rPr lang="fr-BE" b="0" i="1" smtClean="0">
-                            <a:latin typeface="Cambria Math" panose="02040503050406030204" pitchFamily="18" charset="0"/>
-                          </a:rPr>
-                          <m:t>𝑡</m:t>
-                        </m:r>
-                      </m:sub>
-                    </m:sSub>
-                    <m:r>
-                      <a:rPr lang="fr-BE" b="0" i="1" smtClean="0">
-                        <a:latin typeface="Cambria Math" panose="02040503050406030204" pitchFamily="18" charset="0"/>
-                      </a:rPr>
-                      <m:t>)</m:t>
-                    </m:r>
-                  </m:oMath>
-                </a14:m>
-                <a:endParaRPr lang="en-GB" dirty="0"/>
-              </a:p>
-              <a:p>
-                <a:r>
-                  <a:rPr lang="en-GB" dirty="0"/>
-                  <a:t>ARIMA models (Box-Jenkins)</a:t>
-                </a:r>
-              </a:p>
-              <a:p>
-                <a:pPr lvl="1"/>
-                <a:r>
-                  <a:rPr lang="en-GB" dirty="0"/>
-                  <a:t>Good approximation of </a:t>
-                </a:r>
-                <a14:m>
-                  <m:oMath xmlns:m="http://schemas.openxmlformats.org/officeDocument/2006/math">
-                    <m:r>
-                      <a:rPr lang="fr-BE" b="0" i="1" smtClean="0">
-                        <a:latin typeface="Cambria Math" panose="02040503050406030204" pitchFamily="18" charset="0"/>
-                      </a:rPr>
-                      <m:t>𝑓</m:t>
-                    </m:r>
-                  </m:oMath>
-                </a14:m>
-                <a:endParaRPr lang="en-GB" dirty="0"/>
-              </a:p>
-              <a:p>
-                <a:pPr lvl="1"/>
-                <a:r>
-                  <a:rPr lang="en-GB" dirty="0"/>
-                  <a:t>Flexible, parsimonious</a:t>
-                </a:r>
-              </a:p>
-            </p:txBody>
-          </p:sp>
-        </mc:Choice>
-        <mc:Fallback xmlns="">
-          <p:sp>
-            <p:nvSpPr>
-              <p:cNvPr id="3" name="Content Placeholder 2">
-                <a:extLst>
-                  <a:ext uri="{FF2B5EF4-FFF2-40B4-BE49-F238E27FC236}">
-                    <a16:creationId xmlns:a16="http://schemas.microsoft.com/office/drawing/2014/main" id="{8960CBDC-549E-4102-8ADF-10FF41A00C00}"/>
-                  </a:ext>
-                </a:extLst>
-              </p:cNvPr>
-              <p:cNvSpPr>
-                <a:spLocks noGrp="1" noRot="1" noChangeAspect="1" noMove="1" noResize="1" noEditPoints="1" noAdjustHandles="1" noChangeArrowheads="1" noChangeShapeType="1" noTextEdit="1"/>
-              </p:cNvSpPr>
-              <p:nvPr>
-                <p:ph idx="1"/>
-              </p:nvPr>
-            </p:nvSpPr>
-            <p:spPr>
-              <a:blipFill>
-                <a:blip r:embed="rId2"/>
-                <a:stretch>
-                  <a:fillRect l="-1043" t="-2241"/>
-                </a:stretch>
-              </a:blipFill>
-            </p:spPr>
-            <p:txBody>
-              <a:bodyPr/>
-              <a:lstStyle/>
-              <a:p>
-                <a:r>
-                  <a:rPr lang="en-GB">
-                    <a:noFill/>
-                  </a:rPr>
-                  <a:t> </a:t>
-                </a:r>
-              </a:p>
-            </p:txBody>
-          </p:sp>
-        </mc:Fallback>
-      </mc:AlternateContent>
-      <p:sp>
-        <p:nvSpPr>
-          <p:cNvPr id="4" name="Date Placeholder 3">
-            <a:extLst>
-              <a:ext uri="{FF2B5EF4-FFF2-40B4-BE49-F238E27FC236}">
-                <a16:creationId xmlns:a16="http://schemas.microsoft.com/office/drawing/2014/main" id="{DBC4C6B0-4E3E-48C6-A0E2-EBC14157C67E}"/>
-              </a:ext>
-            </a:extLst>
-          </p:cNvPr>
-          <p:cNvSpPr>
-            <a:spLocks noGrp="1"/>
-          </p:cNvSpPr>
-          <p:nvPr>
-            <p:ph type="dt" sz="half" idx="10"/>
-          </p:nvPr>
-        </p:nvSpPr>
-        <p:spPr/>
-        <p:txBody>
-          <a:bodyPr/>
-          <a:lstStyle/>
-          <a:p>
-            <a:r>
-              <a:rPr lang="en-US"/>
-              <a:t>15-17/10/2024</a:t>
-            </a:r>
-            <a:endParaRPr lang="en-GB"/>
-          </a:p>
-        </p:txBody>
-      </p:sp>
-      <p:sp>
-        <p:nvSpPr>
-          <p:cNvPr id="5" name="Footer Placeholder 4">
-            <a:extLst>
-              <a:ext uri="{FF2B5EF4-FFF2-40B4-BE49-F238E27FC236}">
-                <a16:creationId xmlns:a16="http://schemas.microsoft.com/office/drawing/2014/main" id="{295C6E60-040F-4CFC-A6C4-2DF67C91C217}"/>
-              </a:ext>
-            </a:extLst>
-          </p:cNvPr>
-          <p:cNvSpPr>
-            <a:spLocks noGrp="1"/>
-          </p:cNvSpPr>
-          <p:nvPr>
-            <p:ph type="ftr" sz="quarter" idx="11"/>
-          </p:nvPr>
-        </p:nvSpPr>
-        <p:spPr/>
-        <p:txBody>
-          <a:bodyPr/>
-          <a:lstStyle/>
-          <a:p>
-            <a:r>
-              <a:rPr lang="en-GB"/>
-              <a:t>CONTRACTORS ORGANISING SOME OF THE COURSES ARE ACTING UNDER A FRAMEWORK CONTRACT CONCLUDED WITH THE COMMISSION</a:t>
-            </a:r>
-          </a:p>
-        </p:txBody>
-      </p:sp>
-    </p:spTree>
-    <p:extLst>
-      <p:ext uri="{BB962C8B-B14F-4D97-AF65-F5344CB8AC3E}">
-        <p14:creationId xmlns:p14="http://schemas.microsoft.com/office/powerpoint/2010/main" val="3286889596"/>
       </p:ext>
     </p:extLst>
   </p:cSld>

--- a/Presentations/1.5 Time series.pptx
+++ b/Presentations/1.5 Time series.pptx
@@ -628,7 +628,7 @@
           <a:p>
             <a:fld id="{AD1A94AC-CE41-40D0-BC34-E17130F134CD}" type="datetimeFigureOut">
               <a:rPr lang="en-GB" smtClean="0"/>
-              <a:t>10/10/2024</a:t>
+              <a:t>15/10/2024</a:t>
             </a:fld>
             <a:endParaRPr lang="en-GB"/>
           </a:p>
@@ -5612,8 +5612,8 @@
           </a:p>
         </p:txBody>
       </p:sp>
-      <mc:AlternateContent xmlns:mc="http://schemas.openxmlformats.org/markup-compatibility/2006">
-        <mc:Choice xmlns:a14="http://schemas.microsoft.com/office/drawing/2010/main" Requires="a14">
+      <mc:AlternateContent xmlns:mc="http://schemas.openxmlformats.org/markup-compatibility/2006" xmlns:a14="http://schemas.microsoft.com/office/drawing/2010/main">
+        <mc:Choice Requires="a14">
           <p:sp>
             <p:nvSpPr>
               <p:cNvPr id="3" name="Content Placeholder 2">
@@ -6525,7 +6525,7 @@
             </p:txBody>
           </p:sp>
         </mc:Choice>
-        <mc:Fallback>
+        <mc:Fallback xmlns="">
           <p:sp>
             <p:nvSpPr>
               <p:cNvPr id="3" name="Content Placeholder 2">
@@ -11047,8 +11047,8 @@
           </a:p>
         </p:txBody>
       </p:sp>
-      <mc:AlternateContent xmlns:mc="http://schemas.openxmlformats.org/markup-compatibility/2006">
-        <mc:Choice xmlns:a14="http://schemas.microsoft.com/office/drawing/2010/main" Requires="a14">
+      <mc:AlternateContent xmlns:mc="http://schemas.openxmlformats.org/markup-compatibility/2006" xmlns:a14="http://schemas.microsoft.com/office/drawing/2010/main">
+        <mc:Choice Requires="a14">
           <p:sp>
             <p:nvSpPr>
               <p:cNvPr id="3" name="Content Placeholder 2">
@@ -11866,7 +11866,7 @@
             </p:txBody>
           </p:sp>
         </mc:Choice>
-        <mc:Fallback>
+        <mc:Fallback xmlns="">
           <p:sp>
             <p:nvSpPr>
               <p:cNvPr id="3" name="Content Placeholder 2">
@@ -12021,8 +12021,8 @@
           </a:p>
         </p:txBody>
       </p:sp>
-      <mc:AlternateContent xmlns:mc="http://schemas.openxmlformats.org/markup-compatibility/2006">
-        <mc:Choice xmlns:a14="http://schemas.microsoft.com/office/drawing/2010/main" Requires="a14">
+      <mc:AlternateContent xmlns:mc="http://schemas.openxmlformats.org/markup-compatibility/2006" xmlns:a14="http://schemas.microsoft.com/office/drawing/2010/main">
+        <mc:Choice Requires="a14">
           <p:sp>
             <p:nvSpPr>
               <p:cNvPr id="3" name="Content Placeholder 2">
@@ -14099,7 +14099,7 @@
             </p:txBody>
           </p:sp>
         </mc:Choice>
-        <mc:Fallback>
+        <mc:Fallback xmlns="">
           <p:sp>
             <p:nvSpPr>
               <p:cNvPr id="3" name="Content Placeholder 2">
@@ -14249,7 +14249,7 @@
           <a:p>
             <a:r>
               <a:rPr lang="fr-BE" dirty="0"/>
-              <a:t>4. </a:t>
+              <a:t>3. </a:t>
             </a:r>
             <a:r>
               <a:rPr lang="fr-BE" dirty="0" err="1"/>
@@ -14267,8 +14267,8 @@
           </a:p>
         </p:txBody>
       </p:sp>
-      <mc:AlternateContent xmlns:mc="http://schemas.openxmlformats.org/markup-compatibility/2006">
-        <mc:Choice xmlns:a14="http://schemas.microsoft.com/office/drawing/2010/main" Requires="a14">
+      <mc:AlternateContent xmlns:mc="http://schemas.openxmlformats.org/markup-compatibility/2006" xmlns:a14="http://schemas.microsoft.com/office/drawing/2010/main">
+        <mc:Choice Requires="a14">
           <p:sp>
             <p:nvSpPr>
               <p:cNvPr id="3" name="Espace réservé du contenu 2">
@@ -15922,7 +15922,7 @@
             </p:txBody>
           </p:sp>
         </mc:Choice>
-        <mc:Fallback>
+        <mc:Fallback xmlns="">
           <p:sp>
             <p:nvSpPr>
               <p:cNvPr id="3" name="Espace réservé du contenu 2">
@@ -16072,7 +16072,7 @@
           <a:p>
             <a:r>
               <a:rPr lang="fr-BE" dirty="0"/>
-              <a:t>4. </a:t>
+              <a:t>3. </a:t>
             </a:r>
             <a:r>
               <a:rPr lang="fr-BE" dirty="0" err="1"/>
@@ -16098,8 +16098,8 @@
           </a:p>
         </p:txBody>
       </p:sp>
-      <mc:AlternateContent xmlns:mc="http://schemas.openxmlformats.org/markup-compatibility/2006">
-        <mc:Choice xmlns:a14="http://schemas.microsoft.com/office/drawing/2010/main" Requires="a14">
+      <mc:AlternateContent xmlns:mc="http://schemas.openxmlformats.org/markup-compatibility/2006" xmlns:a14="http://schemas.microsoft.com/office/drawing/2010/main">
+        <mc:Choice Requires="a14">
           <p:sp>
             <p:nvSpPr>
               <p:cNvPr id="3" name="Espace réservé du contenu 2">
@@ -16590,7 +16590,7 @@
             </p:txBody>
           </p:sp>
         </mc:Choice>
-        <mc:Fallback>
+        <mc:Fallback xmlns="">
           <p:sp>
             <p:nvSpPr>
               <p:cNvPr id="3" name="Espace réservé du contenu 2">
@@ -16746,7 +16746,7 @@
           <a:p>
             <a:r>
               <a:rPr lang="fr-BE" dirty="0"/>
-              <a:t>4. </a:t>
+              <a:t>3. </a:t>
             </a:r>
             <a:r>
               <a:rPr lang="fr-BE" dirty="0" err="1"/>
@@ -16772,8 +16772,8 @@
           </a:p>
         </p:txBody>
       </p:sp>
-      <mc:AlternateContent xmlns:mc="http://schemas.openxmlformats.org/markup-compatibility/2006">
-        <mc:Choice xmlns:a14="http://schemas.microsoft.com/office/drawing/2010/main" Requires="a14">
+      <mc:AlternateContent xmlns:mc="http://schemas.openxmlformats.org/markup-compatibility/2006" xmlns:a14="http://schemas.microsoft.com/office/drawing/2010/main">
+        <mc:Choice Requires="a14">
           <p:sp>
             <p:nvSpPr>
               <p:cNvPr id="3" name="Espace réservé du contenu 2">
@@ -16903,7 +16903,7 @@
             </p:txBody>
           </p:sp>
         </mc:Choice>
-        <mc:Fallback>
+        <mc:Fallback xmlns="">
           <p:sp>
             <p:nvSpPr>
               <p:cNvPr id="3" name="Espace réservé du contenu 2">
@@ -17118,8 +17118,8 @@
           </a:p>
         </p:txBody>
       </p:sp>
-      <mc:AlternateContent xmlns:mc="http://schemas.openxmlformats.org/markup-compatibility/2006">
-        <mc:Choice xmlns:a14="http://schemas.microsoft.com/office/drawing/2010/main" Requires="a14">
+      <mc:AlternateContent xmlns:mc="http://schemas.openxmlformats.org/markup-compatibility/2006" xmlns:a14="http://schemas.microsoft.com/office/drawing/2010/main">
+        <mc:Choice Requires="a14">
           <p:sp>
             <p:nvSpPr>
               <p:cNvPr id="3" name="Content Placeholder 2">
@@ -17404,7 +17404,7 @@
             </p:txBody>
           </p:sp>
         </mc:Choice>
-        <mc:Fallback>
+        <mc:Fallback xmlns="">
           <p:sp>
             <p:nvSpPr>
               <p:cNvPr id="3" name="Content Placeholder 2">
